--- a/Second_Draft.pptx
+++ b/Second_Draft.pptx
@@ -1111,7 +1111,7 @@
           <a:p>
             <a:fld id="{7F612655-39F8-F347-982F-58746B965C3A}" type="datetimeFigureOut">
               <a:rPr lang="en-US" smtClean="0"/>
-              <a:t>3/14/23</a:t>
+              <a:t>3/15/23</a:t>
             </a:fld>
             <a:endParaRPr lang="en-US"/>
           </a:p>
@@ -9767,7 +9767,7 @@
           <p:nvPr>
             <p:extLst>
               <p:ext uri="{D42A27DB-BD31-4B8C-83A1-F6EECF244321}">
-                <p14:modId xmlns:p14="http://schemas.microsoft.com/office/powerpoint/2010/main" val="3639992007"/>
+                <p14:modId xmlns:p14="http://schemas.microsoft.com/office/powerpoint/2010/main" val="2614629613"/>
               </p:ext>
             </p:extLst>
           </p:nvPr>
@@ -9783,35 +9783,42 @@
                 <a:tableStyleId>{5C22544A-7EE6-4342-B048-85BDC9FD1C3A}</a:tableStyleId>
               </a:tblPr>
               <a:tblGrid>
-                <a:gridCol w="1700784">
+                <a:gridCol w="1417320">
                   <a:extLst>
                     <a:ext uri="{9D8B030D-6E8A-4147-A177-3AD203B41FA5}">
                       <a16:colId xmlns:a16="http://schemas.microsoft.com/office/drawing/2014/main" val="2812415835"/>
                     </a:ext>
                   </a:extLst>
                 </a:gridCol>
-                <a:gridCol w="1700784">
+                <a:gridCol w="1417320">
+                  <a:extLst>
+                    <a:ext uri="{9D8B030D-6E8A-4147-A177-3AD203B41FA5}">
+                      <a16:colId xmlns:a16="http://schemas.microsoft.com/office/drawing/2014/main" val="3074242203"/>
+                    </a:ext>
+                  </a:extLst>
+                </a:gridCol>
+                <a:gridCol w="1417320">
                   <a:extLst>
                     <a:ext uri="{9D8B030D-6E8A-4147-A177-3AD203B41FA5}">
                       <a16:colId xmlns:a16="http://schemas.microsoft.com/office/drawing/2014/main" val="1597612126"/>
                     </a:ext>
                   </a:extLst>
                 </a:gridCol>
-                <a:gridCol w="1700784">
+                <a:gridCol w="1417320">
                   <a:extLst>
                     <a:ext uri="{9D8B030D-6E8A-4147-A177-3AD203B41FA5}">
                       <a16:colId xmlns:a16="http://schemas.microsoft.com/office/drawing/2014/main" val="1570262287"/>
                     </a:ext>
                   </a:extLst>
                 </a:gridCol>
-                <a:gridCol w="1700784">
+                <a:gridCol w="1417320">
                   <a:extLst>
                     <a:ext uri="{9D8B030D-6E8A-4147-A177-3AD203B41FA5}">
                       <a16:colId xmlns:a16="http://schemas.microsoft.com/office/drawing/2014/main" val="4014363287"/>
                     </a:ext>
                   </a:extLst>
                 </a:gridCol>
-                <a:gridCol w="1700784">
+                <a:gridCol w="1417320">
                   <a:extLst>
                     <a:ext uri="{9D8B030D-6E8A-4147-A177-3AD203B41FA5}">
                       <a16:colId xmlns:a16="http://schemas.microsoft.com/office/drawing/2014/main" val="489630985"/>
@@ -9876,6 +9883,56 @@
                           <a:ea typeface="+mn-ea"/>
                           <a:cs typeface="+mn-cs"/>
                         </a:rPr>
+                        <a:t>$ 0.0</a:t>
+                      </a:r>
+                    </a:p>
+                  </a:txBody>
+                  <a:tcPr>
+                    <a:lnL w="12700" cap="flat" cmpd="sng" algn="ctr">
+                      <a:solidFill>
+                        <a:schemeClr val="tx1"/>
+                      </a:solidFill>
+                      <a:prstDash val="solid"/>
+                      <a:round/>
+                      <a:headEnd type="none" w="med" len="med"/>
+                      <a:tailEnd type="none" w="med" len="med"/>
+                    </a:lnL>
+                    <a:lnR w="12700" cap="flat" cmpd="sng" algn="ctr">
+                      <a:solidFill>
+                        <a:schemeClr val="tx1"/>
+                      </a:solidFill>
+                      <a:prstDash val="solid"/>
+                      <a:round/>
+                      <a:headEnd type="none" w="med" len="med"/>
+                      <a:tailEnd type="none" w="med" len="med"/>
+                    </a:lnR>
+                    <a:lnB w="12700" cap="flat" cmpd="sng" algn="ctr">
+                      <a:solidFill>
+                        <a:schemeClr val="tx1"/>
+                      </a:solidFill>
+                      <a:prstDash val="solid"/>
+                      <a:round/>
+                      <a:headEnd type="none" w="med" len="med"/>
+                      <a:tailEnd type="none" w="med" len="med"/>
+                    </a:lnB>
+                    <a:noFill/>
+                  </a:tcPr>
+                </a:tc>
+                <a:tc>
+                  <a:txBody>
+                    <a:bodyPr/>
+                    <a:lstStyle/>
+                    <a:p>
+                      <a:pPr marL="0" algn="ctr" defTabSz="685800" rtl="0" eaLnBrk="1" latinLnBrk="0" hangingPunct="1"/>
+                      <a:r>
+                        <a:rPr lang="en-US" sz="1350" b="0" kern="1200" dirty="0">
+                          <a:solidFill>
+                            <a:schemeClr val="dk1"/>
+                          </a:solidFill>
+                          <a:latin typeface="+mn-lt"/>
+                          <a:ea typeface="+mn-ea"/>
+                          <a:cs typeface="+mn-cs"/>
+                        </a:rPr>
                         <a:t>$ 0.50</a:t>
                       </a:r>
                     </a:p>
@@ -10109,6 +10166,58 @@
                       <a:pPr algn="ctr"/>
                       <a:r>
                         <a:rPr lang="en-US" dirty="0"/>
+                        <a:t>$4.18</a:t>
+                      </a:r>
+                    </a:p>
+                  </a:txBody>
+                  <a:tcPr>
+                    <a:lnL w="12700" cap="flat" cmpd="sng" algn="ctr">
+                      <a:solidFill>
+                        <a:schemeClr val="tx1"/>
+                      </a:solidFill>
+                      <a:prstDash val="solid"/>
+                      <a:round/>
+                      <a:headEnd type="none" w="med" len="med"/>
+                      <a:tailEnd type="none" w="med" len="med"/>
+                    </a:lnL>
+                    <a:lnR w="12700" cap="flat" cmpd="sng" algn="ctr">
+                      <a:solidFill>
+                        <a:schemeClr val="tx1"/>
+                      </a:solidFill>
+                      <a:prstDash val="solid"/>
+                      <a:round/>
+                      <a:headEnd type="none" w="med" len="med"/>
+                      <a:tailEnd type="none" w="med" len="med"/>
+                    </a:lnR>
+                    <a:lnT w="12700" cap="flat" cmpd="sng" algn="ctr">
+                      <a:solidFill>
+                        <a:schemeClr val="tx1"/>
+                      </a:solidFill>
+                      <a:prstDash val="solid"/>
+                      <a:round/>
+                      <a:headEnd type="none" w="med" len="med"/>
+                      <a:tailEnd type="none" w="med" len="med"/>
+                    </a:lnT>
+                    <a:lnB w="12700" cap="flat" cmpd="sng" algn="ctr">
+                      <a:solidFill>
+                        <a:schemeClr val="tx1"/>
+                      </a:solidFill>
+                      <a:prstDash val="solid"/>
+                      <a:round/>
+                      <a:headEnd type="none" w="med" len="med"/>
+                      <a:tailEnd type="none" w="med" len="med"/>
+                    </a:lnB>
+                    <a:noFill/>
+                  </a:tcPr>
+                </a:tc>
+                <a:tc>
+                  <a:txBody>
+                    <a:bodyPr/>
+                    <a:lstStyle/>
+                    <a:p>
+                      <a:pPr algn="ctr"/>
+                      <a:r>
+                        <a:rPr lang="en-US" dirty="0"/>
                         <a:t>$ 3.83</a:t>
                       </a:r>
                     </a:p>
@@ -10434,7 +10543,50 @@
                       <a:pPr algn="ctr"/>
                       <a:r>
                         <a:rPr lang="en-US" dirty="0"/>
-                        <a:t>Exercise</a:t>
+                        <a:t>Continue</a:t>
+                      </a:r>
+                    </a:p>
+                  </a:txBody>
+                  <a:tcPr>
+                    <a:lnL w="12700" cap="flat" cmpd="sng" algn="ctr">
+                      <a:solidFill>
+                        <a:schemeClr val="tx1"/>
+                      </a:solidFill>
+                      <a:prstDash val="solid"/>
+                      <a:round/>
+                      <a:headEnd type="none" w="med" len="med"/>
+                      <a:tailEnd type="none" w="med" len="med"/>
+                    </a:lnL>
+                    <a:lnR w="12700" cap="flat" cmpd="sng" algn="ctr">
+                      <a:solidFill>
+                        <a:schemeClr val="tx1"/>
+                      </a:solidFill>
+                      <a:prstDash val="solid"/>
+                      <a:round/>
+                      <a:headEnd type="none" w="med" len="med"/>
+                      <a:tailEnd type="none" w="med" len="med"/>
+                    </a:lnR>
+                    <a:lnT w="12700" cap="flat" cmpd="sng" algn="ctr">
+                      <a:solidFill>
+                        <a:schemeClr val="tx1"/>
+                      </a:solidFill>
+                      <a:prstDash val="solid"/>
+                      <a:round/>
+                      <a:headEnd type="none" w="med" len="med"/>
+                      <a:tailEnd type="none" w="med" len="med"/>
+                    </a:lnT>
+                    <a:noFill/>
+                  </a:tcPr>
+                </a:tc>
+                <a:tc>
+                  <a:txBody>
+                    <a:bodyPr/>
+                    <a:lstStyle/>
+                    <a:p>
+                      <a:pPr algn="ctr"/>
+                      <a:r>
+                        <a:rPr lang="en-US" dirty="0"/>
+                        <a:t>Stop</a:t>
                       </a:r>
                     </a:p>
                   </a:txBody>
@@ -10654,7 +10806,7 @@
           <p:nvPr>
             <p:extLst>
               <p:ext uri="{D42A27DB-BD31-4B8C-83A1-F6EECF244321}">
-                <p14:modId xmlns:p14="http://schemas.microsoft.com/office/powerpoint/2010/main" val="3824105136"/>
+                <p14:modId xmlns:p14="http://schemas.microsoft.com/office/powerpoint/2010/main" val="3938270142"/>
               </p:ext>
             </p:extLst>
           </p:nvPr>
@@ -10670,35 +10822,42 @@
                 <a:tableStyleId>{5C22544A-7EE6-4342-B048-85BDC9FD1C3A}</a:tableStyleId>
               </a:tblPr>
               <a:tblGrid>
-                <a:gridCol w="1700784">
+                <a:gridCol w="1417320">
                   <a:extLst>
                     <a:ext uri="{9D8B030D-6E8A-4147-A177-3AD203B41FA5}">
                       <a16:colId xmlns:a16="http://schemas.microsoft.com/office/drawing/2014/main" val="2812415835"/>
                     </a:ext>
                   </a:extLst>
                 </a:gridCol>
-                <a:gridCol w="1700784">
+                <a:gridCol w="1417320">
+                  <a:extLst>
+                    <a:ext uri="{9D8B030D-6E8A-4147-A177-3AD203B41FA5}">
+                      <a16:colId xmlns:a16="http://schemas.microsoft.com/office/drawing/2014/main" val="2946370179"/>
+                    </a:ext>
+                  </a:extLst>
+                </a:gridCol>
+                <a:gridCol w="1417320">
                   <a:extLst>
                     <a:ext uri="{9D8B030D-6E8A-4147-A177-3AD203B41FA5}">
                       <a16:colId xmlns:a16="http://schemas.microsoft.com/office/drawing/2014/main" val="1597612126"/>
                     </a:ext>
                   </a:extLst>
                 </a:gridCol>
-                <a:gridCol w="1700784">
+                <a:gridCol w="1417320">
                   <a:extLst>
                     <a:ext uri="{9D8B030D-6E8A-4147-A177-3AD203B41FA5}">
                       <a16:colId xmlns:a16="http://schemas.microsoft.com/office/drawing/2014/main" val="1570262287"/>
                     </a:ext>
                   </a:extLst>
                 </a:gridCol>
-                <a:gridCol w="1700784">
+                <a:gridCol w="1417320">
                   <a:extLst>
                     <a:ext uri="{9D8B030D-6E8A-4147-A177-3AD203B41FA5}">
                       <a16:colId xmlns:a16="http://schemas.microsoft.com/office/drawing/2014/main" val="4014363287"/>
                     </a:ext>
                   </a:extLst>
                 </a:gridCol>
-                <a:gridCol w="1700784">
+                <a:gridCol w="1417320">
                   <a:extLst>
                     <a:ext uri="{9D8B030D-6E8A-4147-A177-3AD203B41FA5}">
                       <a16:colId xmlns:a16="http://schemas.microsoft.com/office/drawing/2014/main" val="489630985"/>
@@ -10763,7 +10922,7 @@
                           <a:ea typeface="+mn-ea"/>
                           <a:cs typeface="+mn-cs"/>
                         </a:rPr>
-                        <a:t>?</a:t>
+                        <a:t>$ 0</a:t>
                       </a:r>
                     </a:p>
                   </a:txBody>
@@ -10927,6 +11086,56 @@
                       <a:headEnd type="none" w="med" len="med"/>
                       <a:tailEnd type="none" w="med" len="med"/>
                     </a:lnL>
+                    <a:lnR w="12700" cap="flat" cmpd="sng" algn="ctr">
+                      <a:solidFill>
+                        <a:schemeClr val="tx1"/>
+                      </a:solidFill>
+                      <a:prstDash val="solid"/>
+                      <a:round/>
+                      <a:headEnd type="none" w="med" len="med"/>
+                      <a:tailEnd type="none" w="med" len="med"/>
+                    </a:lnR>
+                    <a:lnB w="12700" cap="flat" cmpd="sng" algn="ctr">
+                      <a:solidFill>
+                        <a:schemeClr val="tx1"/>
+                      </a:solidFill>
+                      <a:prstDash val="solid"/>
+                      <a:round/>
+                      <a:headEnd type="none" w="med" len="med"/>
+                      <a:tailEnd type="none" w="med" len="med"/>
+                    </a:lnB>
+                    <a:noFill/>
+                  </a:tcPr>
+                </a:tc>
+                <a:tc>
+                  <a:txBody>
+                    <a:bodyPr/>
+                    <a:lstStyle/>
+                    <a:p>
+                      <a:pPr marL="0" algn="ctr" defTabSz="685800" rtl="0" eaLnBrk="1" latinLnBrk="0" hangingPunct="1"/>
+                      <a:r>
+                        <a:rPr lang="en-US" sz="1350" b="0" kern="1200" dirty="0">
+                          <a:solidFill>
+                            <a:schemeClr val="dk1"/>
+                          </a:solidFill>
+                          <a:latin typeface="+mn-lt"/>
+                          <a:ea typeface="+mn-ea"/>
+                          <a:cs typeface="+mn-cs"/>
+                        </a:rPr>
+                        <a:t>?</a:t>
+                      </a:r>
+                    </a:p>
+                  </a:txBody>
+                  <a:tcPr>
+                    <a:lnL w="12700" cap="flat" cmpd="sng" algn="ctr">
+                      <a:solidFill>
+                        <a:schemeClr val="tx1"/>
+                      </a:solidFill>
+                      <a:prstDash val="solid"/>
+                      <a:round/>
+                      <a:headEnd type="none" w="med" len="med"/>
+                      <a:tailEnd type="none" w="med" len="med"/>
+                    </a:lnL>
                     <a:lnB w="12700" cap="flat" cmpd="sng" algn="ctr">
                       <a:solidFill>
                         <a:schemeClr val="tx1"/>
@@ -10953,11 +11162,63 @@
                     <a:p>
                       <a:r>
                         <a:rPr lang="en-US" dirty="0"/>
-                        <a:t>Q-Value (LSPI)</a:t>
+                        <a:t>Q-Value (DQL)</a:t>
                       </a:r>
                     </a:p>
                   </a:txBody>
                   <a:tcPr>
+                    <a:lnR w="12700" cap="flat" cmpd="sng" algn="ctr">
+                      <a:solidFill>
+                        <a:schemeClr val="tx1"/>
+                      </a:solidFill>
+                      <a:prstDash val="solid"/>
+                      <a:round/>
+                      <a:headEnd type="none" w="med" len="med"/>
+                      <a:tailEnd type="none" w="med" len="med"/>
+                    </a:lnR>
+                    <a:lnT w="12700" cap="flat" cmpd="sng" algn="ctr">
+                      <a:solidFill>
+                        <a:schemeClr val="tx1"/>
+                      </a:solidFill>
+                      <a:prstDash val="solid"/>
+                      <a:round/>
+                      <a:headEnd type="none" w="med" len="med"/>
+                      <a:tailEnd type="none" w="med" len="med"/>
+                    </a:lnT>
+                    <a:lnB w="12700" cap="flat" cmpd="sng" algn="ctr">
+                      <a:solidFill>
+                        <a:schemeClr val="tx1"/>
+                      </a:solidFill>
+                      <a:prstDash val="solid"/>
+                      <a:round/>
+                      <a:headEnd type="none" w="med" len="med"/>
+                      <a:tailEnd type="none" w="med" len="med"/>
+                    </a:lnB>
+                    <a:noFill/>
+                  </a:tcPr>
+                </a:tc>
+                <a:tc>
+                  <a:txBody>
+                    <a:bodyPr/>
+                    <a:lstStyle/>
+                    <a:p>
+                      <a:pPr algn="ctr"/>
+                      <a:r>
+                        <a:rPr lang="en-US" dirty="0"/>
+                        <a:t>$ 3.56</a:t>
+                      </a:r>
+                    </a:p>
+                  </a:txBody>
+                  <a:tcPr>
+                    <a:lnL w="12700" cap="flat" cmpd="sng" algn="ctr">
+                      <a:solidFill>
+                        <a:schemeClr val="tx1"/>
+                      </a:solidFill>
+                      <a:prstDash val="solid"/>
+                      <a:round/>
+                      <a:headEnd type="none" w="med" len="med"/>
+                      <a:tailEnd type="none" w="med" len="med"/>
+                    </a:lnL>
                     <a:lnR w="12700" cap="flat" cmpd="sng" algn="ctr">
                       <a:solidFill>
                         <a:schemeClr val="tx1"/>
@@ -11206,6 +11467,49 @@
                     </a:p>
                   </a:txBody>
                   <a:tcPr>
+                    <a:lnR w="12700" cap="flat" cmpd="sng" algn="ctr">
+                      <a:solidFill>
+                        <a:schemeClr val="tx1"/>
+                      </a:solidFill>
+                      <a:prstDash val="solid"/>
+                      <a:round/>
+                      <a:headEnd type="none" w="med" len="med"/>
+                      <a:tailEnd type="none" w="med" len="med"/>
+                    </a:lnR>
+                    <a:lnT w="12700" cap="flat" cmpd="sng" algn="ctr">
+                      <a:solidFill>
+                        <a:schemeClr val="tx1"/>
+                      </a:solidFill>
+                      <a:prstDash val="solid"/>
+                      <a:round/>
+                      <a:headEnd type="none" w="med" len="med"/>
+                      <a:tailEnd type="none" w="med" len="med"/>
+                    </a:lnT>
+                    <a:noFill/>
+                  </a:tcPr>
+                </a:tc>
+                <a:tc>
+                  <a:txBody>
+                    <a:bodyPr/>
+                    <a:lstStyle/>
+                    <a:p>
+                      <a:pPr algn="ctr"/>
+                      <a:r>
+                        <a:rPr lang="en-US" dirty="0"/>
+                        <a:t>Continue</a:t>
+                      </a:r>
+                    </a:p>
+                  </a:txBody>
+                  <a:tcPr>
+                    <a:lnL w="12700" cap="flat" cmpd="sng" algn="ctr">
+                      <a:solidFill>
+                        <a:schemeClr val="tx1"/>
+                      </a:solidFill>
+                      <a:prstDash val="solid"/>
+                      <a:round/>
+                      <a:headEnd type="none" w="med" len="med"/>
+                      <a:tailEnd type="none" w="med" len="med"/>
+                    </a:lnL>
                     <a:lnR w="12700" cap="flat" cmpd="sng" algn="ctr">
                       <a:solidFill>
                         <a:schemeClr val="tx1"/>
@@ -11541,7 +11845,7 @@
           <p:nvPr>
             <p:extLst>
               <p:ext uri="{D42A27DB-BD31-4B8C-83A1-F6EECF244321}">
-                <p14:modId xmlns:p14="http://schemas.microsoft.com/office/powerpoint/2010/main" val="3133822861"/>
+                <p14:modId xmlns:p14="http://schemas.microsoft.com/office/powerpoint/2010/main" val="309628116"/>
               </p:ext>
             </p:extLst>
           </p:nvPr>
@@ -11557,35 +11861,42 @@
                 <a:tableStyleId>{5C22544A-7EE6-4342-B048-85BDC9FD1C3A}</a:tableStyleId>
               </a:tblPr>
               <a:tblGrid>
-                <a:gridCol w="1700784">
+                <a:gridCol w="1417320">
                   <a:extLst>
                     <a:ext uri="{9D8B030D-6E8A-4147-A177-3AD203B41FA5}">
                       <a16:colId xmlns:a16="http://schemas.microsoft.com/office/drawing/2014/main" val="2812415835"/>
                     </a:ext>
                   </a:extLst>
                 </a:gridCol>
-                <a:gridCol w="1700784">
+                <a:gridCol w="1417320">
+                  <a:extLst>
+                    <a:ext uri="{9D8B030D-6E8A-4147-A177-3AD203B41FA5}">
+                      <a16:colId xmlns:a16="http://schemas.microsoft.com/office/drawing/2014/main" val="1710866062"/>
+                    </a:ext>
+                  </a:extLst>
+                </a:gridCol>
+                <a:gridCol w="1417320">
                   <a:extLst>
                     <a:ext uri="{9D8B030D-6E8A-4147-A177-3AD203B41FA5}">
                       <a16:colId xmlns:a16="http://schemas.microsoft.com/office/drawing/2014/main" val="1597612126"/>
                     </a:ext>
                   </a:extLst>
                 </a:gridCol>
-                <a:gridCol w="1700784">
+                <a:gridCol w="1417320">
                   <a:extLst>
                     <a:ext uri="{9D8B030D-6E8A-4147-A177-3AD203B41FA5}">
                       <a16:colId xmlns:a16="http://schemas.microsoft.com/office/drawing/2014/main" val="1570262287"/>
                     </a:ext>
                   </a:extLst>
                 </a:gridCol>
-                <a:gridCol w="1700784">
+                <a:gridCol w="1417320">
                   <a:extLst>
                     <a:ext uri="{9D8B030D-6E8A-4147-A177-3AD203B41FA5}">
                       <a16:colId xmlns:a16="http://schemas.microsoft.com/office/drawing/2014/main" val="4014363287"/>
                     </a:ext>
                   </a:extLst>
                 </a:gridCol>
-                <a:gridCol w="1700784">
+                <a:gridCol w="1417320">
                   <a:extLst>
                     <a:ext uri="{9D8B030D-6E8A-4147-A177-3AD203B41FA5}">
                       <a16:colId xmlns:a16="http://schemas.microsoft.com/office/drawing/2014/main" val="489630985"/>
@@ -11650,6 +11961,56 @@
                           <a:ea typeface="+mn-ea"/>
                           <a:cs typeface="+mn-cs"/>
                         </a:rPr>
+                        <a:t>$ 0</a:t>
+                      </a:r>
+                    </a:p>
+                  </a:txBody>
+                  <a:tcPr>
+                    <a:lnL w="12700" cap="flat" cmpd="sng" algn="ctr">
+                      <a:solidFill>
+                        <a:schemeClr val="tx1"/>
+                      </a:solidFill>
+                      <a:prstDash val="solid"/>
+                      <a:round/>
+                      <a:headEnd type="none" w="med" len="med"/>
+                      <a:tailEnd type="none" w="med" len="med"/>
+                    </a:lnL>
+                    <a:lnR w="12700" cap="flat" cmpd="sng" algn="ctr">
+                      <a:solidFill>
+                        <a:schemeClr val="tx1"/>
+                      </a:solidFill>
+                      <a:prstDash val="solid"/>
+                      <a:round/>
+                      <a:headEnd type="none" w="med" len="med"/>
+                      <a:tailEnd type="none" w="med" len="med"/>
+                    </a:lnR>
+                    <a:lnB w="12700" cap="flat" cmpd="sng" algn="ctr">
+                      <a:solidFill>
+                        <a:schemeClr val="tx1"/>
+                      </a:solidFill>
+                      <a:prstDash val="solid"/>
+                      <a:round/>
+                      <a:headEnd type="none" w="med" len="med"/>
+                      <a:tailEnd type="none" w="med" len="med"/>
+                    </a:lnB>
+                    <a:noFill/>
+                  </a:tcPr>
+                </a:tc>
+                <a:tc>
+                  <a:txBody>
+                    <a:bodyPr/>
+                    <a:lstStyle/>
+                    <a:p>
+                      <a:pPr marL="0" algn="ctr" defTabSz="685800" rtl="0" eaLnBrk="1" latinLnBrk="0" hangingPunct="1"/>
+                      <a:r>
+                        <a:rPr lang="en-US" sz="1350" b="0" kern="1200" dirty="0">
+                          <a:solidFill>
+                            <a:schemeClr val="dk1"/>
+                          </a:solidFill>
+                          <a:latin typeface="+mn-lt"/>
+                          <a:ea typeface="+mn-ea"/>
+                          <a:cs typeface="+mn-cs"/>
+                        </a:rPr>
                         <a:t>$ 13.00</a:t>
                       </a:r>
                     </a:p>
@@ -11840,11 +12201,63 @@
                     <a:p>
                       <a:r>
                         <a:rPr lang="en-US" dirty="0"/>
-                        <a:t>Q-Value (LSPI)</a:t>
+                        <a:t>Q-Value (DQL)</a:t>
                       </a:r>
                     </a:p>
                   </a:txBody>
                   <a:tcPr>
+                    <a:lnR w="12700" cap="flat" cmpd="sng" algn="ctr">
+                      <a:solidFill>
+                        <a:schemeClr val="tx1"/>
+                      </a:solidFill>
+                      <a:prstDash val="solid"/>
+                      <a:round/>
+                      <a:headEnd type="none" w="med" len="med"/>
+                      <a:tailEnd type="none" w="med" len="med"/>
+                    </a:lnR>
+                    <a:lnT w="12700" cap="flat" cmpd="sng" algn="ctr">
+                      <a:solidFill>
+                        <a:schemeClr val="tx1"/>
+                      </a:solidFill>
+                      <a:prstDash val="solid"/>
+                      <a:round/>
+                      <a:headEnd type="none" w="med" len="med"/>
+                      <a:tailEnd type="none" w="med" len="med"/>
+                    </a:lnT>
+                    <a:lnB w="12700" cap="flat" cmpd="sng" algn="ctr">
+                      <a:solidFill>
+                        <a:schemeClr val="tx1"/>
+                      </a:solidFill>
+                      <a:prstDash val="solid"/>
+                      <a:round/>
+                      <a:headEnd type="none" w="med" len="med"/>
+                      <a:tailEnd type="none" w="med" len="med"/>
+                    </a:lnB>
+                    <a:noFill/>
+                  </a:tcPr>
+                </a:tc>
+                <a:tc>
+                  <a:txBody>
+                    <a:bodyPr/>
+                    <a:lstStyle/>
+                    <a:p>
+                      <a:pPr algn="ctr"/>
+                      <a:r>
+                        <a:rPr lang="en-US" dirty="0"/>
+                        <a:t>$ 3.56</a:t>
+                      </a:r>
+                    </a:p>
+                  </a:txBody>
+                  <a:tcPr>
+                    <a:lnL w="12700" cap="flat" cmpd="sng" algn="ctr">
+                      <a:solidFill>
+                        <a:schemeClr val="tx1"/>
+                      </a:solidFill>
+                      <a:prstDash val="solid"/>
+                      <a:round/>
+                      <a:headEnd type="none" w="med" len="med"/>
+                      <a:tailEnd type="none" w="med" len="med"/>
+                    </a:lnL>
                     <a:lnR w="12700" cap="flat" cmpd="sng" algn="ctr">
                       <a:solidFill>
                         <a:schemeClr val="tx1"/>
@@ -12093,6 +12506,49 @@
                     </a:p>
                   </a:txBody>
                   <a:tcPr>
+                    <a:lnR w="12700" cap="flat" cmpd="sng" algn="ctr">
+                      <a:solidFill>
+                        <a:schemeClr val="tx1"/>
+                      </a:solidFill>
+                      <a:prstDash val="solid"/>
+                      <a:round/>
+                      <a:headEnd type="none" w="med" len="med"/>
+                      <a:tailEnd type="none" w="med" len="med"/>
+                    </a:lnR>
+                    <a:lnT w="12700" cap="flat" cmpd="sng" algn="ctr">
+                      <a:solidFill>
+                        <a:schemeClr val="tx1"/>
+                      </a:solidFill>
+                      <a:prstDash val="solid"/>
+                      <a:round/>
+                      <a:headEnd type="none" w="med" len="med"/>
+                      <a:tailEnd type="none" w="med" len="med"/>
+                    </a:lnT>
+                    <a:noFill/>
+                  </a:tcPr>
+                </a:tc>
+                <a:tc>
+                  <a:txBody>
+                    <a:bodyPr/>
+                    <a:lstStyle/>
+                    <a:p>
+                      <a:pPr algn="ctr"/>
+                      <a:r>
+                        <a:rPr lang="en-US" dirty="0"/>
+                        <a:t>Continue</a:t>
+                      </a:r>
+                    </a:p>
+                  </a:txBody>
+                  <a:tcPr>
+                    <a:lnL w="12700" cap="flat" cmpd="sng" algn="ctr">
+                      <a:solidFill>
+                        <a:schemeClr val="tx1"/>
+                      </a:solidFill>
+                      <a:prstDash val="solid"/>
+                      <a:round/>
+                      <a:headEnd type="none" w="med" len="med"/>
+                      <a:tailEnd type="none" w="med" len="med"/>
+                    </a:lnL>
                     <a:lnR w="12700" cap="flat" cmpd="sng" algn="ctr">
                       <a:solidFill>
                         <a:schemeClr val="tx1"/>
@@ -12317,6 +12773,40 @@
           </a:prstGeom>
         </p:spPr>
       </p:pic>
+      <p:sp>
+        <p:nvSpPr>
+          <p:cNvPr id="4" name="TextBox 3">
+            <a:extLst>
+              <a:ext uri="{FF2B5EF4-FFF2-40B4-BE49-F238E27FC236}">
+                <a16:creationId xmlns:a16="http://schemas.microsoft.com/office/drawing/2014/main" id="{D7967BE6-D4A0-D218-7C3C-69F32115C056}"/>
+              </a:ext>
+            </a:extLst>
+          </p:cNvPr>
+          <p:cNvSpPr txBox="1"/>
+          <p:nvPr/>
+        </p:nvSpPr>
+        <p:spPr>
+          <a:xfrm>
+            <a:off x="7903597" y="1414581"/>
+            <a:ext cx="848802" cy="178425"/>
+          </a:xfrm>
+          <a:prstGeom prst="rect">
+            <a:avLst/>
+          </a:prstGeom>
+          <a:solidFill>
+            <a:schemeClr val="bg1"/>
+          </a:solidFill>
+        </p:spPr>
+        <p:txBody>
+          <a:bodyPr wrap="square" rtlCol="0">
+            <a:spAutoFit/>
+          </a:bodyPr>
+          <a:lstStyle/>
+          <a:p>
+            <a:endParaRPr lang="en-GB" dirty="0"/>
+          </a:p>
+        </p:txBody>
+      </p:sp>
     </p:spTree>
     <p:extLst>
       <p:ext uri="{BB962C8B-B14F-4D97-AF65-F5344CB8AC3E}">
@@ -12428,7 +12918,7 @@
           <p:nvPr>
             <p:extLst>
               <p:ext uri="{D42A27DB-BD31-4B8C-83A1-F6EECF244321}">
-                <p14:modId xmlns:p14="http://schemas.microsoft.com/office/powerpoint/2010/main" val="1112165417"/>
+                <p14:modId xmlns:p14="http://schemas.microsoft.com/office/powerpoint/2010/main" val="2011806385"/>
               </p:ext>
             </p:extLst>
           </p:nvPr>
@@ -12444,35 +12934,42 @@
                 <a:tableStyleId>{5C22544A-7EE6-4342-B048-85BDC9FD1C3A}</a:tableStyleId>
               </a:tblPr>
               <a:tblGrid>
-                <a:gridCol w="1700784">
+                <a:gridCol w="1417320">
                   <a:extLst>
                     <a:ext uri="{9D8B030D-6E8A-4147-A177-3AD203B41FA5}">
                       <a16:colId xmlns:a16="http://schemas.microsoft.com/office/drawing/2014/main" val="2812415835"/>
                     </a:ext>
                   </a:extLst>
                 </a:gridCol>
-                <a:gridCol w="1700784">
+                <a:gridCol w="1417320">
+                  <a:extLst>
+                    <a:ext uri="{9D8B030D-6E8A-4147-A177-3AD203B41FA5}">
+                      <a16:colId xmlns:a16="http://schemas.microsoft.com/office/drawing/2014/main" val="3009988448"/>
+                    </a:ext>
+                  </a:extLst>
+                </a:gridCol>
+                <a:gridCol w="1417320">
                   <a:extLst>
                     <a:ext uri="{9D8B030D-6E8A-4147-A177-3AD203B41FA5}">
                       <a16:colId xmlns:a16="http://schemas.microsoft.com/office/drawing/2014/main" val="1597612126"/>
                     </a:ext>
                   </a:extLst>
                 </a:gridCol>
-                <a:gridCol w="1700784">
+                <a:gridCol w="1417320">
                   <a:extLst>
                     <a:ext uri="{9D8B030D-6E8A-4147-A177-3AD203B41FA5}">
                       <a16:colId xmlns:a16="http://schemas.microsoft.com/office/drawing/2014/main" val="1570262287"/>
                     </a:ext>
                   </a:extLst>
                 </a:gridCol>
-                <a:gridCol w="1700784">
+                <a:gridCol w="1417320">
                   <a:extLst>
                     <a:ext uri="{9D8B030D-6E8A-4147-A177-3AD203B41FA5}">
                       <a16:colId xmlns:a16="http://schemas.microsoft.com/office/drawing/2014/main" val="4014363287"/>
                     </a:ext>
                   </a:extLst>
                 </a:gridCol>
-                <a:gridCol w="1700784">
+                <a:gridCol w="1417320">
                   <a:extLst>
                     <a:ext uri="{9D8B030D-6E8A-4147-A177-3AD203B41FA5}">
                       <a16:colId xmlns:a16="http://schemas.microsoft.com/office/drawing/2014/main" val="489630985"/>
@@ -12537,6 +13034,56 @@
                           <a:ea typeface="+mn-ea"/>
                           <a:cs typeface="+mn-cs"/>
                         </a:rPr>
+                        <a:t>$ 0</a:t>
+                      </a:r>
+                    </a:p>
+                  </a:txBody>
+                  <a:tcPr>
+                    <a:lnL w="12700" cap="flat" cmpd="sng" algn="ctr">
+                      <a:solidFill>
+                        <a:schemeClr val="tx1"/>
+                      </a:solidFill>
+                      <a:prstDash val="solid"/>
+                      <a:round/>
+                      <a:headEnd type="none" w="med" len="med"/>
+                      <a:tailEnd type="none" w="med" len="med"/>
+                    </a:lnL>
+                    <a:lnR w="12700" cap="flat" cmpd="sng" algn="ctr">
+                      <a:solidFill>
+                        <a:schemeClr val="tx1"/>
+                      </a:solidFill>
+                      <a:prstDash val="solid"/>
+                      <a:round/>
+                      <a:headEnd type="none" w="med" len="med"/>
+                      <a:tailEnd type="none" w="med" len="med"/>
+                    </a:lnR>
+                    <a:lnB w="12700" cap="flat" cmpd="sng" algn="ctr">
+                      <a:solidFill>
+                        <a:schemeClr val="tx1"/>
+                      </a:solidFill>
+                      <a:prstDash val="solid"/>
+                      <a:round/>
+                      <a:headEnd type="none" w="med" len="med"/>
+                      <a:tailEnd type="none" w="med" len="med"/>
+                    </a:lnB>
+                    <a:noFill/>
+                  </a:tcPr>
+                </a:tc>
+                <a:tc>
+                  <a:txBody>
+                    <a:bodyPr/>
+                    <a:lstStyle/>
+                    <a:p>
+                      <a:pPr marL="0" algn="ctr" defTabSz="685800" rtl="0" eaLnBrk="1" latinLnBrk="0" hangingPunct="1"/>
+                      <a:r>
+                        <a:rPr lang="en-US" sz="1350" b="0" kern="1200" dirty="0">
+                          <a:solidFill>
+                            <a:schemeClr val="dk1"/>
+                          </a:solidFill>
+                          <a:latin typeface="+mn-lt"/>
+                          <a:ea typeface="+mn-ea"/>
+                          <a:cs typeface="+mn-cs"/>
+                        </a:rPr>
                         <a:t>$ 13.00</a:t>
                       </a:r>
                     </a:p>
@@ -12727,11 +13274,63 @@
                     <a:p>
                       <a:r>
                         <a:rPr lang="en-US" dirty="0"/>
-                        <a:t>Q-Value (LSPI)</a:t>
+                        <a:t>Q-Value (DQL)</a:t>
                       </a:r>
                     </a:p>
                   </a:txBody>
                   <a:tcPr>
+                    <a:lnR w="12700" cap="flat" cmpd="sng" algn="ctr">
+                      <a:solidFill>
+                        <a:schemeClr val="tx1"/>
+                      </a:solidFill>
+                      <a:prstDash val="solid"/>
+                      <a:round/>
+                      <a:headEnd type="none" w="med" len="med"/>
+                      <a:tailEnd type="none" w="med" len="med"/>
+                    </a:lnR>
+                    <a:lnT w="12700" cap="flat" cmpd="sng" algn="ctr">
+                      <a:solidFill>
+                        <a:schemeClr val="tx1"/>
+                      </a:solidFill>
+                      <a:prstDash val="solid"/>
+                      <a:round/>
+                      <a:headEnd type="none" w="med" len="med"/>
+                      <a:tailEnd type="none" w="med" len="med"/>
+                    </a:lnT>
+                    <a:lnB w="12700" cap="flat" cmpd="sng" algn="ctr">
+                      <a:solidFill>
+                        <a:schemeClr val="tx1"/>
+                      </a:solidFill>
+                      <a:prstDash val="solid"/>
+                      <a:round/>
+                      <a:headEnd type="none" w="med" len="med"/>
+                      <a:tailEnd type="none" w="med" len="med"/>
+                    </a:lnB>
+                    <a:noFill/>
+                  </a:tcPr>
+                </a:tc>
+                <a:tc>
+                  <a:txBody>
+                    <a:bodyPr/>
+                    <a:lstStyle/>
+                    <a:p>
+                      <a:pPr algn="ctr"/>
+                      <a:r>
+                        <a:rPr lang="en-US" dirty="0"/>
+                        <a:t>$ 3.56</a:t>
+                      </a:r>
+                    </a:p>
+                  </a:txBody>
+                  <a:tcPr>
+                    <a:lnL w="12700" cap="flat" cmpd="sng" algn="ctr">
+                      <a:solidFill>
+                        <a:schemeClr val="tx1"/>
+                      </a:solidFill>
+                      <a:prstDash val="solid"/>
+                      <a:round/>
+                      <a:headEnd type="none" w="med" len="med"/>
+                      <a:tailEnd type="none" w="med" len="med"/>
+                    </a:lnL>
                     <a:lnR w="12700" cap="flat" cmpd="sng" algn="ctr">
                       <a:solidFill>
                         <a:schemeClr val="tx1"/>
@@ -13009,7 +13608,7 @@
                       <a:pPr algn="ctr"/>
                       <a:r>
                         <a:rPr lang="en-US" dirty="0"/>
-                        <a:t>Stop</a:t>
+                        <a:t>Continue</a:t>
                       </a:r>
                     </a:p>
                   </a:txBody>
@@ -13052,7 +13651,50 @@
                       <a:pPr algn="ctr"/>
                       <a:r>
                         <a:rPr lang="en-US" dirty="0"/>
-                        <a:t>Continue</a:t>
+                        <a:t>Stop</a:t>
+                      </a:r>
+                    </a:p>
+                  </a:txBody>
+                  <a:tcPr>
+                    <a:lnL w="12700" cap="flat" cmpd="sng" algn="ctr">
+                      <a:solidFill>
+                        <a:schemeClr val="tx1"/>
+                      </a:solidFill>
+                      <a:prstDash val="solid"/>
+                      <a:round/>
+                      <a:headEnd type="none" w="med" len="med"/>
+                      <a:tailEnd type="none" w="med" len="med"/>
+                    </a:lnL>
+                    <a:lnR w="12700" cap="flat" cmpd="sng" algn="ctr">
+                      <a:solidFill>
+                        <a:schemeClr val="tx1"/>
+                      </a:solidFill>
+                      <a:prstDash val="solid"/>
+                      <a:round/>
+                      <a:headEnd type="none" w="med" len="med"/>
+                      <a:tailEnd type="none" w="med" len="med"/>
+                    </a:lnR>
+                    <a:lnT w="12700" cap="flat" cmpd="sng" algn="ctr">
+                      <a:solidFill>
+                        <a:schemeClr val="tx1"/>
+                      </a:solidFill>
+                      <a:prstDash val="solid"/>
+                      <a:round/>
+                      <a:headEnd type="none" w="med" len="med"/>
+                      <a:tailEnd type="none" w="med" len="med"/>
+                    </a:lnT>
+                    <a:noFill/>
+                  </a:tcPr>
+                </a:tc>
+                <a:tc>
+                  <a:txBody>
+                    <a:bodyPr/>
+                    <a:lstStyle/>
+                    <a:p>
+                      <a:pPr algn="ctr"/>
+                      <a:r>
+                        <a:rPr lang="en-US" dirty="0"/>
+                        <a:t>Stop</a:t>
                       </a:r>
                     </a:p>
                   </a:txBody>
@@ -13204,6 +13846,40 @@
           </a:prstGeom>
         </p:spPr>
       </p:pic>
+      <p:sp>
+        <p:nvSpPr>
+          <p:cNvPr id="4" name="TextBox 3">
+            <a:extLst>
+              <a:ext uri="{FF2B5EF4-FFF2-40B4-BE49-F238E27FC236}">
+                <a16:creationId xmlns:a16="http://schemas.microsoft.com/office/drawing/2014/main" id="{78076B02-F6D7-8396-66F2-3DC5DD06CF8B}"/>
+              </a:ext>
+            </a:extLst>
+          </p:cNvPr>
+          <p:cNvSpPr txBox="1"/>
+          <p:nvPr/>
+        </p:nvSpPr>
+        <p:spPr>
+          <a:xfrm>
+            <a:off x="7903597" y="1414581"/>
+            <a:ext cx="848802" cy="178425"/>
+          </a:xfrm>
+          <a:prstGeom prst="rect">
+            <a:avLst/>
+          </a:prstGeom>
+          <a:solidFill>
+            <a:schemeClr val="bg1"/>
+          </a:solidFill>
+        </p:spPr>
+        <p:txBody>
+          <a:bodyPr wrap="square" rtlCol="0">
+            <a:spAutoFit/>
+          </a:bodyPr>
+          <a:lstStyle/>
+          <a:p>
+            <a:endParaRPr lang="en-GB" dirty="0"/>
+          </a:p>
+        </p:txBody>
+      </p:sp>
     </p:spTree>
     <p:extLst>
       <p:ext uri="{BB962C8B-B14F-4D97-AF65-F5344CB8AC3E}">
@@ -13315,7 +13991,7 @@
           <p:nvPr>
             <p:extLst>
               <p:ext uri="{D42A27DB-BD31-4B8C-83A1-F6EECF244321}">
-                <p14:modId xmlns:p14="http://schemas.microsoft.com/office/powerpoint/2010/main" val="2093518475"/>
+                <p14:modId xmlns:p14="http://schemas.microsoft.com/office/powerpoint/2010/main" val="2982690334"/>
               </p:ext>
             </p:extLst>
           </p:nvPr>
@@ -13331,35 +14007,42 @@
                 <a:tableStyleId>{5C22544A-7EE6-4342-B048-85BDC9FD1C3A}</a:tableStyleId>
               </a:tblPr>
               <a:tblGrid>
-                <a:gridCol w="1700784">
+                <a:gridCol w="1417320">
                   <a:extLst>
                     <a:ext uri="{9D8B030D-6E8A-4147-A177-3AD203B41FA5}">
                       <a16:colId xmlns:a16="http://schemas.microsoft.com/office/drawing/2014/main" val="2812415835"/>
                     </a:ext>
                   </a:extLst>
                 </a:gridCol>
-                <a:gridCol w="1700784">
+                <a:gridCol w="1417320">
+                  <a:extLst>
+                    <a:ext uri="{9D8B030D-6E8A-4147-A177-3AD203B41FA5}">
+                      <a16:colId xmlns:a16="http://schemas.microsoft.com/office/drawing/2014/main" val="2956406135"/>
+                    </a:ext>
+                  </a:extLst>
+                </a:gridCol>
+                <a:gridCol w="1417320">
                   <a:extLst>
                     <a:ext uri="{9D8B030D-6E8A-4147-A177-3AD203B41FA5}">
                       <a16:colId xmlns:a16="http://schemas.microsoft.com/office/drawing/2014/main" val="1597612126"/>
                     </a:ext>
                   </a:extLst>
                 </a:gridCol>
-                <a:gridCol w="1700784">
+                <a:gridCol w="1417320">
                   <a:extLst>
                     <a:ext uri="{9D8B030D-6E8A-4147-A177-3AD203B41FA5}">
                       <a16:colId xmlns:a16="http://schemas.microsoft.com/office/drawing/2014/main" val="1570262287"/>
                     </a:ext>
                   </a:extLst>
                 </a:gridCol>
-                <a:gridCol w="1700784">
+                <a:gridCol w="1417320">
                   <a:extLst>
                     <a:ext uri="{9D8B030D-6E8A-4147-A177-3AD203B41FA5}">
                       <a16:colId xmlns:a16="http://schemas.microsoft.com/office/drawing/2014/main" val="4014363287"/>
                     </a:ext>
                   </a:extLst>
                 </a:gridCol>
-                <a:gridCol w="1700784">
+                <a:gridCol w="1417320">
                   <a:extLst>
                     <a:ext uri="{9D8B030D-6E8A-4147-A177-3AD203B41FA5}">
                       <a16:colId xmlns:a16="http://schemas.microsoft.com/office/drawing/2014/main" val="489630985"/>
@@ -13424,6 +14107,56 @@
                           <a:ea typeface="+mn-ea"/>
                           <a:cs typeface="+mn-cs"/>
                         </a:rPr>
+                        <a:t>$ 0</a:t>
+                      </a:r>
+                    </a:p>
+                  </a:txBody>
+                  <a:tcPr>
+                    <a:lnL w="12700" cap="flat" cmpd="sng" algn="ctr">
+                      <a:solidFill>
+                        <a:schemeClr val="tx1"/>
+                      </a:solidFill>
+                      <a:prstDash val="solid"/>
+                      <a:round/>
+                      <a:headEnd type="none" w="med" len="med"/>
+                      <a:tailEnd type="none" w="med" len="med"/>
+                    </a:lnL>
+                    <a:lnR w="12700" cap="flat" cmpd="sng" algn="ctr">
+                      <a:solidFill>
+                        <a:schemeClr val="tx1"/>
+                      </a:solidFill>
+                      <a:prstDash val="solid"/>
+                      <a:round/>
+                      <a:headEnd type="none" w="med" len="med"/>
+                      <a:tailEnd type="none" w="med" len="med"/>
+                    </a:lnR>
+                    <a:lnB w="12700" cap="flat" cmpd="sng" algn="ctr">
+                      <a:solidFill>
+                        <a:schemeClr val="tx1"/>
+                      </a:solidFill>
+                      <a:prstDash val="solid"/>
+                      <a:round/>
+                      <a:headEnd type="none" w="med" len="med"/>
+                      <a:tailEnd type="none" w="med" len="med"/>
+                    </a:lnB>
+                    <a:noFill/>
+                  </a:tcPr>
+                </a:tc>
+                <a:tc>
+                  <a:txBody>
+                    <a:bodyPr/>
+                    <a:lstStyle/>
+                    <a:p>
+                      <a:pPr marL="0" algn="ctr" defTabSz="685800" rtl="0" eaLnBrk="1" latinLnBrk="0" hangingPunct="1"/>
+                      <a:r>
+                        <a:rPr lang="en-US" sz="1350" b="0" kern="1200" dirty="0">
+                          <a:solidFill>
+                            <a:schemeClr val="dk1"/>
+                          </a:solidFill>
+                          <a:latin typeface="+mn-lt"/>
+                          <a:ea typeface="+mn-ea"/>
+                          <a:cs typeface="+mn-cs"/>
+                        </a:rPr>
                         <a:t>$ 13.00</a:t>
                       </a:r>
                     </a:p>
@@ -13614,11 +14347,63 @@
                     <a:p>
                       <a:r>
                         <a:rPr lang="en-US" dirty="0"/>
-                        <a:t>Q-Value (LSPI)</a:t>
+                        <a:t>Q-Value (DQL)</a:t>
                       </a:r>
                     </a:p>
                   </a:txBody>
                   <a:tcPr>
+                    <a:lnR w="12700" cap="flat" cmpd="sng" algn="ctr">
+                      <a:solidFill>
+                        <a:schemeClr val="tx1"/>
+                      </a:solidFill>
+                      <a:prstDash val="solid"/>
+                      <a:round/>
+                      <a:headEnd type="none" w="med" len="med"/>
+                      <a:tailEnd type="none" w="med" len="med"/>
+                    </a:lnR>
+                    <a:lnT w="12700" cap="flat" cmpd="sng" algn="ctr">
+                      <a:solidFill>
+                        <a:schemeClr val="tx1"/>
+                      </a:solidFill>
+                      <a:prstDash val="solid"/>
+                      <a:round/>
+                      <a:headEnd type="none" w="med" len="med"/>
+                      <a:tailEnd type="none" w="med" len="med"/>
+                    </a:lnT>
+                    <a:lnB w="12700" cap="flat" cmpd="sng" algn="ctr">
+                      <a:solidFill>
+                        <a:schemeClr val="tx1"/>
+                      </a:solidFill>
+                      <a:prstDash val="solid"/>
+                      <a:round/>
+                      <a:headEnd type="none" w="med" len="med"/>
+                      <a:tailEnd type="none" w="med" len="med"/>
+                    </a:lnB>
+                    <a:noFill/>
+                  </a:tcPr>
+                </a:tc>
+                <a:tc>
+                  <a:txBody>
+                    <a:bodyPr/>
+                    <a:lstStyle/>
+                    <a:p>
+                      <a:pPr algn="ctr"/>
+                      <a:r>
+                        <a:rPr lang="en-US" dirty="0"/>
+                        <a:t>$ 3.56</a:t>
+                      </a:r>
+                    </a:p>
+                  </a:txBody>
+                  <a:tcPr>
+                    <a:lnL w="12700" cap="flat" cmpd="sng" algn="ctr">
+                      <a:solidFill>
+                        <a:schemeClr val="tx1"/>
+                      </a:solidFill>
+                      <a:prstDash val="solid"/>
+                      <a:round/>
+                      <a:headEnd type="none" w="med" len="med"/>
+                      <a:tailEnd type="none" w="med" len="med"/>
+                    </a:lnL>
                     <a:lnR w="12700" cap="flat" cmpd="sng" algn="ctr">
                       <a:solidFill>
                         <a:schemeClr val="tx1"/>
@@ -13896,7 +14681,7 @@
                       <a:pPr algn="ctr"/>
                       <a:r>
                         <a:rPr lang="en-US" dirty="0"/>
-                        <a:t>Stop</a:t>
+                        <a:t>Continue</a:t>
                       </a:r>
                     </a:p>
                   </a:txBody>
@@ -13939,7 +14724,50 @@
                       <a:pPr algn="ctr"/>
                       <a:r>
                         <a:rPr lang="en-US" dirty="0"/>
-                        <a:t>Continue</a:t>
+                        <a:t>Stop</a:t>
+                      </a:r>
+                    </a:p>
+                  </a:txBody>
+                  <a:tcPr>
+                    <a:lnL w="12700" cap="flat" cmpd="sng" algn="ctr">
+                      <a:solidFill>
+                        <a:schemeClr val="tx1"/>
+                      </a:solidFill>
+                      <a:prstDash val="solid"/>
+                      <a:round/>
+                      <a:headEnd type="none" w="med" len="med"/>
+                      <a:tailEnd type="none" w="med" len="med"/>
+                    </a:lnL>
+                    <a:lnR w="12700" cap="flat" cmpd="sng" algn="ctr">
+                      <a:solidFill>
+                        <a:schemeClr val="tx1"/>
+                      </a:solidFill>
+                      <a:prstDash val="solid"/>
+                      <a:round/>
+                      <a:headEnd type="none" w="med" len="med"/>
+                      <a:tailEnd type="none" w="med" len="med"/>
+                    </a:lnR>
+                    <a:lnT w="12700" cap="flat" cmpd="sng" algn="ctr">
+                      <a:solidFill>
+                        <a:schemeClr val="tx1"/>
+                      </a:solidFill>
+                      <a:prstDash val="solid"/>
+                      <a:round/>
+                      <a:headEnd type="none" w="med" len="med"/>
+                      <a:tailEnd type="none" w="med" len="med"/>
+                    </a:lnT>
+                    <a:noFill/>
+                  </a:tcPr>
+                </a:tc>
+                <a:tc>
+                  <a:txBody>
+                    <a:bodyPr/>
+                    <a:lstStyle/>
+                    <a:p>
+                      <a:pPr algn="ctr"/>
+                      <a:r>
+                        <a:rPr lang="en-US" dirty="0"/>
+                        <a:t>Stop</a:t>
                       </a:r>
                     </a:p>
                   </a:txBody>
@@ -14091,6 +14919,40 @@
           </a:prstGeom>
         </p:spPr>
       </p:pic>
+      <p:sp>
+        <p:nvSpPr>
+          <p:cNvPr id="4" name="TextBox 3">
+            <a:extLst>
+              <a:ext uri="{FF2B5EF4-FFF2-40B4-BE49-F238E27FC236}">
+                <a16:creationId xmlns:a16="http://schemas.microsoft.com/office/drawing/2014/main" id="{6D29CF40-CCBA-FF19-CEEC-6070F53AE3C4}"/>
+              </a:ext>
+            </a:extLst>
+          </p:cNvPr>
+          <p:cNvSpPr txBox="1"/>
+          <p:nvPr/>
+        </p:nvSpPr>
+        <p:spPr>
+          <a:xfrm>
+            <a:off x="7903597" y="1414581"/>
+            <a:ext cx="848802" cy="178425"/>
+          </a:xfrm>
+          <a:prstGeom prst="rect">
+            <a:avLst/>
+          </a:prstGeom>
+          <a:solidFill>
+            <a:schemeClr val="bg1"/>
+          </a:solidFill>
+        </p:spPr>
+        <p:txBody>
+          <a:bodyPr wrap="square" rtlCol="0">
+            <a:spAutoFit/>
+          </a:bodyPr>
+          <a:lstStyle/>
+          <a:p>
+            <a:endParaRPr lang="en-GB" dirty="0"/>
+          </a:p>
+        </p:txBody>
+      </p:sp>
     </p:spTree>
     <p:extLst>
       <p:ext uri="{BB962C8B-B14F-4D97-AF65-F5344CB8AC3E}">
@@ -14202,7 +15064,7 @@
           <p:nvPr>
             <p:extLst>
               <p:ext uri="{D42A27DB-BD31-4B8C-83A1-F6EECF244321}">
-                <p14:modId xmlns:p14="http://schemas.microsoft.com/office/powerpoint/2010/main" val="2240663708"/>
+                <p14:modId xmlns:p14="http://schemas.microsoft.com/office/powerpoint/2010/main" val="447171012"/>
               </p:ext>
             </p:extLst>
           </p:nvPr>
@@ -14218,35 +15080,42 @@
                 <a:tableStyleId>{5C22544A-7EE6-4342-B048-85BDC9FD1C3A}</a:tableStyleId>
               </a:tblPr>
               <a:tblGrid>
-                <a:gridCol w="1700784">
+                <a:gridCol w="1417320">
                   <a:extLst>
                     <a:ext uri="{9D8B030D-6E8A-4147-A177-3AD203B41FA5}">
                       <a16:colId xmlns:a16="http://schemas.microsoft.com/office/drawing/2014/main" val="2812415835"/>
                     </a:ext>
                   </a:extLst>
                 </a:gridCol>
-                <a:gridCol w="1700784">
+                <a:gridCol w="1417320">
+                  <a:extLst>
+                    <a:ext uri="{9D8B030D-6E8A-4147-A177-3AD203B41FA5}">
+                      <a16:colId xmlns:a16="http://schemas.microsoft.com/office/drawing/2014/main" val="294568944"/>
+                    </a:ext>
+                  </a:extLst>
+                </a:gridCol>
+                <a:gridCol w="1417320">
                   <a:extLst>
                     <a:ext uri="{9D8B030D-6E8A-4147-A177-3AD203B41FA5}">
                       <a16:colId xmlns:a16="http://schemas.microsoft.com/office/drawing/2014/main" val="1597612126"/>
                     </a:ext>
                   </a:extLst>
                 </a:gridCol>
-                <a:gridCol w="1700784">
+                <a:gridCol w="1417320">
                   <a:extLst>
                     <a:ext uri="{9D8B030D-6E8A-4147-A177-3AD203B41FA5}">
                       <a16:colId xmlns:a16="http://schemas.microsoft.com/office/drawing/2014/main" val="1570262287"/>
                     </a:ext>
                   </a:extLst>
                 </a:gridCol>
-                <a:gridCol w="1700784">
+                <a:gridCol w="1417320">
                   <a:extLst>
                     <a:ext uri="{9D8B030D-6E8A-4147-A177-3AD203B41FA5}">
                       <a16:colId xmlns:a16="http://schemas.microsoft.com/office/drawing/2014/main" val="4014363287"/>
                     </a:ext>
                   </a:extLst>
                 </a:gridCol>
-                <a:gridCol w="1700784">
+                <a:gridCol w="1417320">
                   <a:extLst>
                     <a:ext uri="{9D8B030D-6E8A-4147-A177-3AD203B41FA5}">
                       <a16:colId xmlns:a16="http://schemas.microsoft.com/office/drawing/2014/main" val="489630985"/>
@@ -14311,6 +15180,56 @@
                           <a:ea typeface="+mn-ea"/>
                           <a:cs typeface="+mn-cs"/>
                         </a:rPr>
+                        <a:t>$ 0</a:t>
+                      </a:r>
+                    </a:p>
+                  </a:txBody>
+                  <a:tcPr>
+                    <a:lnL w="12700" cap="flat" cmpd="sng" algn="ctr">
+                      <a:solidFill>
+                        <a:schemeClr val="tx1"/>
+                      </a:solidFill>
+                      <a:prstDash val="solid"/>
+                      <a:round/>
+                      <a:headEnd type="none" w="med" len="med"/>
+                      <a:tailEnd type="none" w="med" len="med"/>
+                    </a:lnL>
+                    <a:lnR w="12700" cap="flat" cmpd="sng" algn="ctr">
+                      <a:solidFill>
+                        <a:schemeClr val="tx1"/>
+                      </a:solidFill>
+                      <a:prstDash val="solid"/>
+                      <a:round/>
+                      <a:headEnd type="none" w="med" len="med"/>
+                      <a:tailEnd type="none" w="med" len="med"/>
+                    </a:lnR>
+                    <a:lnB w="12700" cap="flat" cmpd="sng" algn="ctr">
+                      <a:solidFill>
+                        <a:schemeClr val="tx1"/>
+                      </a:solidFill>
+                      <a:prstDash val="solid"/>
+                      <a:round/>
+                      <a:headEnd type="none" w="med" len="med"/>
+                      <a:tailEnd type="none" w="med" len="med"/>
+                    </a:lnB>
+                    <a:noFill/>
+                  </a:tcPr>
+                </a:tc>
+                <a:tc>
+                  <a:txBody>
+                    <a:bodyPr/>
+                    <a:lstStyle/>
+                    <a:p>
+                      <a:pPr marL="0" algn="ctr" defTabSz="685800" rtl="0" eaLnBrk="1" latinLnBrk="0" hangingPunct="1"/>
+                      <a:r>
+                        <a:rPr lang="en-US" sz="1350" b="0" kern="1200" dirty="0">
+                          <a:solidFill>
+                            <a:schemeClr val="dk1"/>
+                          </a:solidFill>
+                          <a:latin typeface="+mn-lt"/>
+                          <a:ea typeface="+mn-ea"/>
+                          <a:cs typeface="+mn-cs"/>
+                        </a:rPr>
                         <a:t>$ 13.00</a:t>
                       </a:r>
                     </a:p>
@@ -14501,11 +15420,63 @@
                     <a:p>
                       <a:r>
                         <a:rPr lang="en-US" dirty="0"/>
-                        <a:t>Q-Value (LSPI)</a:t>
+                        <a:t>Q-Value (DQL)</a:t>
                       </a:r>
                     </a:p>
                   </a:txBody>
                   <a:tcPr>
+                    <a:lnR w="12700" cap="flat" cmpd="sng" algn="ctr">
+                      <a:solidFill>
+                        <a:schemeClr val="tx1"/>
+                      </a:solidFill>
+                      <a:prstDash val="solid"/>
+                      <a:round/>
+                      <a:headEnd type="none" w="med" len="med"/>
+                      <a:tailEnd type="none" w="med" len="med"/>
+                    </a:lnR>
+                    <a:lnT w="12700" cap="flat" cmpd="sng" algn="ctr">
+                      <a:solidFill>
+                        <a:schemeClr val="tx1"/>
+                      </a:solidFill>
+                      <a:prstDash val="solid"/>
+                      <a:round/>
+                      <a:headEnd type="none" w="med" len="med"/>
+                      <a:tailEnd type="none" w="med" len="med"/>
+                    </a:lnT>
+                    <a:lnB w="12700" cap="flat" cmpd="sng" algn="ctr">
+                      <a:solidFill>
+                        <a:schemeClr val="tx1"/>
+                      </a:solidFill>
+                      <a:prstDash val="solid"/>
+                      <a:round/>
+                      <a:headEnd type="none" w="med" len="med"/>
+                      <a:tailEnd type="none" w="med" len="med"/>
+                    </a:lnB>
+                    <a:noFill/>
+                  </a:tcPr>
+                </a:tc>
+                <a:tc>
+                  <a:txBody>
+                    <a:bodyPr/>
+                    <a:lstStyle/>
+                    <a:p>
+                      <a:pPr algn="ctr"/>
+                      <a:r>
+                        <a:rPr lang="en-US" dirty="0"/>
+                        <a:t>$ 3.56</a:t>
+                      </a:r>
+                    </a:p>
+                  </a:txBody>
+                  <a:tcPr>
+                    <a:lnL w="12700" cap="flat" cmpd="sng" algn="ctr">
+                      <a:solidFill>
+                        <a:schemeClr val="tx1"/>
+                      </a:solidFill>
+                      <a:prstDash val="solid"/>
+                      <a:round/>
+                      <a:headEnd type="none" w="med" len="med"/>
+                      <a:tailEnd type="none" w="med" len="med"/>
+                    </a:lnL>
                     <a:lnR w="12700" cap="flat" cmpd="sng" algn="ctr">
                       <a:solidFill>
                         <a:schemeClr val="tx1"/>
@@ -14783,7 +15754,7 @@
                       <a:pPr algn="ctr"/>
                       <a:r>
                         <a:rPr lang="en-US" dirty="0"/>
-                        <a:t>Stop</a:t>
+                        <a:t>Continue</a:t>
                       </a:r>
                     </a:p>
                   </a:txBody>
@@ -14826,7 +15797,50 @@
                       <a:pPr algn="ctr"/>
                       <a:r>
                         <a:rPr lang="en-US" dirty="0"/>
-                        <a:t>Continue</a:t>
+                        <a:t>Stop</a:t>
+                      </a:r>
+                    </a:p>
+                  </a:txBody>
+                  <a:tcPr>
+                    <a:lnL w="12700" cap="flat" cmpd="sng" algn="ctr">
+                      <a:solidFill>
+                        <a:schemeClr val="tx1"/>
+                      </a:solidFill>
+                      <a:prstDash val="solid"/>
+                      <a:round/>
+                      <a:headEnd type="none" w="med" len="med"/>
+                      <a:tailEnd type="none" w="med" len="med"/>
+                    </a:lnL>
+                    <a:lnR w="12700" cap="flat" cmpd="sng" algn="ctr">
+                      <a:solidFill>
+                        <a:schemeClr val="tx1"/>
+                      </a:solidFill>
+                      <a:prstDash val="solid"/>
+                      <a:round/>
+                      <a:headEnd type="none" w="med" len="med"/>
+                      <a:tailEnd type="none" w="med" len="med"/>
+                    </a:lnR>
+                    <a:lnT w="12700" cap="flat" cmpd="sng" algn="ctr">
+                      <a:solidFill>
+                        <a:schemeClr val="tx1"/>
+                      </a:solidFill>
+                      <a:prstDash val="solid"/>
+                      <a:round/>
+                      <a:headEnd type="none" w="med" len="med"/>
+                      <a:tailEnd type="none" w="med" len="med"/>
+                    </a:lnT>
+                    <a:noFill/>
+                  </a:tcPr>
+                </a:tc>
+                <a:tc>
+                  <a:txBody>
+                    <a:bodyPr/>
+                    <a:lstStyle/>
+                    <a:p>
+                      <a:pPr algn="ctr"/>
+                      <a:r>
+                        <a:rPr lang="en-US" dirty="0"/>
+                        <a:t>Stop</a:t>
                       </a:r>
                     </a:p>
                   </a:txBody>

--- a/Second_Draft.pptx
+++ b/Second_Draft.pptx
@@ -11845,7 +11845,7 @@
           <p:nvPr>
             <p:extLst>
               <p:ext uri="{D42A27DB-BD31-4B8C-83A1-F6EECF244321}">
-                <p14:modId xmlns:p14="http://schemas.microsoft.com/office/powerpoint/2010/main" val="309628116"/>
+                <p14:modId xmlns:p14="http://schemas.microsoft.com/office/powerpoint/2010/main" val="2734045086"/>
               </p:ext>
             </p:extLst>
           </p:nvPr>
@@ -12577,9 +12577,10 @@
                     <a:p>
                       <a:pPr algn="ctr"/>
                       <a:r>
-                        <a:rPr lang="en-US" dirty="0"/>
-                        <a:t>Stop</a:t>
+                        <a:rPr lang="en-US"/>
+                        <a:t>Continue</a:t>
                       </a:r>
+                      <a:endParaRPr lang="en-US" dirty="0"/>
                     </a:p>
                   </a:txBody>
                   <a:tcPr>
@@ -12918,7 +12919,7 @@
           <p:nvPr>
             <p:extLst>
               <p:ext uri="{D42A27DB-BD31-4B8C-83A1-F6EECF244321}">
-                <p14:modId xmlns:p14="http://schemas.microsoft.com/office/powerpoint/2010/main" val="2011806385"/>
+                <p14:modId xmlns:p14="http://schemas.microsoft.com/office/powerpoint/2010/main" val="3362908648"/>
               </p:ext>
             </p:extLst>
           </p:nvPr>
@@ -13651,7 +13652,7 @@
                       <a:pPr algn="ctr"/>
                       <a:r>
                         <a:rPr lang="en-US" dirty="0"/>
-                        <a:t>Stop</a:t>
+                        <a:t>Continue</a:t>
                       </a:r>
                     </a:p>
                   </a:txBody>
@@ -13991,7 +13992,7 @@
           <p:nvPr>
             <p:extLst>
               <p:ext uri="{D42A27DB-BD31-4B8C-83A1-F6EECF244321}">
-                <p14:modId xmlns:p14="http://schemas.microsoft.com/office/powerpoint/2010/main" val="2982690334"/>
+                <p14:modId xmlns:p14="http://schemas.microsoft.com/office/powerpoint/2010/main" val="2996719967"/>
               </p:ext>
             </p:extLst>
           </p:nvPr>
@@ -14724,7 +14725,7 @@
                       <a:pPr algn="ctr"/>
                       <a:r>
                         <a:rPr lang="en-US" dirty="0"/>
-                        <a:t>Stop</a:t>
+                        <a:t>Continue</a:t>
                       </a:r>
                     </a:p>
                   </a:txBody>
@@ -15064,7 +15065,7 @@
           <p:nvPr>
             <p:extLst>
               <p:ext uri="{D42A27DB-BD31-4B8C-83A1-F6EECF244321}">
-                <p14:modId xmlns:p14="http://schemas.microsoft.com/office/powerpoint/2010/main" val="447171012"/>
+                <p14:modId xmlns:p14="http://schemas.microsoft.com/office/powerpoint/2010/main" val="2114052699"/>
               </p:ext>
             </p:extLst>
           </p:nvPr>
@@ -15797,7 +15798,7 @@
                       <a:pPr algn="ctr"/>
                       <a:r>
                         <a:rPr lang="en-US" dirty="0"/>
-                        <a:t>Stop</a:t>
+                        <a:t>Continue</a:t>
                       </a:r>
                     </a:p>
                   </a:txBody>

--- a/Second_Draft.pptx
+++ b/Second_Draft.pptx
@@ -5,7 +5,7 @@
     <p:sldMasterId id="2147483660" r:id="rId1"/>
   </p:sldMasterIdLst>
   <p:notesMasterIdLst>
-    <p:notesMasterId r:id="rId20"/>
+    <p:notesMasterId r:id="rId23"/>
   </p:notesMasterIdLst>
   <p:sldIdLst>
     <p:sldId id="274" r:id="rId2"/>
@@ -21,11 +21,14 @@
     <p:sldId id="280" r:id="rId12"/>
     <p:sldId id="290" r:id="rId13"/>
     <p:sldId id="287" r:id="rId14"/>
-    <p:sldId id="288" r:id="rId15"/>
-    <p:sldId id="286" r:id="rId16"/>
-    <p:sldId id="291" r:id="rId17"/>
-    <p:sldId id="259" r:id="rId18"/>
-    <p:sldId id="282" r:id="rId19"/>
+    <p:sldId id="292" r:id="rId15"/>
+    <p:sldId id="293" r:id="rId16"/>
+    <p:sldId id="288" r:id="rId17"/>
+    <p:sldId id="294" r:id="rId18"/>
+    <p:sldId id="286" r:id="rId19"/>
+    <p:sldId id="291" r:id="rId20"/>
+    <p:sldId id="259" r:id="rId21"/>
+    <p:sldId id="282" r:id="rId22"/>
   </p:sldIdLst>
   <p:sldSz cx="9144000" cy="5715000" type="screen16x10"/>
   <p:notesSz cx="6858000" cy="9144000"/>
@@ -11845,7 +11848,7 @@
           <p:nvPr>
             <p:extLst>
               <p:ext uri="{D42A27DB-BD31-4B8C-83A1-F6EECF244321}">
-                <p14:modId xmlns:p14="http://schemas.microsoft.com/office/powerpoint/2010/main" val="2734045086"/>
+                <p14:modId xmlns:p14="http://schemas.microsoft.com/office/powerpoint/2010/main" val="2074396995"/>
               </p:ext>
             </p:extLst>
           </p:nvPr>
@@ -12296,7 +12299,7 @@
                       <a:pPr algn="ctr"/>
                       <a:r>
                         <a:rPr lang="en-US" dirty="0"/>
-                        <a:t>$ 27.45</a:t>
+                        <a:t>?</a:t>
                       </a:r>
                     </a:p>
                   </a:txBody>
@@ -12577,10 +12580,9 @@
                     <a:p>
                       <a:pPr algn="ctr"/>
                       <a:r>
-                        <a:rPr lang="en-US"/>
-                        <a:t>Continue</a:t>
+                        <a:rPr lang="en-US" dirty="0"/>
+                        <a:t>?</a:t>
                       </a:r>
-                      <a:endParaRPr lang="en-US" dirty="0"/>
                     </a:p>
                   </a:txBody>
                   <a:tcPr>
@@ -12916,6 +12918,2146 @@
           <p:cNvGraphicFramePr>
             <a:graphicFrameLocks noGrp="1"/>
           </p:cNvGraphicFramePr>
+          <p:nvPr/>
+        </p:nvGraphicFramePr>
+        <p:xfrm>
+          <a:off x="320040" y="3993532"/>
+          <a:ext cx="8503920" cy="1112520"/>
+        </p:xfrm>
+        <a:graphic>
+          <a:graphicData uri="http://schemas.openxmlformats.org/drawingml/2006/table">
+            <a:tbl>
+              <a:tblPr firstRow="1" bandRow="1">
+                <a:tableStyleId>{5C22544A-7EE6-4342-B048-85BDC9FD1C3A}</a:tableStyleId>
+              </a:tblPr>
+              <a:tblGrid>
+                <a:gridCol w="1417320">
+                  <a:extLst>
+                    <a:ext uri="{9D8B030D-6E8A-4147-A177-3AD203B41FA5}">
+                      <a16:colId xmlns:a16="http://schemas.microsoft.com/office/drawing/2014/main" val="2812415835"/>
+                    </a:ext>
+                  </a:extLst>
+                </a:gridCol>
+                <a:gridCol w="1417320">
+                  <a:extLst>
+                    <a:ext uri="{9D8B030D-6E8A-4147-A177-3AD203B41FA5}">
+                      <a16:colId xmlns:a16="http://schemas.microsoft.com/office/drawing/2014/main" val="1710866062"/>
+                    </a:ext>
+                  </a:extLst>
+                </a:gridCol>
+                <a:gridCol w="1417320">
+                  <a:extLst>
+                    <a:ext uri="{9D8B030D-6E8A-4147-A177-3AD203B41FA5}">
+                      <a16:colId xmlns:a16="http://schemas.microsoft.com/office/drawing/2014/main" val="1597612126"/>
+                    </a:ext>
+                  </a:extLst>
+                </a:gridCol>
+                <a:gridCol w="1417320">
+                  <a:extLst>
+                    <a:ext uri="{9D8B030D-6E8A-4147-A177-3AD203B41FA5}">
+                      <a16:colId xmlns:a16="http://schemas.microsoft.com/office/drawing/2014/main" val="1570262287"/>
+                    </a:ext>
+                  </a:extLst>
+                </a:gridCol>
+                <a:gridCol w="1417320">
+                  <a:extLst>
+                    <a:ext uri="{9D8B030D-6E8A-4147-A177-3AD203B41FA5}">
+                      <a16:colId xmlns:a16="http://schemas.microsoft.com/office/drawing/2014/main" val="4014363287"/>
+                    </a:ext>
+                  </a:extLst>
+                </a:gridCol>
+                <a:gridCol w="1417320">
+                  <a:extLst>
+                    <a:ext uri="{9D8B030D-6E8A-4147-A177-3AD203B41FA5}">
+                      <a16:colId xmlns:a16="http://schemas.microsoft.com/office/drawing/2014/main" val="489630985"/>
+                    </a:ext>
+                  </a:extLst>
+                </a:gridCol>
+              </a:tblGrid>
+              <a:tr h="370840">
+                <a:tc>
+                  <a:txBody>
+                    <a:bodyPr/>
+                    <a:lstStyle/>
+                    <a:p>
+                      <a:pPr marL="0" algn="l" defTabSz="685800" rtl="0" eaLnBrk="1" latinLnBrk="0" hangingPunct="1"/>
+                      <a:r>
+                        <a:rPr lang="en-US" sz="1350" b="0" kern="1200" dirty="0">
+                          <a:solidFill>
+                            <a:schemeClr val="dk1"/>
+                          </a:solidFill>
+                          <a:latin typeface="+mn-lt"/>
+                          <a:ea typeface="+mn-ea"/>
+                          <a:cs typeface="+mn-cs"/>
+                        </a:rPr>
+                        <a:t>Exercise Value</a:t>
+                      </a:r>
+                    </a:p>
+                  </a:txBody>
+                  <a:tcPr>
+                    <a:lnR w="12700" cap="flat" cmpd="sng" algn="ctr">
+                      <a:solidFill>
+                        <a:schemeClr val="tx1"/>
+                      </a:solidFill>
+                      <a:prstDash val="solid"/>
+                      <a:round/>
+                      <a:headEnd type="none" w="med" len="med"/>
+                      <a:tailEnd type="none" w="med" len="med"/>
+                    </a:lnR>
+                    <a:lnB w="12700" cap="flat" cmpd="sng" algn="ctr">
+                      <a:solidFill>
+                        <a:schemeClr val="tx1"/>
+                      </a:solidFill>
+                      <a:prstDash val="solid"/>
+                      <a:round/>
+                      <a:headEnd type="none" w="med" len="med"/>
+                      <a:tailEnd type="none" w="med" len="med"/>
+                    </a:lnB>
+                    <a:noFill/>
+                  </a:tcPr>
+                </a:tc>
+                <a:tc>
+                  <a:txBody>
+                    <a:bodyPr/>
+                    <a:lstStyle/>
+                    <a:p>
+                      <a:pPr marL="0" algn="ctr" defTabSz="685800" rtl="0" eaLnBrk="1" latinLnBrk="0" hangingPunct="1"/>
+                      <a:r>
+                        <a:rPr lang="en-US" sz="1350" b="0" kern="1200" dirty="0">
+                          <a:solidFill>
+                            <a:schemeClr val="dk1"/>
+                          </a:solidFill>
+                          <a:latin typeface="+mn-lt"/>
+                          <a:ea typeface="+mn-ea"/>
+                          <a:cs typeface="+mn-cs"/>
+                        </a:rPr>
+                        <a:t>$ 0</a:t>
+                      </a:r>
+                    </a:p>
+                  </a:txBody>
+                  <a:tcPr>
+                    <a:lnL w="12700" cap="flat" cmpd="sng" algn="ctr">
+                      <a:solidFill>
+                        <a:schemeClr val="tx1"/>
+                      </a:solidFill>
+                      <a:prstDash val="solid"/>
+                      <a:round/>
+                      <a:headEnd type="none" w="med" len="med"/>
+                      <a:tailEnd type="none" w="med" len="med"/>
+                    </a:lnL>
+                    <a:lnR w="12700" cap="flat" cmpd="sng" algn="ctr">
+                      <a:solidFill>
+                        <a:schemeClr val="tx1"/>
+                      </a:solidFill>
+                      <a:prstDash val="solid"/>
+                      <a:round/>
+                      <a:headEnd type="none" w="med" len="med"/>
+                      <a:tailEnd type="none" w="med" len="med"/>
+                    </a:lnR>
+                    <a:lnB w="12700" cap="flat" cmpd="sng" algn="ctr">
+                      <a:solidFill>
+                        <a:schemeClr val="tx1"/>
+                      </a:solidFill>
+                      <a:prstDash val="solid"/>
+                      <a:round/>
+                      <a:headEnd type="none" w="med" len="med"/>
+                      <a:tailEnd type="none" w="med" len="med"/>
+                    </a:lnB>
+                    <a:noFill/>
+                  </a:tcPr>
+                </a:tc>
+                <a:tc>
+                  <a:txBody>
+                    <a:bodyPr/>
+                    <a:lstStyle/>
+                    <a:p>
+                      <a:pPr marL="0" algn="ctr" defTabSz="685800" rtl="0" eaLnBrk="1" latinLnBrk="0" hangingPunct="1"/>
+                      <a:r>
+                        <a:rPr lang="en-US" sz="1350" b="0" kern="1200" dirty="0">
+                          <a:solidFill>
+                            <a:schemeClr val="dk1"/>
+                          </a:solidFill>
+                          <a:latin typeface="+mn-lt"/>
+                          <a:ea typeface="+mn-ea"/>
+                          <a:cs typeface="+mn-cs"/>
+                        </a:rPr>
+                        <a:t>$ 13.00</a:t>
+                      </a:r>
+                    </a:p>
+                  </a:txBody>
+                  <a:tcPr>
+                    <a:lnL w="12700" cap="flat" cmpd="sng" algn="ctr">
+                      <a:solidFill>
+                        <a:schemeClr val="tx1"/>
+                      </a:solidFill>
+                      <a:prstDash val="solid"/>
+                      <a:round/>
+                      <a:headEnd type="none" w="med" len="med"/>
+                      <a:tailEnd type="none" w="med" len="med"/>
+                    </a:lnL>
+                    <a:lnR w="12700" cap="flat" cmpd="sng" algn="ctr">
+                      <a:solidFill>
+                        <a:schemeClr val="tx1"/>
+                      </a:solidFill>
+                      <a:prstDash val="solid"/>
+                      <a:round/>
+                      <a:headEnd type="none" w="med" len="med"/>
+                      <a:tailEnd type="none" w="med" len="med"/>
+                    </a:lnR>
+                    <a:lnB w="12700" cap="flat" cmpd="sng" algn="ctr">
+                      <a:solidFill>
+                        <a:schemeClr val="tx1"/>
+                      </a:solidFill>
+                      <a:prstDash val="solid"/>
+                      <a:round/>
+                      <a:headEnd type="none" w="med" len="med"/>
+                      <a:tailEnd type="none" w="med" len="med"/>
+                    </a:lnB>
+                    <a:noFill/>
+                  </a:tcPr>
+                </a:tc>
+                <a:tc>
+                  <a:txBody>
+                    <a:bodyPr/>
+                    <a:lstStyle/>
+                    <a:p>
+                      <a:pPr marL="0" algn="ctr" defTabSz="685800" rtl="0" eaLnBrk="1" latinLnBrk="0" hangingPunct="1"/>
+                      <a:r>
+                        <a:rPr lang="en-US" sz="1350" b="0" kern="1200" dirty="0">
+                          <a:solidFill>
+                            <a:schemeClr val="dk1"/>
+                          </a:solidFill>
+                          <a:latin typeface="+mn-lt"/>
+                          <a:ea typeface="+mn-ea"/>
+                          <a:cs typeface="+mn-cs"/>
+                        </a:rPr>
+                        <a:t>?</a:t>
+                      </a:r>
+                    </a:p>
+                  </a:txBody>
+                  <a:tcPr>
+                    <a:lnL w="12700" cap="flat" cmpd="sng" algn="ctr">
+                      <a:solidFill>
+                        <a:schemeClr val="tx1"/>
+                      </a:solidFill>
+                      <a:prstDash val="solid"/>
+                      <a:round/>
+                      <a:headEnd type="none" w="med" len="med"/>
+                      <a:tailEnd type="none" w="med" len="med"/>
+                    </a:lnL>
+                    <a:lnR w="12700" cap="flat" cmpd="sng" algn="ctr">
+                      <a:solidFill>
+                        <a:schemeClr val="tx1"/>
+                      </a:solidFill>
+                      <a:prstDash val="solid"/>
+                      <a:round/>
+                      <a:headEnd type="none" w="med" len="med"/>
+                      <a:tailEnd type="none" w="med" len="med"/>
+                    </a:lnR>
+                    <a:lnB w="12700" cap="flat" cmpd="sng" algn="ctr">
+                      <a:solidFill>
+                        <a:schemeClr val="tx1"/>
+                      </a:solidFill>
+                      <a:prstDash val="solid"/>
+                      <a:round/>
+                      <a:headEnd type="none" w="med" len="med"/>
+                      <a:tailEnd type="none" w="med" len="med"/>
+                    </a:lnB>
+                    <a:noFill/>
+                  </a:tcPr>
+                </a:tc>
+                <a:tc>
+                  <a:txBody>
+                    <a:bodyPr/>
+                    <a:lstStyle/>
+                    <a:p>
+                      <a:pPr marL="0" algn="ctr" defTabSz="685800" rtl="0" eaLnBrk="1" latinLnBrk="0" hangingPunct="1"/>
+                      <a:r>
+                        <a:rPr lang="en-US" sz="1350" b="0" kern="1200" dirty="0">
+                          <a:solidFill>
+                            <a:schemeClr val="dk1"/>
+                          </a:solidFill>
+                          <a:latin typeface="+mn-lt"/>
+                          <a:ea typeface="+mn-ea"/>
+                          <a:cs typeface="+mn-cs"/>
+                        </a:rPr>
+                        <a:t>?</a:t>
+                      </a:r>
+                    </a:p>
+                  </a:txBody>
+                  <a:tcPr>
+                    <a:lnL w="12700" cap="flat" cmpd="sng" algn="ctr">
+                      <a:solidFill>
+                        <a:schemeClr val="tx1"/>
+                      </a:solidFill>
+                      <a:prstDash val="solid"/>
+                      <a:round/>
+                      <a:headEnd type="none" w="med" len="med"/>
+                      <a:tailEnd type="none" w="med" len="med"/>
+                    </a:lnL>
+                    <a:lnR w="12700" cap="flat" cmpd="sng" algn="ctr">
+                      <a:solidFill>
+                        <a:schemeClr val="tx1"/>
+                      </a:solidFill>
+                      <a:prstDash val="solid"/>
+                      <a:round/>
+                      <a:headEnd type="none" w="med" len="med"/>
+                      <a:tailEnd type="none" w="med" len="med"/>
+                    </a:lnR>
+                    <a:lnB w="12700" cap="flat" cmpd="sng" algn="ctr">
+                      <a:solidFill>
+                        <a:schemeClr val="tx1"/>
+                      </a:solidFill>
+                      <a:prstDash val="solid"/>
+                      <a:round/>
+                      <a:headEnd type="none" w="med" len="med"/>
+                      <a:tailEnd type="none" w="med" len="med"/>
+                    </a:lnB>
+                    <a:noFill/>
+                  </a:tcPr>
+                </a:tc>
+                <a:tc>
+                  <a:txBody>
+                    <a:bodyPr/>
+                    <a:lstStyle/>
+                    <a:p>
+                      <a:pPr marL="0" algn="ctr" defTabSz="685800" rtl="0" eaLnBrk="1" latinLnBrk="0" hangingPunct="1"/>
+                      <a:r>
+                        <a:rPr lang="en-US" sz="1350" b="0" kern="1200" dirty="0">
+                          <a:solidFill>
+                            <a:schemeClr val="dk1"/>
+                          </a:solidFill>
+                          <a:latin typeface="+mn-lt"/>
+                          <a:ea typeface="+mn-ea"/>
+                          <a:cs typeface="+mn-cs"/>
+                        </a:rPr>
+                        <a:t>?</a:t>
+                      </a:r>
+                    </a:p>
+                  </a:txBody>
+                  <a:tcPr>
+                    <a:lnL w="12700" cap="flat" cmpd="sng" algn="ctr">
+                      <a:solidFill>
+                        <a:schemeClr val="tx1"/>
+                      </a:solidFill>
+                      <a:prstDash val="solid"/>
+                      <a:round/>
+                      <a:headEnd type="none" w="med" len="med"/>
+                      <a:tailEnd type="none" w="med" len="med"/>
+                    </a:lnL>
+                    <a:lnB w="12700" cap="flat" cmpd="sng" algn="ctr">
+                      <a:solidFill>
+                        <a:schemeClr val="tx1"/>
+                      </a:solidFill>
+                      <a:prstDash val="solid"/>
+                      <a:round/>
+                      <a:headEnd type="none" w="med" len="med"/>
+                      <a:tailEnd type="none" w="med" len="med"/>
+                    </a:lnB>
+                    <a:noFill/>
+                  </a:tcPr>
+                </a:tc>
+                <a:extLst>
+                  <a:ext uri="{0D108BD9-81ED-4DB2-BD59-A6C34878D82A}">
+                    <a16:rowId xmlns:a16="http://schemas.microsoft.com/office/drawing/2014/main" val="447755514"/>
+                  </a:ext>
+                </a:extLst>
+              </a:tr>
+              <a:tr h="370840">
+                <a:tc>
+                  <a:txBody>
+                    <a:bodyPr/>
+                    <a:lstStyle/>
+                    <a:p>
+                      <a:r>
+                        <a:rPr lang="en-US" dirty="0"/>
+                        <a:t>Q-Value (DQL)</a:t>
+                      </a:r>
+                    </a:p>
+                  </a:txBody>
+                  <a:tcPr>
+                    <a:lnR w="12700" cap="flat" cmpd="sng" algn="ctr">
+                      <a:solidFill>
+                        <a:schemeClr val="tx1"/>
+                      </a:solidFill>
+                      <a:prstDash val="solid"/>
+                      <a:round/>
+                      <a:headEnd type="none" w="med" len="med"/>
+                      <a:tailEnd type="none" w="med" len="med"/>
+                    </a:lnR>
+                    <a:lnT w="12700" cap="flat" cmpd="sng" algn="ctr">
+                      <a:solidFill>
+                        <a:schemeClr val="tx1"/>
+                      </a:solidFill>
+                      <a:prstDash val="solid"/>
+                      <a:round/>
+                      <a:headEnd type="none" w="med" len="med"/>
+                      <a:tailEnd type="none" w="med" len="med"/>
+                    </a:lnT>
+                    <a:lnB w="12700" cap="flat" cmpd="sng" algn="ctr">
+                      <a:solidFill>
+                        <a:schemeClr val="tx1"/>
+                      </a:solidFill>
+                      <a:prstDash val="solid"/>
+                      <a:round/>
+                      <a:headEnd type="none" w="med" len="med"/>
+                      <a:tailEnd type="none" w="med" len="med"/>
+                    </a:lnB>
+                    <a:noFill/>
+                  </a:tcPr>
+                </a:tc>
+                <a:tc>
+                  <a:txBody>
+                    <a:bodyPr/>
+                    <a:lstStyle/>
+                    <a:p>
+                      <a:pPr algn="ctr"/>
+                      <a:r>
+                        <a:rPr lang="en-US" dirty="0"/>
+                        <a:t>$ 3.56</a:t>
+                      </a:r>
+                    </a:p>
+                  </a:txBody>
+                  <a:tcPr>
+                    <a:lnL w="12700" cap="flat" cmpd="sng" algn="ctr">
+                      <a:solidFill>
+                        <a:schemeClr val="tx1"/>
+                      </a:solidFill>
+                      <a:prstDash val="solid"/>
+                      <a:round/>
+                      <a:headEnd type="none" w="med" len="med"/>
+                      <a:tailEnd type="none" w="med" len="med"/>
+                    </a:lnL>
+                    <a:lnR w="12700" cap="flat" cmpd="sng" algn="ctr">
+                      <a:solidFill>
+                        <a:schemeClr val="tx1"/>
+                      </a:solidFill>
+                      <a:prstDash val="solid"/>
+                      <a:round/>
+                      <a:headEnd type="none" w="med" len="med"/>
+                      <a:tailEnd type="none" w="med" len="med"/>
+                    </a:lnR>
+                    <a:lnT w="12700" cap="flat" cmpd="sng" algn="ctr">
+                      <a:solidFill>
+                        <a:schemeClr val="tx1"/>
+                      </a:solidFill>
+                      <a:prstDash val="solid"/>
+                      <a:round/>
+                      <a:headEnd type="none" w="med" len="med"/>
+                      <a:tailEnd type="none" w="med" len="med"/>
+                    </a:lnT>
+                    <a:lnB w="12700" cap="flat" cmpd="sng" algn="ctr">
+                      <a:solidFill>
+                        <a:schemeClr val="tx1"/>
+                      </a:solidFill>
+                      <a:prstDash val="solid"/>
+                      <a:round/>
+                      <a:headEnd type="none" w="med" len="med"/>
+                      <a:tailEnd type="none" w="med" len="med"/>
+                    </a:lnB>
+                    <a:noFill/>
+                  </a:tcPr>
+                </a:tc>
+                <a:tc>
+                  <a:txBody>
+                    <a:bodyPr/>
+                    <a:lstStyle/>
+                    <a:p>
+                      <a:pPr algn="ctr"/>
+                      <a:r>
+                        <a:rPr lang="en-US" dirty="0"/>
+                        <a:t>$ 27.45</a:t>
+                      </a:r>
+                    </a:p>
+                  </a:txBody>
+                  <a:tcPr>
+                    <a:lnL w="12700" cap="flat" cmpd="sng" algn="ctr">
+                      <a:solidFill>
+                        <a:schemeClr val="tx1"/>
+                      </a:solidFill>
+                      <a:prstDash val="solid"/>
+                      <a:round/>
+                      <a:headEnd type="none" w="med" len="med"/>
+                      <a:tailEnd type="none" w="med" len="med"/>
+                    </a:lnL>
+                    <a:lnR w="12700" cap="flat" cmpd="sng" algn="ctr">
+                      <a:solidFill>
+                        <a:schemeClr val="tx1"/>
+                      </a:solidFill>
+                      <a:prstDash val="solid"/>
+                      <a:round/>
+                      <a:headEnd type="none" w="med" len="med"/>
+                      <a:tailEnd type="none" w="med" len="med"/>
+                    </a:lnR>
+                    <a:lnT w="12700" cap="flat" cmpd="sng" algn="ctr">
+                      <a:solidFill>
+                        <a:schemeClr val="tx1"/>
+                      </a:solidFill>
+                      <a:prstDash val="solid"/>
+                      <a:round/>
+                      <a:headEnd type="none" w="med" len="med"/>
+                      <a:tailEnd type="none" w="med" len="med"/>
+                    </a:lnT>
+                    <a:lnB w="12700" cap="flat" cmpd="sng" algn="ctr">
+                      <a:solidFill>
+                        <a:schemeClr val="tx1"/>
+                      </a:solidFill>
+                      <a:prstDash val="solid"/>
+                      <a:round/>
+                      <a:headEnd type="none" w="med" len="med"/>
+                      <a:tailEnd type="none" w="med" len="med"/>
+                    </a:lnB>
+                    <a:noFill/>
+                  </a:tcPr>
+                </a:tc>
+                <a:tc>
+                  <a:txBody>
+                    <a:bodyPr/>
+                    <a:lstStyle/>
+                    <a:p>
+                      <a:pPr algn="ctr"/>
+                      <a:r>
+                        <a:rPr lang="en-US" dirty="0"/>
+                        <a:t>?</a:t>
+                      </a:r>
+                    </a:p>
+                  </a:txBody>
+                  <a:tcPr>
+                    <a:lnL w="12700" cap="flat" cmpd="sng" algn="ctr">
+                      <a:solidFill>
+                        <a:schemeClr val="tx1"/>
+                      </a:solidFill>
+                      <a:prstDash val="solid"/>
+                      <a:round/>
+                      <a:headEnd type="none" w="med" len="med"/>
+                      <a:tailEnd type="none" w="med" len="med"/>
+                    </a:lnL>
+                    <a:lnR w="12700" cap="flat" cmpd="sng" algn="ctr">
+                      <a:solidFill>
+                        <a:schemeClr val="tx1"/>
+                      </a:solidFill>
+                      <a:prstDash val="solid"/>
+                      <a:round/>
+                      <a:headEnd type="none" w="med" len="med"/>
+                      <a:tailEnd type="none" w="med" len="med"/>
+                    </a:lnR>
+                    <a:lnT w="12700" cap="flat" cmpd="sng" algn="ctr">
+                      <a:solidFill>
+                        <a:schemeClr val="tx1"/>
+                      </a:solidFill>
+                      <a:prstDash val="solid"/>
+                      <a:round/>
+                      <a:headEnd type="none" w="med" len="med"/>
+                      <a:tailEnd type="none" w="med" len="med"/>
+                    </a:lnT>
+                    <a:lnB w="12700" cap="flat" cmpd="sng" algn="ctr">
+                      <a:solidFill>
+                        <a:schemeClr val="tx1"/>
+                      </a:solidFill>
+                      <a:prstDash val="solid"/>
+                      <a:round/>
+                      <a:headEnd type="none" w="med" len="med"/>
+                      <a:tailEnd type="none" w="med" len="med"/>
+                    </a:lnB>
+                    <a:noFill/>
+                  </a:tcPr>
+                </a:tc>
+                <a:tc>
+                  <a:txBody>
+                    <a:bodyPr/>
+                    <a:lstStyle/>
+                    <a:p>
+                      <a:pPr algn="ctr"/>
+                      <a:r>
+                        <a:rPr lang="en-US" dirty="0"/>
+                        <a:t>?</a:t>
+                      </a:r>
+                    </a:p>
+                  </a:txBody>
+                  <a:tcPr>
+                    <a:lnL w="12700" cap="flat" cmpd="sng" algn="ctr">
+                      <a:solidFill>
+                        <a:schemeClr val="tx1"/>
+                      </a:solidFill>
+                      <a:prstDash val="solid"/>
+                      <a:round/>
+                      <a:headEnd type="none" w="med" len="med"/>
+                      <a:tailEnd type="none" w="med" len="med"/>
+                    </a:lnL>
+                    <a:lnR w="12700" cap="flat" cmpd="sng" algn="ctr">
+                      <a:solidFill>
+                        <a:schemeClr val="tx1"/>
+                      </a:solidFill>
+                      <a:prstDash val="solid"/>
+                      <a:round/>
+                      <a:headEnd type="none" w="med" len="med"/>
+                      <a:tailEnd type="none" w="med" len="med"/>
+                    </a:lnR>
+                    <a:lnT w="12700" cap="flat" cmpd="sng" algn="ctr">
+                      <a:solidFill>
+                        <a:schemeClr val="tx1"/>
+                      </a:solidFill>
+                      <a:prstDash val="solid"/>
+                      <a:round/>
+                      <a:headEnd type="none" w="med" len="med"/>
+                      <a:tailEnd type="none" w="med" len="med"/>
+                    </a:lnT>
+                    <a:lnB w="12700" cap="flat" cmpd="sng" algn="ctr">
+                      <a:solidFill>
+                        <a:schemeClr val="tx1"/>
+                      </a:solidFill>
+                      <a:prstDash val="solid"/>
+                      <a:round/>
+                      <a:headEnd type="none" w="med" len="med"/>
+                      <a:tailEnd type="none" w="med" len="med"/>
+                    </a:lnB>
+                    <a:noFill/>
+                  </a:tcPr>
+                </a:tc>
+                <a:tc>
+                  <a:txBody>
+                    <a:bodyPr/>
+                    <a:lstStyle/>
+                    <a:p>
+                      <a:pPr algn="ctr"/>
+                      <a:r>
+                        <a:rPr lang="en-US" dirty="0"/>
+                        <a:t>-</a:t>
+                      </a:r>
+                    </a:p>
+                  </a:txBody>
+                  <a:tcPr>
+                    <a:lnL w="12700" cap="flat" cmpd="sng" algn="ctr">
+                      <a:solidFill>
+                        <a:schemeClr val="tx1"/>
+                      </a:solidFill>
+                      <a:prstDash val="solid"/>
+                      <a:round/>
+                      <a:headEnd type="none" w="med" len="med"/>
+                      <a:tailEnd type="none" w="med" len="med"/>
+                    </a:lnL>
+                    <a:lnT w="12700" cap="flat" cmpd="sng" algn="ctr">
+                      <a:solidFill>
+                        <a:schemeClr val="tx1"/>
+                      </a:solidFill>
+                      <a:prstDash val="solid"/>
+                      <a:round/>
+                      <a:headEnd type="none" w="med" len="med"/>
+                      <a:tailEnd type="none" w="med" len="med"/>
+                    </a:lnT>
+                    <a:lnB w="12700" cap="flat" cmpd="sng" algn="ctr">
+                      <a:solidFill>
+                        <a:schemeClr val="tx1"/>
+                      </a:solidFill>
+                      <a:prstDash val="solid"/>
+                      <a:round/>
+                      <a:headEnd type="none" w="med" len="med"/>
+                      <a:tailEnd type="none" w="med" len="med"/>
+                    </a:lnB>
+                    <a:noFill/>
+                  </a:tcPr>
+                </a:tc>
+                <a:extLst>
+                  <a:ext uri="{0D108BD9-81ED-4DB2-BD59-A6C34878D82A}">
+                    <a16:rowId xmlns:a16="http://schemas.microsoft.com/office/drawing/2014/main" val="2065425655"/>
+                  </a:ext>
+                </a:extLst>
+              </a:tr>
+              <a:tr h="370840">
+                <a:tc>
+                  <a:txBody>
+                    <a:bodyPr/>
+                    <a:lstStyle/>
+                    <a:p>
+                      <a:r>
+                        <a:rPr lang="en-US" dirty="0"/>
+                        <a:t>Optimal Action</a:t>
+                      </a:r>
+                    </a:p>
+                  </a:txBody>
+                  <a:tcPr>
+                    <a:lnR w="12700" cap="flat" cmpd="sng" algn="ctr">
+                      <a:solidFill>
+                        <a:schemeClr val="tx1"/>
+                      </a:solidFill>
+                      <a:prstDash val="solid"/>
+                      <a:round/>
+                      <a:headEnd type="none" w="med" len="med"/>
+                      <a:tailEnd type="none" w="med" len="med"/>
+                    </a:lnR>
+                    <a:lnT w="12700" cap="flat" cmpd="sng" algn="ctr">
+                      <a:solidFill>
+                        <a:schemeClr val="tx1"/>
+                      </a:solidFill>
+                      <a:prstDash val="solid"/>
+                      <a:round/>
+                      <a:headEnd type="none" w="med" len="med"/>
+                      <a:tailEnd type="none" w="med" len="med"/>
+                    </a:lnT>
+                    <a:noFill/>
+                  </a:tcPr>
+                </a:tc>
+                <a:tc>
+                  <a:txBody>
+                    <a:bodyPr/>
+                    <a:lstStyle/>
+                    <a:p>
+                      <a:pPr algn="ctr"/>
+                      <a:r>
+                        <a:rPr lang="en-US" dirty="0"/>
+                        <a:t>Continue</a:t>
+                      </a:r>
+                    </a:p>
+                  </a:txBody>
+                  <a:tcPr>
+                    <a:lnL w="12700" cap="flat" cmpd="sng" algn="ctr">
+                      <a:solidFill>
+                        <a:schemeClr val="tx1"/>
+                      </a:solidFill>
+                      <a:prstDash val="solid"/>
+                      <a:round/>
+                      <a:headEnd type="none" w="med" len="med"/>
+                      <a:tailEnd type="none" w="med" len="med"/>
+                    </a:lnL>
+                    <a:lnR w="12700" cap="flat" cmpd="sng" algn="ctr">
+                      <a:solidFill>
+                        <a:schemeClr val="tx1"/>
+                      </a:solidFill>
+                      <a:prstDash val="solid"/>
+                      <a:round/>
+                      <a:headEnd type="none" w="med" len="med"/>
+                      <a:tailEnd type="none" w="med" len="med"/>
+                    </a:lnR>
+                    <a:lnT w="12700" cap="flat" cmpd="sng" algn="ctr">
+                      <a:solidFill>
+                        <a:schemeClr val="tx1"/>
+                      </a:solidFill>
+                      <a:prstDash val="solid"/>
+                      <a:round/>
+                      <a:headEnd type="none" w="med" len="med"/>
+                      <a:tailEnd type="none" w="med" len="med"/>
+                    </a:lnT>
+                    <a:noFill/>
+                  </a:tcPr>
+                </a:tc>
+                <a:tc>
+                  <a:txBody>
+                    <a:bodyPr/>
+                    <a:lstStyle/>
+                    <a:p>
+                      <a:pPr algn="ctr"/>
+                      <a:r>
+                        <a:rPr lang="en-US" dirty="0"/>
+                        <a:t>Continue</a:t>
+                      </a:r>
+                    </a:p>
+                  </a:txBody>
+                  <a:tcPr>
+                    <a:lnL w="12700" cap="flat" cmpd="sng" algn="ctr">
+                      <a:solidFill>
+                        <a:schemeClr val="tx1"/>
+                      </a:solidFill>
+                      <a:prstDash val="solid"/>
+                      <a:round/>
+                      <a:headEnd type="none" w="med" len="med"/>
+                      <a:tailEnd type="none" w="med" len="med"/>
+                    </a:lnL>
+                    <a:lnR w="12700" cap="flat" cmpd="sng" algn="ctr">
+                      <a:solidFill>
+                        <a:schemeClr val="tx1"/>
+                      </a:solidFill>
+                      <a:prstDash val="solid"/>
+                      <a:round/>
+                      <a:headEnd type="none" w="med" len="med"/>
+                      <a:tailEnd type="none" w="med" len="med"/>
+                    </a:lnR>
+                    <a:lnT w="12700" cap="flat" cmpd="sng" algn="ctr">
+                      <a:solidFill>
+                        <a:schemeClr val="tx1"/>
+                      </a:solidFill>
+                      <a:prstDash val="solid"/>
+                      <a:round/>
+                      <a:headEnd type="none" w="med" len="med"/>
+                      <a:tailEnd type="none" w="med" len="med"/>
+                    </a:lnT>
+                    <a:noFill/>
+                  </a:tcPr>
+                </a:tc>
+                <a:tc>
+                  <a:txBody>
+                    <a:bodyPr/>
+                    <a:lstStyle/>
+                    <a:p>
+                      <a:pPr algn="ctr"/>
+                      <a:r>
+                        <a:rPr lang="en-US" dirty="0"/>
+                        <a:t>?</a:t>
+                      </a:r>
+                    </a:p>
+                  </a:txBody>
+                  <a:tcPr>
+                    <a:lnL w="12700" cap="flat" cmpd="sng" algn="ctr">
+                      <a:solidFill>
+                        <a:schemeClr val="tx1"/>
+                      </a:solidFill>
+                      <a:prstDash val="solid"/>
+                      <a:round/>
+                      <a:headEnd type="none" w="med" len="med"/>
+                      <a:tailEnd type="none" w="med" len="med"/>
+                    </a:lnL>
+                    <a:lnR w="12700" cap="flat" cmpd="sng" algn="ctr">
+                      <a:solidFill>
+                        <a:schemeClr val="tx1"/>
+                      </a:solidFill>
+                      <a:prstDash val="solid"/>
+                      <a:round/>
+                      <a:headEnd type="none" w="med" len="med"/>
+                      <a:tailEnd type="none" w="med" len="med"/>
+                    </a:lnR>
+                    <a:lnT w="12700" cap="flat" cmpd="sng" algn="ctr">
+                      <a:solidFill>
+                        <a:schemeClr val="tx1"/>
+                      </a:solidFill>
+                      <a:prstDash val="solid"/>
+                      <a:round/>
+                      <a:headEnd type="none" w="med" len="med"/>
+                      <a:tailEnd type="none" w="med" len="med"/>
+                    </a:lnT>
+                    <a:noFill/>
+                  </a:tcPr>
+                </a:tc>
+                <a:tc>
+                  <a:txBody>
+                    <a:bodyPr/>
+                    <a:lstStyle/>
+                    <a:p>
+                      <a:pPr algn="ctr"/>
+                      <a:r>
+                        <a:rPr lang="en-US" dirty="0"/>
+                        <a:t>?</a:t>
+                      </a:r>
+                    </a:p>
+                  </a:txBody>
+                  <a:tcPr>
+                    <a:lnL w="12700" cap="flat" cmpd="sng" algn="ctr">
+                      <a:solidFill>
+                        <a:schemeClr val="tx1"/>
+                      </a:solidFill>
+                      <a:prstDash val="solid"/>
+                      <a:round/>
+                      <a:headEnd type="none" w="med" len="med"/>
+                      <a:tailEnd type="none" w="med" len="med"/>
+                    </a:lnL>
+                    <a:lnR w="12700" cap="flat" cmpd="sng" algn="ctr">
+                      <a:solidFill>
+                        <a:schemeClr val="tx1"/>
+                      </a:solidFill>
+                      <a:prstDash val="solid"/>
+                      <a:round/>
+                      <a:headEnd type="none" w="med" len="med"/>
+                      <a:tailEnd type="none" w="med" len="med"/>
+                    </a:lnR>
+                    <a:lnT w="12700" cap="flat" cmpd="sng" algn="ctr">
+                      <a:solidFill>
+                        <a:schemeClr val="tx1"/>
+                      </a:solidFill>
+                      <a:prstDash val="solid"/>
+                      <a:round/>
+                      <a:headEnd type="none" w="med" len="med"/>
+                      <a:tailEnd type="none" w="med" len="med"/>
+                    </a:lnT>
+                    <a:noFill/>
+                  </a:tcPr>
+                </a:tc>
+                <a:tc>
+                  <a:txBody>
+                    <a:bodyPr/>
+                    <a:lstStyle/>
+                    <a:p>
+                      <a:pPr algn="ctr"/>
+                      <a:r>
+                        <a:rPr lang="en-US" dirty="0"/>
+                        <a:t>-</a:t>
+                      </a:r>
+                    </a:p>
+                  </a:txBody>
+                  <a:tcPr>
+                    <a:lnL w="12700" cap="flat" cmpd="sng" algn="ctr">
+                      <a:solidFill>
+                        <a:schemeClr val="tx1"/>
+                      </a:solidFill>
+                      <a:prstDash val="solid"/>
+                      <a:round/>
+                      <a:headEnd type="none" w="med" len="med"/>
+                      <a:tailEnd type="none" w="med" len="med"/>
+                    </a:lnL>
+                    <a:lnT w="12700" cap="flat" cmpd="sng" algn="ctr">
+                      <a:solidFill>
+                        <a:schemeClr val="tx1"/>
+                      </a:solidFill>
+                      <a:prstDash val="solid"/>
+                      <a:round/>
+                      <a:headEnd type="none" w="med" len="med"/>
+                      <a:tailEnd type="none" w="med" len="med"/>
+                    </a:lnT>
+                    <a:noFill/>
+                  </a:tcPr>
+                </a:tc>
+                <a:extLst>
+                  <a:ext uri="{0D108BD9-81ED-4DB2-BD59-A6C34878D82A}">
+                    <a16:rowId xmlns:a16="http://schemas.microsoft.com/office/drawing/2014/main" val="2476811290"/>
+                  </a:ext>
+                </a:extLst>
+              </a:tr>
+            </a:tbl>
+          </a:graphicData>
+        </a:graphic>
+      </p:graphicFrame>
+      <p:pic>
+        <p:nvPicPr>
+          <p:cNvPr id="5" name="Picture 4" descr="A screenshot of a computer&#10;&#10;Description automatically generated with low confidence">
+            <a:extLst>
+              <a:ext uri="{FF2B5EF4-FFF2-40B4-BE49-F238E27FC236}">
+                <a16:creationId xmlns:a16="http://schemas.microsoft.com/office/drawing/2014/main" id="{A05D21D2-FB28-9AC0-663A-FBDAA751B8D6}"/>
+              </a:ext>
+            </a:extLst>
+          </p:cNvPr>
+          <p:cNvPicPr>
+            <a:picLocks noChangeAspect="1"/>
+          </p:cNvPicPr>
+          <p:nvPr/>
+        </p:nvPicPr>
+        <p:blipFill>
+          <a:blip r:embed="rId2"/>
+          <a:stretch>
+            <a:fillRect/>
+          </a:stretch>
+        </p:blipFill>
+        <p:spPr>
+          <a:xfrm>
+            <a:off x="-714401" y="1019932"/>
+            <a:ext cx="10572802" cy="2973600"/>
+          </a:xfrm>
+          <a:prstGeom prst="rect">
+            <a:avLst/>
+          </a:prstGeom>
+        </p:spPr>
+      </p:pic>
+      <p:sp>
+        <p:nvSpPr>
+          <p:cNvPr id="4" name="TextBox 3">
+            <a:extLst>
+              <a:ext uri="{FF2B5EF4-FFF2-40B4-BE49-F238E27FC236}">
+                <a16:creationId xmlns:a16="http://schemas.microsoft.com/office/drawing/2014/main" id="{D7967BE6-D4A0-D218-7C3C-69F32115C056}"/>
+              </a:ext>
+            </a:extLst>
+          </p:cNvPr>
+          <p:cNvSpPr txBox="1"/>
+          <p:nvPr/>
+        </p:nvSpPr>
+        <p:spPr>
+          <a:xfrm>
+            <a:off x="7903597" y="1414581"/>
+            <a:ext cx="848802" cy="178425"/>
+          </a:xfrm>
+          <a:prstGeom prst="rect">
+            <a:avLst/>
+          </a:prstGeom>
+          <a:solidFill>
+            <a:schemeClr val="bg1"/>
+          </a:solidFill>
+        </p:spPr>
+        <p:txBody>
+          <a:bodyPr wrap="square" rtlCol="0">
+            <a:spAutoFit/>
+          </a:bodyPr>
+          <a:lstStyle/>
+          <a:p>
+            <a:endParaRPr lang="en-GB" dirty="0"/>
+          </a:p>
+        </p:txBody>
+      </p:sp>
+    </p:spTree>
+    <p:extLst>
+      <p:ext uri="{BB962C8B-B14F-4D97-AF65-F5344CB8AC3E}">
+        <p14:creationId xmlns:p14="http://schemas.microsoft.com/office/powerpoint/2010/main" val="481783012"/>
+      </p:ext>
+    </p:extLst>
+  </p:cSld>
+  <p:clrMapOvr>
+    <a:masterClrMapping/>
+  </p:clrMapOvr>
+</p:sld>
+</file>
+
+<file path=ppt/slides/slide15.xml><?xml version="1.0" encoding="utf-8"?>
+<p:sld xmlns:a="http://schemas.openxmlformats.org/drawingml/2006/main" xmlns:r="http://schemas.openxmlformats.org/officeDocument/2006/relationships" xmlns:p="http://schemas.openxmlformats.org/presentationml/2006/main">
+  <p:cSld>
+    <p:spTree>
+      <p:nvGrpSpPr>
+        <p:cNvPr id="1" name=""/>
+        <p:cNvGrpSpPr/>
+        <p:nvPr/>
+      </p:nvGrpSpPr>
+      <p:grpSpPr>
+        <a:xfrm>
+          <a:off x="0" y="0"/>
+          <a:ext cx="0" cy="0"/>
+          <a:chOff x="0" y="0"/>
+          <a:chExt cx="0" cy="0"/>
+        </a:xfrm>
+      </p:grpSpPr>
+      <p:sp>
+        <p:nvSpPr>
+          <p:cNvPr id="2" name="Title 1">
+            <a:extLst>
+              <a:ext uri="{FF2B5EF4-FFF2-40B4-BE49-F238E27FC236}">
+                <a16:creationId xmlns:a16="http://schemas.microsoft.com/office/drawing/2014/main" id="{A2531FAF-2844-0379-95B8-07BD634131E8}"/>
+              </a:ext>
+            </a:extLst>
+          </p:cNvPr>
+          <p:cNvSpPr>
+            <a:spLocks noGrp="1"/>
+          </p:cNvSpPr>
+          <p:nvPr>
+            <p:ph type="title"/>
+          </p:nvPr>
+        </p:nvSpPr>
+        <p:spPr/>
+        <p:txBody>
+          <a:bodyPr/>
+          <a:lstStyle/>
+          <a:p>
+            <a:r>
+              <a:rPr lang="en-GB" dirty="0"/>
+              <a:t>Klay Thompson vs Phoenix Suns Mar 13</a:t>
+            </a:r>
+            <a:r>
+              <a:rPr lang="en-GB" baseline="30000" dirty="0"/>
+              <a:t>th</a:t>
+            </a:r>
+            <a:r>
+              <a:rPr lang="en-GB" dirty="0"/>
+              <a:t> 2023</a:t>
+            </a:r>
+          </a:p>
+        </p:txBody>
+      </p:sp>
+      <p:sp>
+        <p:nvSpPr>
+          <p:cNvPr id="3" name="Slide Number Placeholder 2">
+            <a:extLst>
+              <a:ext uri="{FF2B5EF4-FFF2-40B4-BE49-F238E27FC236}">
+                <a16:creationId xmlns:a16="http://schemas.microsoft.com/office/drawing/2014/main" id="{9BEF4AD7-4606-8E52-F79E-60FE06D43DFA}"/>
+              </a:ext>
+            </a:extLst>
+          </p:cNvPr>
+          <p:cNvSpPr>
+            <a:spLocks noGrp="1"/>
+          </p:cNvSpPr>
+          <p:nvPr>
+            <p:ph type="sldNum" sz="quarter" idx="12"/>
+          </p:nvPr>
+        </p:nvSpPr>
+        <p:spPr/>
+        <p:txBody>
+          <a:bodyPr/>
+          <a:lstStyle/>
+          <a:p>
+            <a:fld id="{177CE274-8713-884F-B04F-B6B90AF41963}" type="slidenum">
+              <a:rPr lang="en-US" smtClean="0"/>
+              <a:pPr/>
+              <a:t>15</a:t>
+            </a:fld>
+            <a:endParaRPr lang="en-US"/>
+          </a:p>
+        </p:txBody>
+      </p:sp>
+      <p:graphicFrame>
+        <p:nvGraphicFramePr>
+          <p:cNvPr id="8" name="Table 8">
+            <a:extLst>
+              <a:ext uri="{FF2B5EF4-FFF2-40B4-BE49-F238E27FC236}">
+                <a16:creationId xmlns:a16="http://schemas.microsoft.com/office/drawing/2014/main" id="{EEBDAE61-A436-6688-3BCF-8942266A90A5}"/>
+              </a:ext>
+            </a:extLst>
+          </p:cNvPr>
+          <p:cNvGraphicFramePr>
+            <a:graphicFrameLocks noGrp="1"/>
+          </p:cNvGraphicFramePr>
+          <p:nvPr>
+            <p:extLst>
+              <p:ext uri="{D42A27DB-BD31-4B8C-83A1-F6EECF244321}">
+                <p14:modId xmlns:p14="http://schemas.microsoft.com/office/powerpoint/2010/main" val="3034243119"/>
+              </p:ext>
+            </p:extLst>
+          </p:nvPr>
+        </p:nvGraphicFramePr>
+        <p:xfrm>
+          <a:off x="320040" y="3993532"/>
+          <a:ext cx="8503920" cy="1112520"/>
+        </p:xfrm>
+        <a:graphic>
+          <a:graphicData uri="http://schemas.openxmlformats.org/drawingml/2006/table">
+            <a:tbl>
+              <a:tblPr firstRow="1" bandRow="1">
+                <a:tableStyleId>{5C22544A-7EE6-4342-B048-85BDC9FD1C3A}</a:tableStyleId>
+              </a:tblPr>
+              <a:tblGrid>
+                <a:gridCol w="1417320">
+                  <a:extLst>
+                    <a:ext uri="{9D8B030D-6E8A-4147-A177-3AD203B41FA5}">
+                      <a16:colId xmlns:a16="http://schemas.microsoft.com/office/drawing/2014/main" val="2812415835"/>
+                    </a:ext>
+                  </a:extLst>
+                </a:gridCol>
+                <a:gridCol w="1417320">
+                  <a:extLst>
+                    <a:ext uri="{9D8B030D-6E8A-4147-A177-3AD203B41FA5}">
+                      <a16:colId xmlns:a16="http://schemas.microsoft.com/office/drawing/2014/main" val="3009988448"/>
+                    </a:ext>
+                  </a:extLst>
+                </a:gridCol>
+                <a:gridCol w="1417320">
+                  <a:extLst>
+                    <a:ext uri="{9D8B030D-6E8A-4147-A177-3AD203B41FA5}">
+                      <a16:colId xmlns:a16="http://schemas.microsoft.com/office/drawing/2014/main" val="1597612126"/>
+                    </a:ext>
+                  </a:extLst>
+                </a:gridCol>
+                <a:gridCol w="1417320">
+                  <a:extLst>
+                    <a:ext uri="{9D8B030D-6E8A-4147-A177-3AD203B41FA5}">
+                      <a16:colId xmlns:a16="http://schemas.microsoft.com/office/drawing/2014/main" val="1570262287"/>
+                    </a:ext>
+                  </a:extLst>
+                </a:gridCol>
+                <a:gridCol w="1417320">
+                  <a:extLst>
+                    <a:ext uri="{9D8B030D-6E8A-4147-A177-3AD203B41FA5}">
+                      <a16:colId xmlns:a16="http://schemas.microsoft.com/office/drawing/2014/main" val="4014363287"/>
+                    </a:ext>
+                  </a:extLst>
+                </a:gridCol>
+                <a:gridCol w="1417320">
+                  <a:extLst>
+                    <a:ext uri="{9D8B030D-6E8A-4147-A177-3AD203B41FA5}">
+                      <a16:colId xmlns:a16="http://schemas.microsoft.com/office/drawing/2014/main" val="489630985"/>
+                    </a:ext>
+                  </a:extLst>
+                </a:gridCol>
+              </a:tblGrid>
+              <a:tr h="370840">
+                <a:tc>
+                  <a:txBody>
+                    <a:bodyPr/>
+                    <a:lstStyle/>
+                    <a:p>
+                      <a:pPr marL="0" algn="l" defTabSz="685800" rtl="0" eaLnBrk="1" latinLnBrk="0" hangingPunct="1"/>
+                      <a:r>
+                        <a:rPr lang="en-US" sz="1350" b="0" kern="1200" dirty="0">
+                          <a:solidFill>
+                            <a:schemeClr val="dk1"/>
+                          </a:solidFill>
+                          <a:latin typeface="+mn-lt"/>
+                          <a:ea typeface="+mn-ea"/>
+                          <a:cs typeface="+mn-cs"/>
+                        </a:rPr>
+                        <a:t>Exercise Value</a:t>
+                      </a:r>
+                    </a:p>
+                  </a:txBody>
+                  <a:tcPr>
+                    <a:lnR w="12700" cap="flat" cmpd="sng" algn="ctr">
+                      <a:solidFill>
+                        <a:schemeClr val="tx1"/>
+                      </a:solidFill>
+                      <a:prstDash val="solid"/>
+                      <a:round/>
+                      <a:headEnd type="none" w="med" len="med"/>
+                      <a:tailEnd type="none" w="med" len="med"/>
+                    </a:lnR>
+                    <a:lnB w="12700" cap="flat" cmpd="sng" algn="ctr">
+                      <a:solidFill>
+                        <a:schemeClr val="tx1"/>
+                      </a:solidFill>
+                      <a:prstDash val="solid"/>
+                      <a:round/>
+                      <a:headEnd type="none" w="med" len="med"/>
+                      <a:tailEnd type="none" w="med" len="med"/>
+                    </a:lnB>
+                    <a:noFill/>
+                  </a:tcPr>
+                </a:tc>
+                <a:tc>
+                  <a:txBody>
+                    <a:bodyPr/>
+                    <a:lstStyle/>
+                    <a:p>
+                      <a:pPr marL="0" algn="ctr" defTabSz="685800" rtl="0" eaLnBrk="1" latinLnBrk="0" hangingPunct="1"/>
+                      <a:r>
+                        <a:rPr lang="en-US" sz="1350" b="0" kern="1200" dirty="0">
+                          <a:solidFill>
+                            <a:schemeClr val="dk1"/>
+                          </a:solidFill>
+                          <a:latin typeface="+mn-lt"/>
+                          <a:ea typeface="+mn-ea"/>
+                          <a:cs typeface="+mn-cs"/>
+                        </a:rPr>
+                        <a:t>$ 0</a:t>
+                      </a:r>
+                    </a:p>
+                  </a:txBody>
+                  <a:tcPr>
+                    <a:lnL w="12700" cap="flat" cmpd="sng" algn="ctr">
+                      <a:solidFill>
+                        <a:schemeClr val="tx1"/>
+                      </a:solidFill>
+                      <a:prstDash val="solid"/>
+                      <a:round/>
+                      <a:headEnd type="none" w="med" len="med"/>
+                      <a:tailEnd type="none" w="med" len="med"/>
+                    </a:lnL>
+                    <a:lnR w="12700" cap="flat" cmpd="sng" algn="ctr">
+                      <a:solidFill>
+                        <a:schemeClr val="tx1"/>
+                      </a:solidFill>
+                      <a:prstDash val="solid"/>
+                      <a:round/>
+                      <a:headEnd type="none" w="med" len="med"/>
+                      <a:tailEnd type="none" w="med" len="med"/>
+                    </a:lnR>
+                    <a:lnB w="12700" cap="flat" cmpd="sng" algn="ctr">
+                      <a:solidFill>
+                        <a:schemeClr val="tx1"/>
+                      </a:solidFill>
+                      <a:prstDash val="solid"/>
+                      <a:round/>
+                      <a:headEnd type="none" w="med" len="med"/>
+                      <a:tailEnd type="none" w="med" len="med"/>
+                    </a:lnB>
+                    <a:noFill/>
+                  </a:tcPr>
+                </a:tc>
+                <a:tc>
+                  <a:txBody>
+                    <a:bodyPr/>
+                    <a:lstStyle/>
+                    <a:p>
+                      <a:pPr marL="0" algn="ctr" defTabSz="685800" rtl="0" eaLnBrk="1" latinLnBrk="0" hangingPunct="1"/>
+                      <a:r>
+                        <a:rPr lang="en-US" sz="1350" b="0" kern="1200" dirty="0">
+                          <a:solidFill>
+                            <a:schemeClr val="dk1"/>
+                          </a:solidFill>
+                          <a:latin typeface="+mn-lt"/>
+                          <a:ea typeface="+mn-ea"/>
+                          <a:cs typeface="+mn-cs"/>
+                        </a:rPr>
+                        <a:t>$ 13.00</a:t>
+                      </a:r>
+                    </a:p>
+                  </a:txBody>
+                  <a:tcPr>
+                    <a:lnL w="12700" cap="flat" cmpd="sng" algn="ctr">
+                      <a:solidFill>
+                        <a:schemeClr val="tx1"/>
+                      </a:solidFill>
+                      <a:prstDash val="solid"/>
+                      <a:round/>
+                      <a:headEnd type="none" w="med" len="med"/>
+                      <a:tailEnd type="none" w="med" len="med"/>
+                    </a:lnL>
+                    <a:lnR w="12700" cap="flat" cmpd="sng" algn="ctr">
+                      <a:solidFill>
+                        <a:schemeClr val="tx1"/>
+                      </a:solidFill>
+                      <a:prstDash val="solid"/>
+                      <a:round/>
+                      <a:headEnd type="none" w="med" len="med"/>
+                      <a:tailEnd type="none" w="med" len="med"/>
+                    </a:lnR>
+                    <a:lnB w="12700" cap="flat" cmpd="sng" algn="ctr">
+                      <a:solidFill>
+                        <a:schemeClr val="tx1"/>
+                      </a:solidFill>
+                      <a:prstDash val="solid"/>
+                      <a:round/>
+                      <a:headEnd type="none" w="med" len="med"/>
+                      <a:tailEnd type="none" w="med" len="med"/>
+                    </a:lnB>
+                    <a:noFill/>
+                  </a:tcPr>
+                </a:tc>
+                <a:tc>
+                  <a:txBody>
+                    <a:bodyPr/>
+                    <a:lstStyle/>
+                    <a:p>
+                      <a:pPr marL="0" algn="ctr" defTabSz="685800" rtl="0" eaLnBrk="1" latinLnBrk="0" hangingPunct="1"/>
+                      <a:r>
+                        <a:rPr lang="en-US" sz="1350" b="0" kern="1200" dirty="0">
+                          <a:solidFill>
+                            <a:schemeClr val="dk1"/>
+                          </a:solidFill>
+                          <a:latin typeface="+mn-lt"/>
+                          <a:ea typeface="+mn-ea"/>
+                          <a:cs typeface="+mn-cs"/>
+                        </a:rPr>
+                        <a:t>$ 23.00</a:t>
+                      </a:r>
+                    </a:p>
+                  </a:txBody>
+                  <a:tcPr>
+                    <a:lnL w="12700" cap="flat" cmpd="sng" algn="ctr">
+                      <a:solidFill>
+                        <a:schemeClr val="tx1"/>
+                      </a:solidFill>
+                      <a:prstDash val="solid"/>
+                      <a:round/>
+                      <a:headEnd type="none" w="med" len="med"/>
+                      <a:tailEnd type="none" w="med" len="med"/>
+                    </a:lnL>
+                    <a:lnR w="12700" cap="flat" cmpd="sng" algn="ctr">
+                      <a:solidFill>
+                        <a:schemeClr val="tx1"/>
+                      </a:solidFill>
+                      <a:prstDash val="solid"/>
+                      <a:round/>
+                      <a:headEnd type="none" w="med" len="med"/>
+                      <a:tailEnd type="none" w="med" len="med"/>
+                    </a:lnR>
+                    <a:lnB w="12700" cap="flat" cmpd="sng" algn="ctr">
+                      <a:solidFill>
+                        <a:schemeClr val="tx1"/>
+                      </a:solidFill>
+                      <a:prstDash val="solid"/>
+                      <a:round/>
+                      <a:headEnd type="none" w="med" len="med"/>
+                      <a:tailEnd type="none" w="med" len="med"/>
+                    </a:lnB>
+                    <a:noFill/>
+                  </a:tcPr>
+                </a:tc>
+                <a:tc>
+                  <a:txBody>
+                    <a:bodyPr/>
+                    <a:lstStyle/>
+                    <a:p>
+                      <a:pPr marL="0" algn="ctr" defTabSz="685800" rtl="0" eaLnBrk="1" latinLnBrk="0" hangingPunct="1"/>
+                      <a:r>
+                        <a:rPr lang="en-US" sz="1350" b="0" kern="1200" dirty="0">
+                          <a:solidFill>
+                            <a:schemeClr val="dk1"/>
+                          </a:solidFill>
+                          <a:latin typeface="+mn-lt"/>
+                          <a:ea typeface="+mn-ea"/>
+                          <a:cs typeface="+mn-cs"/>
+                        </a:rPr>
+                        <a:t>?</a:t>
+                      </a:r>
+                    </a:p>
+                  </a:txBody>
+                  <a:tcPr>
+                    <a:lnL w="12700" cap="flat" cmpd="sng" algn="ctr">
+                      <a:solidFill>
+                        <a:schemeClr val="tx1"/>
+                      </a:solidFill>
+                      <a:prstDash val="solid"/>
+                      <a:round/>
+                      <a:headEnd type="none" w="med" len="med"/>
+                      <a:tailEnd type="none" w="med" len="med"/>
+                    </a:lnL>
+                    <a:lnR w="12700" cap="flat" cmpd="sng" algn="ctr">
+                      <a:solidFill>
+                        <a:schemeClr val="tx1"/>
+                      </a:solidFill>
+                      <a:prstDash val="solid"/>
+                      <a:round/>
+                      <a:headEnd type="none" w="med" len="med"/>
+                      <a:tailEnd type="none" w="med" len="med"/>
+                    </a:lnR>
+                    <a:lnB w="12700" cap="flat" cmpd="sng" algn="ctr">
+                      <a:solidFill>
+                        <a:schemeClr val="tx1"/>
+                      </a:solidFill>
+                      <a:prstDash val="solid"/>
+                      <a:round/>
+                      <a:headEnd type="none" w="med" len="med"/>
+                      <a:tailEnd type="none" w="med" len="med"/>
+                    </a:lnB>
+                    <a:noFill/>
+                  </a:tcPr>
+                </a:tc>
+                <a:tc>
+                  <a:txBody>
+                    <a:bodyPr/>
+                    <a:lstStyle/>
+                    <a:p>
+                      <a:pPr marL="0" algn="ctr" defTabSz="685800" rtl="0" eaLnBrk="1" latinLnBrk="0" hangingPunct="1"/>
+                      <a:r>
+                        <a:rPr lang="en-US" sz="1350" b="0" kern="1200" dirty="0">
+                          <a:solidFill>
+                            <a:schemeClr val="dk1"/>
+                          </a:solidFill>
+                          <a:latin typeface="+mn-lt"/>
+                          <a:ea typeface="+mn-ea"/>
+                          <a:cs typeface="+mn-cs"/>
+                        </a:rPr>
+                        <a:t>?</a:t>
+                      </a:r>
+                    </a:p>
+                  </a:txBody>
+                  <a:tcPr>
+                    <a:lnL w="12700" cap="flat" cmpd="sng" algn="ctr">
+                      <a:solidFill>
+                        <a:schemeClr val="tx1"/>
+                      </a:solidFill>
+                      <a:prstDash val="solid"/>
+                      <a:round/>
+                      <a:headEnd type="none" w="med" len="med"/>
+                      <a:tailEnd type="none" w="med" len="med"/>
+                    </a:lnL>
+                    <a:lnB w="12700" cap="flat" cmpd="sng" algn="ctr">
+                      <a:solidFill>
+                        <a:schemeClr val="tx1"/>
+                      </a:solidFill>
+                      <a:prstDash val="solid"/>
+                      <a:round/>
+                      <a:headEnd type="none" w="med" len="med"/>
+                      <a:tailEnd type="none" w="med" len="med"/>
+                    </a:lnB>
+                    <a:noFill/>
+                  </a:tcPr>
+                </a:tc>
+                <a:extLst>
+                  <a:ext uri="{0D108BD9-81ED-4DB2-BD59-A6C34878D82A}">
+                    <a16:rowId xmlns:a16="http://schemas.microsoft.com/office/drawing/2014/main" val="447755514"/>
+                  </a:ext>
+                </a:extLst>
+              </a:tr>
+              <a:tr h="370840">
+                <a:tc>
+                  <a:txBody>
+                    <a:bodyPr/>
+                    <a:lstStyle/>
+                    <a:p>
+                      <a:r>
+                        <a:rPr lang="en-US" dirty="0"/>
+                        <a:t>Q-Value (DQL)</a:t>
+                      </a:r>
+                    </a:p>
+                  </a:txBody>
+                  <a:tcPr>
+                    <a:lnR w="12700" cap="flat" cmpd="sng" algn="ctr">
+                      <a:solidFill>
+                        <a:schemeClr val="tx1"/>
+                      </a:solidFill>
+                      <a:prstDash val="solid"/>
+                      <a:round/>
+                      <a:headEnd type="none" w="med" len="med"/>
+                      <a:tailEnd type="none" w="med" len="med"/>
+                    </a:lnR>
+                    <a:lnT w="12700" cap="flat" cmpd="sng" algn="ctr">
+                      <a:solidFill>
+                        <a:schemeClr val="tx1"/>
+                      </a:solidFill>
+                      <a:prstDash val="solid"/>
+                      <a:round/>
+                      <a:headEnd type="none" w="med" len="med"/>
+                      <a:tailEnd type="none" w="med" len="med"/>
+                    </a:lnT>
+                    <a:lnB w="12700" cap="flat" cmpd="sng" algn="ctr">
+                      <a:solidFill>
+                        <a:schemeClr val="tx1"/>
+                      </a:solidFill>
+                      <a:prstDash val="solid"/>
+                      <a:round/>
+                      <a:headEnd type="none" w="med" len="med"/>
+                      <a:tailEnd type="none" w="med" len="med"/>
+                    </a:lnB>
+                    <a:noFill/>
+                  </a:tcPr>
+                </a:tc>
+                <a:tc>
+                  <a:txBody>
+                    <a:bodyPr/>
+                    <a:lstStyle/>
+                    <a:p>
+                      <a:pPr algn="ctr"/>
+                      <a:r>
+                        <a:rPr lang="en-US" dirty="0"/>
+                        <a:t>$ 3.56</a:t>
+                      </a:r>
+                    </a:p>
+                  </a:txBody>
+                  <a:tcPr>
+                    <a:lnL w="12700" cap="flat" cmpd="sng" algn="ctr">
+                      <a:solidFill>
+                        <a:schemeClr val="tx1"/>
+                      </a:solidFill>
+                      <a:prstDash val="solid"/>
+                      <a:round/>
+                      <a:headEnd type="none" w="med" len="med"/>
+                      <a:tailEnd type="none" w="med" len="med"/>
+                    </a:lnL>
+                    <a:lnR w="12700" cap="flat" cmpd="sng" algn="ctr">
+                      <a:solidFill>
+                        <a:schemeClr val="tx1"/>
+                      </a:solidFill>
+                      <a:prstDash val="solid"/>
+                      <a:round/>
+                      <a:headEnd type="none" w="med" len="med"/>
+                      <a:tailEnd type="none" w="med" len="med"/>
+                    </a:lnR>
+                    <a:lnT w="12700" cap="flat" cmpd="sng" algn="ctr">
+                      <a:solidFill>
+                        <a:schemeClr val="tx1"/>
+                      </a:solidFill>
+                      <a:prstDash val="solid"/>
+                      <a:round/>
+                      <a:headEnd type="none" w="med" len="med"/>
+                      <a:tailEnd type="none" w="med" len="med"/>
+                    </a:lnT>
+                    <a:lnB w="12700" cap="flat" cmpd="sng" algn="ctr">
+                      <a:solidFill>
+                        <a:schemeClr val="tx1"/>
+                      </a:solidFill>
+                      <a:prstDash val="solid"/>
+                      <a:round/>
+                      <a:headEnd type="none" w="med" len="med"/>
+                      <a:tailEnd type="none" w="med" len="med"/>
+                    </a:lnB>
+                    <a:noFill/>
+                  </a:tcPr>
+                </a:tc>
+                <a:tc>
+                  <a:txBody>
+                    <a:bodyPr/>
+                    <a:lstStyle/>
+                    <a:p>
+                      <a:pPr algn="ctr"/>
+                      <a:r>
+                        <a:rPr lang="en-US" dirty="0"/>
+                        <a:t>$ 27.45</a:t>
+                      </a:r>
+                    </a:p>
+                  </a:txBody>
+                  <a:tcPr>
+                    <a:lnL w="12700" cap="flat" cmpd="sng" algn="ctr">
+                      <a:solidFill>
+                        <a:schemeClr val="tx1"/>
+                      </a:solidFill>
+                      <a:prstDash val="solid"/>
+                      <a:round/>
+                      <a:headEnd type="none" w="med" len="med"/>
+                      <a:tailEnd type="none" w="med" len="med"/>
+                    </a:lnL>
+                    <a:lnR w="12700" cap="flat" cmpd="sng" algn="ctr">
+                      <a:solidFill>
+                        <a:schemeClr val="tx1"/>
+                      </a:solidFill>
+                      <a:prstDash val="solid"/>
+                      <a:round/>
+                      <a:headEnd type="none" w="med" len="med"/>
+                      <a:tailEnd type="none" w="med" len="med"/>
+                    </a:lnR>
+                    <a:lnT w="12700" cap="flat" cmpd="sng" algn="ctr">
+                      <a:solidFill>
+                        <a:schemeClr val="tx1"/>
+                      </a:solidFill>
+                      <a:prstDash val="solid"/>
+                      <a:round/>
+                      <a:headEnd type="none" w="med" len="med"/>
+                      <a:tailEnd type="none" w="med" len="med"/>
+                    </a:lnT>
+                    <a:lnB w="12700" cap="flat" cmpd="sng" algn="ctr">
+                      <a:solidFill>
+                        <a:schemeClr val="tx1"/>
+                      </a:solidFill>
+                      <a:prstDash val="solid"/>
+                      <a:round/>
+                      <a:headEnd type="none" w="med" len="med"/>
+                      <a:tailEnd type="none" w="med" len="med"/>
+                    </a:lnB>
+                    <a:noFill/>
+                  </a:tcPr>
+                </a:tc>
+                <a:tc>
+                  <a:txBody>
+                    <a:bodyPr/>
+                    <a:lstStyle/>
+                    <a:p>
+                      <a:pPr algn="ctr"/>
+                      <a:r>
+                        <a:rPr lang="en-US" dirty="0"/>
+                        <a:t>?</a:t>
+                      </a:r>
+                    </a:p>
+                  </a:txBody>
+                  <a:tcPr>
+                    <a:lnL w="12700" cap="flat" cmpd="sng" algn="ctr">
+                      <a:solidFill>
+                        <a:schemeClr val="tx1"/>
+                      </a:solidFill>
+                      <a:prstDash val="solid"/>
+                      <a:round/>
+                      <a:headEnd type="none" w="med" len="med"/>
+                      <a:tailEnd type="none" w="med" len="med"/>
+                    </a:lnL>
+                    <a:lnR w="12700" cap="flat" cmpd="sng" algn="ctr">
+                      <a:solidFill>
+                        <a:schemeClr val="tx1"/>
+                      </a:solidFill>
+                      <a:prstDash val="solid"/>
+                      <a:round/>
+                      <a:headEnd type="none" w="med" len="med"/>
+                      <a:tailEnd type="none" w="med" len="med"/>
+                    </a:lnR>
+                    <a:lnT w="12700" cap="flat" cmpd="sng" algn="ctr">
+                      <a:solidFill>
+                        <a:schemeClr val="tx1"/>
+                      </a:solidFill>
+                      <a:prstDash val="solid"/>
+                      <a:round/>
+                      <a:headEnd type="none" w="med" len="med"/>
+                      <a:tailEnd type="none" w="med" len="med"/>
+                    </a:lnT>
+                    <a:lnB w="12700" cap="flat" cmpd="sng" algn="ctr">
+                      <a:solidFill>
+                        <a:schemeClr val="tx1"/>
+                      </a:solidFill>
+                      <a:prstDash val="solid"/>
+                      <a:round/>
+                      <a:headEnd type="none" w="med" len="med"/>
+                      <a:tailEnd type="none" w="med" len="med"/>
+                    </a:lnB>
+                    <a:noFill/>
+                  </a:tcPr>
+                </a:tc>
+                <a:tc>
+                  <a:txBody>
+                    <a:bodyPr/>
+                    <a:lstStyle/>
+                    <a:p>
+                      <a:pPr algn="ctr"/>
+                      <a:r>
+                        <a:rPr lang="en-US" dirty="0"/>
+                        <a:t>?</a:t>
+                      </a:r>
+                    </a:p>
+                  </a:txBody>
+                  <a:tcPr>
+                    <a:lnL w="12700" cap="flat" cmpd="sng" algn="ctr">
+                      <a:solidFill>
+                        <a:schemeClr val="tx1"/>
+                      </a:solidFill>
+                      <a:prstDash val="solid"/>
+                      <a:round/>
+                      <a:headEnd type="none" w="med" len="med"/>
+                      <a:tailEnd type="none" w="med" len="med"/>
+                    </a:lnL>
+                    <a:lnR w="12700" cap="flat" cmpd="sng" algn="ctr">
+                      <a:solidFill>
+                        <a:schemeClr val="tx1"/>
+                      </a:solidFill>
+                      <a:prstDash val="solid"/>
+                      <a:round/>
+                      <a:headEnd type="none" w="med" len="med"/>
+                      <a:tailEnd type="none" w="med" len="med"/>
+                    </a:lnR>
+                    <a:lnT w="12700" cap="flat" cmpd="sng" algn="ctr">
+                      <a:solidFill>
+                        <a:schemeClr val="tx1"/>
+                      </a:solidFill>
+                      <a:prstDash val="solid"/>
+                      <a:round/>
+                      <a:headEnd type="none" w="med" len="med"/>
+                      <a:tailEnd type="none" w="med" len="med"/>
+                    </a:lnT>
+                    <a:lnB w="12700" cap="flat" cmpd="sng" algn="ctr">
+                      <a:solidFill>
+                        <a:schemeClr val="tx1"/>
+                      </a:solidFill>
+                      <a:prstDash val="solid"/>
+                      <a:round/>
+                      <a:headEnd type="none" w="med" len="med"/>
+                      <a:tailEnd type="none" w="med" len="med"/>
+                    </a:lnB>
+                    <a:noFill/>
+                  </a:tcPr>
+                </a:tc>
+                <a:tc>
+                  <a:txBody>
+                    <a:bodyPr/>
+                    <a:lstStyle/>
+                    <a:p>
+                      <a:pPr algn="ctr"/>
+                      <a:r>
+                        <a:rPr lang="en-US" dirty="0"/>
+                        <a:t>-</a:t>
+                      </a:r>
+                    </a:p>
+                  </a:txBody>
+                  <a:tcPr>
+                    <a:lnL w="12700" cap="flat" cmpd="sng" algn="ctr">
+                      <a:solidFill>
+                        <a:schemeClr val="tx1"/>
+                      </a:solidFill>
+                      <a:prstDash val="solid"/>
+                      <a:round/>
+                      <a:headEnd type="none" w="med" len="med"/>
+                      <a:tailEnd type="none" w="med" len="med"/>
+                    </a:lnL>
+                    <a:lnT w="12700" cap="flat" cmpd="sng" algn="ctr">
+                      <a:solidFill>
+                        <a:schemeClr val="tx1"/>
+                      </a:solidFill>
+                      <a:prstDash val="solid"/>
+                      <a:round/>
+                      <a:headEnd type="none" w="med" len="med"/>
+                      <a:tailEnd type="none" w="med" len="med"/>
+                    </a:lnT>
+                    <a:lnB w="12700" cap="flat" cmpd="sng" algn="ctr">
+                      <a:solidFill>
+                        <a:schemeClr val="tx1"/>
+                      </a:solidFill>
+                      <a:prstDash val="solid"/>
+                      <a:round/>
+                      <a:headEnd type="none" w="med" len="med"/>
+                      <a:tailEnd type="none" w="med" len="med"/>
+                    </a:lnB>
+                    <a:noFill/>
+                  </a:tcPr>
+                </a:tc>
+                <a:extLst>
+                  <a:ext uri="{0D108BD9-81ED-4DB2-BD59-A6C34878D82A}">
+                    <a16:rowId xmlns:a16="http://schemas.microsoft.com/office/drawing/2014/main" val="2065425655"/>
+                  </a:ext>
+                </a:extLst>
+              </a:tr>
+              <a:tr h="370840">
+                <a:tc>
+                  <a:txBody>
+                    <a:bodyPr/>
+                    <a:lstStyle/>
+                    <a:p>
+                      <a:r>
+                        <a:rPr lang="en-US" dirty="0"/>
+                        <a:t>Optimal Action</a:t>
+                      </a:r>
+                    </a:p>
+                  </a:txBody>
+                  <a:tcPr>
+                    <a:lnR w="12700" cap="flat" cmpd="sng" algn="ctr">
+                      <a:solidFill>
+                        <a:schemeClr val="tx1"/>
+                      </a:solidFill>
+                      <a:prstDash val="solid"/>
+                      <a:round/>
+                      <a:headEnd type="none" w="med" len="med"/>
+                      <a:tailEnd type="none" w="med" len="med"/>
+                    </a:lnR>
+                    <a:lnT w="12700" cap="flat" cmpd="sng" algn="ctr">
+                      <a:solidFill>
+                        <a:schemeClr val="tx1"/>
+                      </a:solidFill>
+                      <a:prstDash val="solid"/>
+                      <a:round/>
+                      <a:headEnd type="none" w="med" len="med"/>
+                      <a:tailEnd type="none" w="med" len="med"/>
+                    </a:lnT>
+                    <a:noFill/>
+                  </a:tcPr>
+                </a:tc>
+                <a:tc>
+                  <a:txBody>
+                    <a:bodyPr/>
+                    <a:lstStyle/>
+                    <a:p>
+                      <a:pPr algn="ctr"/>
+                      <a:r>
+                        <a:rPr lang="en-US" dirty="0"/>
+                        <a:t>Continue</a:t>
+                      </a:r>
+                    </a:p>
+                  </a:txBody>
+                  <a:tcPr>
+                    <a:lnL w="12700" cap="flat" cmpd="sng" algn="ctr">
+                      <a:solidFill>
+                        <a:schemeClr val="tx1"/>
+                      </a:solidFill>
+                      <a:prstDash val="solid"/>
+                      <a:round/>
+                      <a:headEnd type="none" w="med" len="med"/>
+                      <a:tailEnd type="none" w="med" len="med"/>
+                    </a:lnL>
+                    <a:lnR w="12700" cap="flat" cmpd="sng" algn="ctr">
+                      <a:solidFill>
+                        <a:schemeClr val="tx1"/>
+                      </a:solidFill>
+                      <a:prstDash val="solid"/>
+                      <a:round/>
+                      <a:headEnd type="none" w="med" len="med"/>
+                      <a:tailEnd type="none" w="med" len="med"/>
+                    </a:lnR>
+                    <a:lnT w="12700" cap="flat" cmpd="sng" algn="ctr">
+                      <a:solidFill>
+                        <a:schemeClr val="tx1"/>
+                      </a:solidFill>
+                      <a:prstDash val="solid"/>
+                      <a:round/>
+                      <a:headEnd type="none" w="med" len="med"/>
+                      <a:tailEnd type="none" w="med" len="med"/>
+                    </a:lnT>
+                    <a:noFill/>
+                  </a:tcPr>
+                </a:tc>
+                <a:tc>
+                  <a:txBody>
+                    <a:bodyPr/>
+                    <a:lstStyle/>
+                    <a:p>
+                      <a:pPr algn="ctr"/>
+                      <a:r>
+                        <a:rPr lang="en-US" dirty="0"/>
+                        <a:t>Continue</a:t>
+                      </a:r>
+                    </a:p>
+                  </a:txBody>
+                  <a:tcPr>
+                    <a:lnL w="12700" cap="flat" cmpd="sng" algn="ctr">
+                      <a:solidFill>
+                        <a:schemeClr val="tx1"/>
+                      </a:solidFill>
+                      <a:prstDash val="solid"/>
+                      <a:round/>
+                      <a:headEnd type="none" w="med" len="med"/>
+                      <a:tailEnd type="none" w="med" len="med"/>
+                    </a:lnL>
+                    <a:lnR w="12700" cap="flat" cmpd="sng" algn="ctr">
+                      <a:solidFill>
+                        <a:schemeClr val="tx1"/>
+                      </a:solidFill>
+                      <a:prstDash val="solid"/>
+                      <a:round/>
+                      <a:headEnd type="none" w="med" len="med"/>
+                      <a:tailEnd type="none" w="med" len="med"/>
+                    </a:lnR>
+                    <a:lnT w="12700" cap="flat" cmpd="sng" algn="ctr">
+                      <a:solidFill>
+                        <a:schemeClr val="tx1"/>
+                      </a:solidFill>
+                      <a:prstDash val="solid"/>
+                      <a:round/>
+                      <a:headEnd type="none" w="med" len="med"/>
+                      <a:tailEnd type="none" w="med" len="med"/>
+                    </a:lnT>
+                    <a:noFill/>
+                  </a:tcPr>
+                </a:tc>
+                <a:tc>
+                  <a:txBody>
+                    <a:bodyPr/>
+                    <a:lstStyle/>
+                    <a:p>
+                      <a:pPr algn="ctr"/>
+                      <a:r>
+                        <a:rPr lang="en-US" dirty="0"/>
+                        <a:t>?</a:t>
+                      </a:r>
+                    </a:p>
+                  </a:txBody>
+                  <a:tcPr>
+                    <a:lnL w="12700" cap="flat" cmpd="sng" algn="ctr">
+                      <a:solidFill>
+                        <a:schemeClr val="tx1"/>
+                      </a:solidFill>
+                      <a:prstDash val="solid"/>
+                      <a:round/>
+                      <a:headEnd type="none" w="med" len="med"/>
+                      <a:tailEnd type="none" w="med" len="med"/>
+                    </a:lnL>
+                    <a:lnR w="12700" cap="flat" cmpd="sng" algn="ctr">
+                      <a:solidFill>
+                        <a:schemeClr val="tx1"/>
+                      </a:solidFill>
+                      <a:prstDash val="solid"/>
+                      <a:round/>
+                      <a:headEnd type="none" w="med" len="med"/>
+                      <a:tailEnd type="none" w="med" len="med"/>
+                    </a:lnR>
+                    <a:lnT w="12700" cap="flat" cmpd="sng" algn="ctr">
+                      <a:solidFill>
+                        <a:schemeClr val="tx1"/>
+                      </a:solidFill>
+                      <a:prstDash val="solid"/>
+                      <a:round/>
+                      <a:headEnd type="none" w="med" len="med"/>
+                      <a:tailEnd type="none" w="med" len="med"/>
+                    </a:lnT>
+                    <a:noFill/>
+                  </a:tcPr>
+                </a:tc>
+                <a:tc>
+                  <a:txBody>
+                    <a:bodyPr/>
+                    <a:lstStyle/>
+                    <a:p>
+                      <a:pPr algn="ctr"/>
+                      <a:r>
+                        <a:rPr lang="en-US" dirty="0"/>
+                        <a:t>?</a:t>
+                      </a:r>
+                    </a:p>
+                  </a:txBody>
+                  <a:tcPr>
+                    <a:lnL w="12700" cap="flat" cmpd="sng" algn="ctr">
+                      <a:solidFill>
+                        <a:schemeClr val="tx1"/>
+                      </a:solidFill>
+                      <a:prstDash val="solid"/>
+                      <a:round/>
+                      <a:headEnd type="none" w="med" len="med"/>
+                      <a:tailEnd type="none" w="med" len="med"/>
+                    </a:lnL>
+                    <a:lnR w="12700" cap="flat" cmpd="sng" algn="ctr">
+                      <a:solidFill>
+                        <a:schemeClr val="tx1"/>
+                      </a:solidFill>
+                      <a:prstDash val="solid"/>
+                      <a:round/>
+                      <a:headEnd type="none" w="med" len="med"/>
+                      <a:tailEnd type="none" w="med" len="med"/>
+                    </a:lnR>
+                    <a:lnT w="12700" cap="flat" cmpd="sng" algn="ctr">
+                      <a:solidFill>
+                        <a:schemeClr val="tx1"/>
+                      </a:solidFill>
+                      <a:prstDash val="solid"/>
+                      <a:round/>
+                      <a:headEnd type="none" w="med" len="med"/>
+                      <a:tailEnd type="none" w="med" len="med"/>
+                    </a:lnT>
+                    <a:noFill/>
+                  </a:tcPr>
+                </a:tc>
+                <a:tc>
+                  <a:txBody>
+                    <a:bodyPr/>
+                    <a:lstStyle/>
+                    <a:p>
+                      <a:pPr algn="ctr"/>
+                      <a:r>
+                        <a:rPr lang="en-US" dirty="0"/>
+                        <a:t>-</a:t>
+                      </a:r>
+                    </a:p>
+                  </a:txBody>
+                  <a:tcPr>
+                    <a:lnL w="12700" cap="flat" cmpd="sng" algn="ctr">
+                      <a:solidFill>
+                        <a:schemeClr val="tx1"/>
+                      </a:solidFill>
+                      <a:prstDash val="solid"/>
+                      <a:round/>
+                      <a:headEnd type="none" w="med" len="med"/>
+                      <a:tailEnd type="none" w="med" len="med"/>
+                    </a:lnL>
+                    <a:lnT w="12700" cap="flat" cmpd="sng" algn="ctr">
+                      <a:solidFill>
+                        <a:schemeClr val="tx1"/>
+                      </a:solidFill>
+                      <a:prstDash val="solid"/>
+                      <a:round/>
+                      <a:headEnd type="none" w="med" len="med"/>
+                      <a:tailEnd type="none" w="med" len="med"/>
+                    </a:lnT>
+                    <a:noFill/>
+                  </a:tcPr>
+                </a:tc>
+                <a:extLst>
+                  <a:ext uri="{0D108BD9-81ED-4DB2-BD59-A6C34878D82A}">
+                    <a16:rowId xmlns:a16="http://schemas.microsoft.com/office/drawing/2014/main" val="2476811290"/>
+                  </a:ext>
+                </a:extLst>
+              </a:tr>
+            </a:tbl>
+          </a:graphicData>
+        </a:graphic>
+      </p:graphicFrame>
+      <p:pic>
+        <p:nvPicPr>
+          <p:cNvPr id="5" name="Picture 4" descr="A screenshot of a computer&#10;&#10;Description automatically generated with low confidence">
+            <a:extLst>
+              <a:ext uri="{FF2B5EF4-FFF2-40B4-BE49-F238E27FC236}">
+                <a16:creationId xmlns:a16="http://schemas.microsoft.com/office/drawing/2014/main" id="{EAED244C-4255-E4FB-86BB-897B76A34F48}"/>
+              </a:ext>
+            </a:extLst>
+          </p:cNvPr>
+          <p:cNvPicPr>
+            <a:picLocks noChangeAspect="1"/>
+          </p:cNvPicPr>
+          <p:nvPr/>
+        </p:nvPicPr>
+        <p:blipFill>
+          <a:blip r:embed="rId2"/>
+          <a:stretch>
+            <a:fillRect/>
+          </a:stretch>
+        </p:blipFill>
+        <p:spPr>
+          <a:xfrm>
+            <a:off x="-714401" y="1019932"/>
+            <a:ext cx="10572802" cy="2973600"/>
+          </a:xfrm>
+          <a:prstGeom prst="rect">
+            <a:avLst/>
+          </a:prstGeom>
+        </p:spPr>
+      </p:pic>
+      <p:sp>
+        <p:nvSpPr>
+          <p:cNvPr id="4" name="TextBox 3">
+            <a:extLst>
+              <a:ext uri="{FF2B5EF4-FFF2-40B4-BE49-F238E27FC236}">
+                <a16:creationId xmlns:a16="http://schemas.microsoft.com/office/drawing/2014/main" id="{78076B02-F6D7-8396-66F2-3DC5DD06CF8B}"/>
+              </a:ext>
+            </a:extLst>
+          </p:cNvPr>
+          <p:cNvSpPr txBox="1"/>
+          <p:nvPr/>
+        </p:nvSpPr>
+        <p:spPr>
+          <a:xfrm>
+            <a:off x="7903597" y="1414581"/>
+            <a:ext cx="848802" cy="178425"/>
+          </a:xfrm>
+          <a:prstGeom prst="rect">
+            <a:avLst/>
+          </a:prstGeom>
+          <a:solidFill>
+            <a:schemeClr val="bg1"/>
+          </a:solidFill>
+        </p:spPr>
+        <p:txBody>
+          <a:bodyPr wrap="square" rtlCol="0">
+            <a:spAutoFit/>
+          </a:bodyPr>
+          <a:lstStyle/>
+          <a:p>
+            <a:endParaRPr lang="en-GB" dirty="0"/>
+          </a:p>
+        </p:txBody>
+      </p:sp>
+    </p:spTree>
+    <p:extLst>
+      <p:ext uri="{BB962C8B-B14F-4D97-AF65-F5344CB8AC3E}">
+        <p14:creationId xmlns:p14="http://schemas.microsoft.com/office/powerpoint/2010/main" val="522810456"/>
+      </p:ext>
+    </p:extLst>
+  </p:cSld>
+  <p:clrMapOvr>
+    <a:masterClrMapping/>
+  </p:clrMapOvr>
+</p:sld>
+</file>
+
+<file path=ppt/slides/slide16.xml><?xml version="1.0" encoding="utf-8"?>
+<p:sld xmlns:a="http://schemas.openxmlformats.org/drawingml/2006/main" xmlns:r="http://schemas.openxmlformats.org/officeDocument/2006/relationships" xmlns:p="http://schemas.openxmlformats.org/presentationml/2006/main">
+  <p:cSld>
+    <p:spTree>
+      <p:nvGrpSpPr>
+        <p:cNvPr id="1" name=""/>
+        <p:cNvGrpSpPr/>
+        <p:nvPr/>
+      </p:nvGrpSpPr>
+      <p:grpSpPr>
+        <a:xfrm>
+          <a:off x="0" y="0"/>
+          <a:ext cx="0" cy="0"/>
+          <a:chOff x="0" y="0"/>
+          <a:chExt cx="0" cy="0"/>
+        </a:xfrm>
+      </p:grpSpPr>
+      <p:sp>
+        <p:nvSpPr>
+          <p:cNvPr id="2" name="Title 1">
+            <a:extLst>
+              <a:ext uri="{FF2B5EF4-FFF2-40B4-BE49-F238E27FC236}">
+                <a16:creationId xmlns:a16="http://schemas.microsoft.com/office/drawing/2014/main" id="{A2531FAF-2844-0379-95B8-07BD634131E8}"/>
+              </a:ext>
+            </a:extLst>
+          </p:cNvPr>
+          <p:cNvSpPr>
+            <a:spLocks noGrp="1"/>
+          </p:cNvSpPr>
+          <p:nvPr>
+            <p:ph type="title"/>
+          </p:nvPr>
+        </p:nvSpPr>
+        <p:spPr/>
+        <p:txBody>
+          <a:bodyPr/>
+          <a:lstStyle/>
+          <a:p>
+            <a:r>
+              <a:rPr lang="en-GB" dirty="0"/>
+              <a:t>Klay Thompson vs Phoenix Suns Mar 13</a:t>
+            </a:r>
+            <a:r>
+              <a:rPr lang="en-GB" baseline="30000" dirty="0"/>
+              <a:t>th</a:t>
+            </a:r>
+            <a:r>
+              <a:rPr lang="en-GB" dirty="0"/>
+              <a:t> 2023</a:t>
+            </a:r>
+          </a:p>
+        </p:txBody>
+      </p:sp>
+      <p:sp>
+        <p:nvSpPr>
+          <p:cNvPr id="3" name="Slide Number Placeholder 2">
+            <a:extLst>
+              <a:ext uri="{FF2B5EF4-FFF2-40B4-BE49-F238E27FC236}">
+                <a16:creationId xmlns:a16="http://schemas.microsoft.com/office/drawing/2014/main" id="{9BEF4AD7-4606-8E52-F79E-60FE06D43DFA}"/>
+              </a:ext>
+            </a:extLst>
+          </p:cNvPr>
+          <p:cNvSpPr>
+            <a:spLocks noGrp="1"/>
+          </p:cNvSpPr>
+          <p:nvPr>
+            <p:ph type="sldNum" sz="quarter" idx="12"/>
+          </p:nvPr>
+        </p:nvSpPr>
+        <p:spPr/>
+        <p:txBody>
+          <a:bodyPr/>
+          <a:lstStyle/>
+          <a:p>
+            <a:fld id="{177CE274-8713-884F-B04F-B6B90AF41963}" type="slidenum">
+              <a:rPr lang="en-US" smtClean="0"/>
+              <a:pPr/>
+              <a:t>16</a:t>
+            </a:fld>
+            <a:endParaRPr lang="en-US"/>
+          </a:p>
+        </p:txBody>
+      </p:sp>
+      <p:graphicFrame>
+        <p:nvGraphicFramePr>
+          <p:cNvPr id="8" name="Table 8">
+            <a:extLst>
+              <a:ext uri="{FF2B5EF4-FFF2-40B4-BE49-F238E27FC236}">
+                <a16:creationId xmlns:a16="http://schemas.microsoft.com/office/drawing/2014/main" id="{EEBDAE61-A436-6688-3BCF-8942266A90A5}"/>
+              </a:ext>
+            </a:extLst>
+          </p:cNvPr>
+          <p:cNvGraphicFramePr>
+            <a:graphicFrameLocks noGrp="1"/>
+          </p:cNvGraphicFramePr>
           <p:nvPr>
             <p:extLst>
               <p:ext uri="{D42A27DB-BD31-4B8C-83A1-F6EECF244321}">
@@ -13894,7 +16036,7 @@
 </p:sld>
 </file>
 
-<file path=ppt/slides/slide15.xml><?xml version="1.0" encoding="utf-8"?>
+<file path=ppt/slides/slide17.xml><?xml version="1.0" encoding="utf-8"?>
 <p:sld xmlns:a="http://schemas.openxmlformats.org/drawingml/2006/main" xmlns:r="http://schemas.openxmlformats.org/officeDocument/2006/relationships" xmlns:p="http://schemas.openxmlformats.org/presentationml/2006/main">
   <p:cSld>
     <p:spTree>
@@ -13971,7 +16113,1080 @@
             <a:fld id="{177CE274-8713-884F-B04F-B6B90AF41963}" type="slidenum">
               <a:rPr lang="en-US" smtClean="0"/>
               <a:pPr/>
-              <a:t>15</a:t>
+              <a:t>17</a:t>
+            </a:fld>
+            <a:endParaRPr lang="en-US"/>
+          </a:p>
+        </p:txBody>
+      </p:sp>
+      <p:graphicFrame>
+        <p:nvGraphicFramePr>
+          <p:cNvPr id="8" name="Table 8">
+            <a:extLst>
+              <a:ext uri="{FF2B5EF4-FFF2-40B4-BE49-F238E27FC236}">
+                <a16:creationId xmlns:a16="http://schemas.microsoft.com/office/drawing/2014/main" id="{EEBDAE61-A436-6688-3BCF-8942266A90A5}"/>
+              </a:ext>
+            </a:extLst>
+          </p:cNvPr>
+          <p:cNvGraphicFramePr>
+            <a:graphicFrameLocks noGrp="1"/>
+          </p:cNvGraphicFramePr>
+          <p:nvPr>
+            <p:extLst>
+              <p:ext uri="{D42A27DB-BD31-4B8C-83A1-F6EECF244321}">
+                <p14:modId xmlns:p14="http://schemas.microsoft.com/office/powerpoint/2010/main" val="3909153645"/>
+              </p:ext>
+            </p:extLst>
+          </p:nvPr>
+        </p:nvGraphicFramePr>
+        <p:xfrm>
+          <a:off x="320040" y="3993532"/>
+          <a:ext cx="8503920" cy="1112520"/>
+        </p:xfrm>
+        <a:graphic>
+          <a:graphicData uri="http://schemas.openxmlformats.org/drawingml/2006/table">
+            <a:tbl>
+              <a:tblPr firstRow="1" bandRow="1">
+                <a:tableStyleId>{5C22544A-7EE6-4342-B048-85BDC9FD1C3A}</a:tableStyleId>
+              </a:tblPr>
+              <a:tblGrid>
+                <a:gridCol w="1417320">
+                  <a:extLst>
+                    <a:ext uri="{9D8B030D-6E8A-4147-A177-3AD203B41FA5}">
+                      <a16:colId xmlns:a16="http://schemas.microsoft.com/office/drawing/2014/main" val="2812415835"/>
+                    </a:ext>
+                  </a:extLst>
+                </a:gridCol>
+                <a:gridCol w="1417320">
+                  <a:extLst>
+                    <a:ext uri="{9D8B030D-6E8A-4147-A177-3AD203B41FA5}">
+                      <a16:colId xmlns:a16="http://schemas.microsoft.com/office/drawing/2014/main" val="2956406135"/>
+                    </a:ext>
+                  </a:extLst>
+                </a:gridCol>
+                <a:gridCol w="1417320">
+                  <a:extLst>
+                    <a:ext uri="{9D8B030D-6E8A-4147-A177-3AD203B41FA5}">
+                      <a16:colId xmlns:a16="http://schemas.microsoft.com/office/drawing/2014/main" val="1597612126"/>
+                    </a:ext>
+                  </a:extLst>
+                </a:gridCol>
+                <a:gridCol w="1417320">
+                  <a:extLst>
+                    <a:ext uri="{9D8B030D-6E8A-4147-A177-3AD203B41FA5}">
+                      <a16:colId xmlns:a16="http://schemas.microsoft.com/office/drawing/2014/main" val="1570262287"/>
+                    </a:ext>
+                  </a:extLst>
+                </a:gridCol>
+                <a:gridCol w="1417320">
+                  <a:extLst>
+                    <a:ext uri="{9D8B030D-6E8A-4147-A177-3AD203B41FA5}">
+                      <a16:colId xmlns:a16="http://schemas.microsoft.com/office/drawing/2014/main" val="4014363287"/>
+                    </a:ext>
+                  </a:extLst>
+                </a:gridCol>
+                <a:gridCol w="1417320">
+                  <a:extLst>
+                    <a:ext uri="{9D8B030D-6E8A-4147-A177-3AD203B41FA5}">
+                      <a16:colId xmlns:a16="http://schemas.microsoft.com/office/drawing/2014/main" val="489630985"/>
+                    </a:ext>
+                  </a:extLst>
+                </a:gridCol>
+              </a:tblGrid>
+              <a:tr h="370840">
+                <a:tc>
+                  <a:txBody>
+                    <a:bodyPr/>
+                    <a:lstStyle/>
+                    <a:p>
+                      <a:pPr marL="0" algn="l" defTabSz="685800" rtl="0" eaLnBrk="1" latinLnBrk="0" hangingPunct="1"/>
+                      <a:r>
+                        <a:rPr lang="en-US" sz="1350" b="0" kern="1200" dirty="0">
+                          <a:solidFill>
+                            <a:schemeClr val="dk1"/>
+                          </a:solidFill>
+                          <a:latin typeface="+mn-lt"/>
+                          <a:ea typeface="+mn-ea"/>
+                          <a:cs typeface="+mn-cs"/>
+                        </a:rPr>
+                        <a:t>Exercise Value</a:t>
+                      </a:r>
+                    </a:p>
+                  </a:txBody>
+                  <a:tcPr>
+                    <a:lnR w="12700" cap="flat" cmpd="sng" algn="ctr">
+                      <a:solidFill>
+                        <a:schemeClr val="tx1"/>
+                      </a:solidFill>
+                      <a:prstDash val="solid"/>
+                      <a:round/>
+                      <a:headEnd type="none" w="med" len="med"/>
+                      <a:tailEnd type="none" w="med" len="med"/>
+                    </a:lnR>
+                    <a:lnB w="12700" cap="flat" cmpd="sng" algn="ctr">
+                      <a:solidFill>
+                        <a:schemeClr val="tx1"/>
+                      </a:solidFill>
+                      <a:prstDash val="solid"/>
+                      <a:round/>
+                      <a:headEnd type="none" w="med" len="med"/>
+                      <a:tailEnd type="none" w="med" len="med"/>
+                    </a:lnB>
+                    <a:noFill/>
+                  </a:tcPr>
+                </a:tc>
+                <a:tc>
+                  <a:txBody>
+                    <a:bodyPr/>
+                    <a:lstStyle/>
+                    <a:p>
+                      <a:pPr marL="0" algn="ctr" defTabSz="685800" rtl="0" eaLnBrk="1" latinLnBrk="0" hangingPunct="1"/>
+                      <a:r>
+                        <a:rPr lang="en-US" sz="1350" b="0" kern="1200" dirty="0">
+                          <a:solidFill>
+                            <a:schemeClr val="dk1"/>
+                          </a:solidFill>
+                          <a:latin typeface="+mn-lt"/>
+                          <a:ea typeface="+mn-ea"/>
+                          <a:cs typeface="+mn-cs"/>
+                        </a:rPr>
+                        <a:t>$ 0</a:t>
+                      </a:r>
+                    </a:p>
+                  </a:txBody>
+                  <a:tcPr>
+                    <a:lnL w="12700" cap="flat" cmpd="sng" algn="ctr">
+                      <a:solidFill>
+                        <a:schemeClr val="tx1"/>
+                      </a:solidFill>
+                      <a:prstDash val="solid"/>
+                      <a:round/>
+                      <a:headEnd type="none" w="med" len="med"/>
+                      <a:tailEnd type="none" w="med" len="med"/>
+                    </a:lnL>
+                    <a:lnR w="12700" cap="flat" cmpd="sng" algn="ctr">
+                      <a:solidFill>
+                        <a:schemeClr val="tx1"/>
+                      </a:solidFill>
+                      <a:prstDash val="solid"/>
+                      <a:round/>
+                      <a:headEnd type="none" w="med" len="med"/>
+                      <a:tailEnd type="none" w="med" len="med"/>
+                    </a:lnR>
+                    <a:lnB w="12700" cap="flat" cmpd="sng" algn="ctr">
+                      <a:solidFill>
+                        <a:schemeClr val="tx1"/>
+                      </a:solidFill>
+                      <a:prstDash val="solid"/>
+                      <a:round/>
+                      <a:headEnd type="none" w="med" len="med"/>
+                      <a:tailEnd type="none" w="med" len="med"/>
+                    </a:lnB>
+                    <a:noFill/>
+                  </a:tcPr>
+                </a:tc>
+                <a:tc>
+                  <a:txBody>
+                    <a:bodyPr/>
+                    <a:lstStyle/>
+                    <a:p>
+                      <a:pPr marL="0" algn="ctr" defTabSz="685800" rtl="0" eaLnBrk="1" latinLnBrk="0" hangingPunct="1"/>
+                      <a:r>
+                        <a:rPr lang="en-US" sz="1350" b="0" kern="1200" dirty="0">
+                          <a:solidFill>
+                            <a:schemeClr val="dk1"/>
+                          </a:solidFill>
+                          <a:latin typeface="+mn-lt"/>
+                          <a:ea typeface="+mn-ea"/>
+                          <a:cs typeface="+mn-cs"/>
+                        </a:rPr>
+                        <a:t>$ 13.00</a:t>
+                      </a:r>
+                    </a:p>
+                  </a:txBody>
+                  <a:tcPr>
+                    <a:lnL w="12700" cap="flat" cmpd="sng" algn="ctr">
+                      <a:solidFill>
+                        <a:schemeClr val="tx1"/>
+                      </a:solidFill>
+                      <a:prstDash val="solid"/>
+                      <a:round/>
+                      <a:headEnd type="none" w="med" len="med"/>
+                      <a:tailEnd type="none" w="med" len="med"/>
+                    </a:lnL>
+                    <a:lnR w="12700" cap="flat" cmpd="sng" algn="ctr">
+                      <a:solidFill>
+                        <a:schemeClr val="tx1"/>
+                      </a:solidFill>
+                      <a:prstDash val="solid"/>
+                      <a:round/>
+                      <a:headEnd type="none" w="med" len="med"/>
+                      <a:tailEnd type="none" w="med" len="med"/>
+                    </a:lnR>
+                    <a:lnB w="12700" cap="flat" cmpd="sng" algn="ctr">
+                      <a:solidFill>
+                        <a:schemeClr val="tx1"/>
+                      </a:solidFill>
+                      <a:prstDash val="solid"/>
+                      <a:round/>
+                      <a:headEnd type="none" w="med" len="med"/>
+                      <a:tailEnd type="none" w="med" len="med"/>
+                    </a:lnB>
+                    <a:noFill/>
+                  </a:tcPr>
+                </a:tc>
+                <a:tc>
+                  <a:txBody>
+                    <a:bodyPr/>
+                    <a:lstStyle/>
+                    <a:p>
+                      <a:pPr marL="0" algn="ctr" defTabSz="685800" rtl="0" eaLnBrk="1" latinLnBrk="0" hangingPunct="1"/>
+                      <a:r>
+                        <a:rPr lang="en-US" sz="1350" b="0" kern="1200" dirty="0">
+                          <a:solidFill>
+                            <a:schemeClr val="dk1"/>
+                          </a:solidFill>
+                          <a:latin typeface="+mn-lt"/>
+                          <a:ea typeface="+mn-ea"/>
+                          <a:cs typeface="+mn-cs"/>
+                        </a:rPr>
+                        <a:t>$ 23.00</a:t>
+                      </a:r>
+                    </a:p>
+                  </a:txBody>
+                  <a:tcPr>
+                    <a:lnL w="12700" cap="flat" cmpd="sng" algn="ctr">
+                      <a:solidFill>
+                        <a:schemeClr val="tx1"/>
+                      </a:solidFill>
+                      <a:prstDash val="solid"/>
+                      <a:round/>
+                      <a:headEnd type="none" w="med" len="med"/>
+                      <a:tailEnd type="none" w="med" len="med"/>
+                    </a:lnL>
+                    <a:lnR w="12700" cap="flat" cmpd="sng" algn="ctr">
+                      <a:solidFill>
+                        <a:schemeClr val="tx1"/>
+                      </a:solidFill>
+                      <a:prstDash val="solid"/>
+                      <a:round/>
+                      <a:headEnd type="none" w="med" len="med"/>
+                      <a:tailEnd type="none" w="med" len="med"/>
+                    </a:lnR>
+                    <a:lnB w="12700" cap="flat" cmpd="sng" algn="ctr">
+                      <a:solidFill>
+                        <a:schemeClr val="tx1"/>
+                      </a:solidFill>
+                      <a:prstDash val="solid"/>
+                      <a:round/>
+                      <a:headEnd type="none" w="med" len="med"/>
+                      <a:tailEnd type="none" w="med" len="med"/>
+                    </a:lnB>
+                    <a:noFill/>
+                  </a:tcPr>
+                </a:tc>
+                <a:tc>
+                  <a:txBody>
+                    <a:bodyPr/>
+                    <a:lstStyle/>
+                    <a:p>
+                      <a:pPr marL="0" algn="ctr" defTabSz="685800" rtl="0" eaLnBrk="1" latinLnBrk="0" hangingPunct="1"/>
+                      <a:r>
+                        <a:rPr lang="en-US" sz="1350" b="0" kern="1200" dirty="0">
+                          <a:solidFill>
+                            <a:schemeClr val="dk1"/>
+                          </a:solidFill>
+                          <a:latin typeface="+mn-lt"/>
+                          <a:ea typeface="+mn-ea"/>
+                          <a:cs typeface="+mn-cs"/>
+                        </a:rPr>
+                        <a:t>$ 18.00</a:t>
+                      </a:r>
+                    </a:p>
+                  </a:txBody>
+                  <a:tcPr>
+                    <a:lnL w="12700" cap="flat" cmpd="sng" algn="ctr">
+                      <a:solidFill>
+                        <a:schemeClr val="tx1"/>
+                      </a:solidFill>
+                      <a:prstDash val="solid"/>
+                      <a:round/>
+                      <a:headEnd type="none" w="med" len="med"/>
+                      <a:tailEnd type="none" w="med" len="med"/>
+                    </a:lnL>
+                    <a:lnR w="12700" cap="flat" cmpd="sng" algn="ctr">
+                      <a:solidFill>
+                        <a:schemeClr val="tx1"/>
+                      </a:solidFill>
+                      <a:prstDash val="solid"/>
+                      <a:round/>
+                      <a:headEnd type="none" w="med" len="med"/>
+                      <a:tailEnd type="none" w="med" len="med"/>
+                    </a:lnR>
+                    <a:lnB w="12700" cap="flat" cmpd="sng" algn="ctr">
+                      <a:solidFill>
+                        <a:schemeClr val="tx1"/>
+                      </a:solidFill>
+                      <a:prstDash val="solid"/>
+                      <a:round/>
+                      <a:headEnd type="none" w="med" len="med"/>
+                      <a:tailEnd type="none" w="med" len="med"/>
+                    </a:lnB>
+                    <a:noFill/>
+                  </a:tcPr>
+                </a:tc>
+                <a:tc>
+                  <a:txBody>
+                    <a:bodyPr/>
+                    <a:lstStyle/>
+                    <a:p>
+                      <a:pPr marL="0" algn="ctr" defTabSz="685800" rtl="0" eaLnBrk="1" latinLnBrk="0" hangingPunct="1"/>
+                      <a:r>
+                        <a:rPr lang="en-US" sz="1350" b="0" kern="1200" dirty="0">
+                          <a:solidFill>
+                            <a:schemeClr val="dk1"/>
+                          </a:solidFill>
+                          <a:latin typeface="+mn-lt"/>
+                          <a:ea typeface="+mn-ea"/>
+                          <a:cs typeface="+mn-cs"/>
+                        </a:rPr>
+                        <a:t>?</a:t>
+                      </a:r>
+                    </a:p>
+                  </a:txBody>
+                  <a:tcPr>
+                    <a:lnL w="12700" cap="flat" cmpd="sng" algn="ctr">
+                      <a:solidFill>
+                        <a:schemeClr val="tx1"/>
+                      </a:solidFill>
+                      <a:prstDash val="solid"/>
+                      <a:round/>
+                      <a:headEnd type="none" w="med" len="med"/>
+                      <a:tailEnd type="none" w="med" len="med"/>
+                    </a:lnL>
+                    <a:lnB w="12700" cap="flat" cmpd="sng" algn="ctr">
+                      <a:solidFill>
+                        <a:schemeClr val="tx1"/>
+                      </a:solidFill>
+                      <a:prstDash val="solid"/>
+                      <a:round/>
+                      <a:headEnd type="none" w="med" len="med"/>
+                      <a:tailEnd type="none" w="med" len="med"/>
+                    </a:lnB>
+                    <a:noFill/>
+                  </a:tcPr>
+                </a:tc>
+                <a:extLst>
+                  <a:ext uri="{0D108BD9-81ED-4DB2-BD59-A6C34878D82A}">
+                    <a16:rowId xmlns:a16="http://schemas.microsoft.com/office/drawing/2014/main" val="447755514"/>
+                  </a:ext>
+                </a:extLst>
+              </a:tr>
+              <a:tr h="370840">
+                <a:tc>
+                  <a:txBody>
+                    <a:bodyPr/>
+                    <a:lstStyle/>
+                    <a:p>
+                      <a:r>
+                        <a:rPr lang="en-US" dirty="0"/>
+                        <a:t>Q-Value (DQL)</a:t>
+                      </a:r>
+                    </a:p>
+                  </a:txBody>
+                  <a:tcPr>
+                    <a:lnR w="12700" cap="flat" cmpd="sng" algn="ctr">
+                      <a:solidFill>
+                        <a:schemeClr val="tx1"/>
+                      </a:solidFill>
+                      <a:prstDash val="solid"/>
+                      <a:round/>
+                      <a:headEnd type="none" w="med" len="med"/>
+                      <a:tailEnd type="none" w="med" len="med"/>
+                    </a:lnR>
+                    <a:lnT w="12700" cap="flat" cmpd="sng" algn="ctr">
+                      <a:solidFill>
+                        <a:schemeClr val="tx1"/>
+                      </a:solidFill>
+                      <a:prstDash val="solid"/>
+                      <a:round/>
+                      <a:headEnd type="none" w="med" len="med"/>
+                      <a:tailEnd type="none" w="med" len="med"/>
+                    </a:lnT>
+                    <a:lnB w="12700" cap="flat" cmpd="sng" algn="ctr">
+                      <a:solidFill>
+                        <a:schemeClr val="tx1"/>
+                      </a:solidFill>
+                      <a:prstDash val="solid"/>
+                      <a:round/>
+                      <a:headEnd type="none" w="med" len="med"/>
+                      <a:tailEnd type="none" w="med" len="med"/>
+                    </a:lnB>
+                    <a:noFill/>
+                  </a:tcPr>
+                </a:tc>
+                <a:tc>
+                  <a:txBody>
+                    <a:bodyPr/>
+                    <a:lstStyle/>
+                    <a:p>
+                      <a:pPr algn="ctr"/>
+                      <a:r>
+                        <a:rPr lang="en-US" dirty="0"/>
+                        <a:t>$ 3.56</a:t>
+                      </a:r>
+                    </a:p>
+                  </a:txBody>
+                  <a:tcPr>
+                    <a:lnL w="12700" cap="flat" cmpd="sng" algn="ctr">
+                      <a:solidFill>
+                        <a:schemeClr val="tx1"/>
+                      </a:solidFill>
+                      <a:prstDash val="solid"/>
+                      <a:round/>
+                      <a:headEnd type="none" w="med" len="med"/>
+                      <a:tailEnd type="none" w="med" len="med"/>
+                    </a:lnL>
+                    <a:lnR w="12700" cap="flat" cmpd="sng" algn="ctr">
+                      <a:solidFill>
+                        <a:schemeClr val="tx1"/>
+                      </a:solidFill>
+                      <a:prstDash val="solid"/>
+                      <a:round/>
+                      <a:headEnd type="none" w="med" len="med"/>
+                      <a:tailEnd type="none" w="med" len="med"/>
+                    </a:lnR>
+                    <a:lnT w="12700" cap="flat" cmpd="sng" algn="ctr">
+                      <a:solidFill>
+                        <a:schemeClr val="tx1"/>
+                      </a:solidFill>
+                      <a:prstDash val="solid"/>
+                      <a:round/>
+                      <a:headEnd type="none" w="med" len="med"/>
+                      <a:tailEnd type="none" w="med" len="med"/>
+                    </a:lnT>
+                    <a:lnB w="12700" cap="flat" cmpd="sng" algn="ctr">
+                      <a:solidFill>
+                        <a:schemeClr val="tx1"/>
+                      </a:solidFill>
+                      <a:prstDash val="solid"/>
+                      <a:round/>
+                      <a:headEnd type="none" w="med" len="med"/>
+                      <a:tailEnd type="none" w="med" len="med"/>
+                    </a:lnB>
+                    <a:noFill/>
+                  </a:tcPr>
+                </a:tc>
+                <a:tc>
+                  <a:txBody>
+                    <a:bodyPr/>
+                    <a:lstStyle/>
+                    <a:p>
+                      <a:pPr algn="ctr"/>
+                      <a:r>
+                        <a:rPr lang="en-US" dirty="0"/>
+                        <a:t>$ 27.45</a:t>
+                      </a:r>
+                    </a:p>
+                  </a:txBody>
+                  <a:tcPr>
+                    <a:lnL w="12700" cap="flat" cmpd="sng" algn="ctr">
+                      <a:solidFill>
+                        <a:schemeClr val="tx1"/>
+                      </a:solidFill>
+                      <a:prstDash val="solid"/>
+                      <a:round/>
+                      <a:headEnd type="none" w="med" len="med"/>
+                      <a:tailEnd type="none" w="med" len="med"/>
+                    </a:lnL>
+                    <a:lnR w="12700" cap="flat" cmpd="sng" algn="ctr">
+                      <a:solidFill>
+                        <a:schemeClr val="tx1"/>
+                      </a:solidFill>
+                      <a:prstDash val="solid"/>
+                      <a:round/>
+                      <a:headEnd type="none" w="med" len="med"/>
+                      <a:tailEnd type="none" w="med" len="med"/>
+                    </a:lnR>
+                    <a:lnT w="12700" cap="flat" cmpd="sng" algn="ctr">
+                      <a:solidFill>
+                        <a:schemeClr val="tx1"/>
+                      </a:solidFill>
+                      <a:prstDash val="solid"/>
+                      <a:round/>
+                      <a:headEnd type="none" w="med" len="med"/>
+                      <a:tailEnd type="none" w="med" len="med"/>
+                    </a:lnT>
+                    <a:lnB w="12700" cap="flat" cmpd="sng" algn="ctr">
+                      <a:solidFill>
+                        <a:schemeClr val="tx1"/>
+                      </a:solidFill>
+                      <a:prstDash val="solid"/>
+                      <a:round/>
+                      <a:headEnd type="none" w="med" len="med"/>
+                      <a:tailEnd type="none" w="med" len="med"/>
+                    </a:lnB>
+                    <a:noFill/>
+                  </a:tcPr>
+                </a:tc>
+                <a:tc>
+                  <a:txBody>
+                    <a:bodyPr/>
+                    <a:lstStyle/>
+                    <a:p>
+                      <a:pPr algn="ctr"/>
+                      <a:r>
+                        <a:rPr lang="en-US" dirty="0"/>
+                        <a:t>$ 20.69</a:t>
+                      </a:r>
+                    </a:p>
+                  </a:txBody>
+                  <a:tcPr>
+                    <a:lnL w="12700" cap="flat" cmpd="sng" algn="ctr">
+                      <a:solidFill>
+                        <a:schemeClr val="tx1"/>
+                      </a:solidFill>
+                      <a:prstDash val="solid"/>
+                      <a:round/>
+                      <a:headEnd type="none" w="med" len="med"/>
+                      <a:tailEnd type="none" w="med" len="med"/>
+                    </a:lnL>
+                    <a:lnR w="12700" cap="flat" cmpd="sng" algn="ctr">
+                      <a:solidFill>
+                        <a:schemeClr val="tx1"/>
+                      </a:solidFill>
+                      <a:prstDash val="solid"/>
+                      <a:round/>
+                      <a:headEnd type="none" w="med" len="med"/>
+                      <a:tailEnd type="none" w="med" len="med"/>
+                    </a:lnR>
+                    <a:lnT w="12700" cap="flat" cmpd="sng" algn="ctr">
+                      <a:solidFill>
+                        <a:schemeClr val="tx1"/>
+                      </a:solidFill>
+                      <a:prstDash val="solid"/>
+                      <a:round/>
+                      <a:headEnd type="none" w="med" len="med"/>
+                      <a:tailEnd type="none" w="med" len="med"/>
+                    </a:lnT>
+                    <a:lnB w="12700" cap="flat" cmpd="sng" algn="ctr">
+                      <a:solidFill>
+                        <a:schemeClr val="tx1"/>
+                      </a:solidFill>
+                      <a:prstDash val="solid"/>
+                      <a:round/>
+                      <a:headEnd type="none" w="med" len="med"/>
+                      <a:tailEnd type="none" w="med" len="med"/>
+                    </a:lnB>
+                    <a:noFill/>
+                  </a:tcPr>
+                </a:tc>
+                <a:tc>
+                  <a:txBody>
+                    <a:bodyPr/>
+                    <a:lstStyle/>
+                    <a:p>
+                      <a:pPr algn="ctr"/>
+                      <a:r>
+                        <a:rPr lang="en-US" dirty="0"/>
+                        <a:t>?</a:t>
+                      </a:r>
+                    </a:p>
+                  </a:txBody>
+                  <a:tcPr>
+                    <a:lnL w="12700" cap="flat" cmpd="sng" algn="ctr">
+                      <a:solidFill>
+                        <a:schemeClr val="tx1"/>
+                      </a:solidFill>
+                      <a:prstDash val="solid"/>
+                      <a:round/>
+                      <a:headEnd type="none" w="med" len="med"/>
+                      <a:tailEnd type="none" w="med" len="med"/>
+                    </a:lnL>
+                    <a:lnR w="12700" cap="flat" cmpd="sng" algn="ctr">
+                      <a:solidFill>
+                        <a:schemeClr val="tx1"/>
+                      </a:solidFill>
+                      <a:prstDash val="solid"/>
+                      <a:round/>
+                      <a:headEnd type="none" w="med" len="med"/>
+                      <a:tailEnd type="none" w="med" len="med"/>
+                    </a:lnR>
+                    <a:lnT w="12700" cap="flat" cmpd="sng" algn="ctr">
+                      <a:solidFill>
+                        <a:schemeClr val="tx1"/>
+                      </a:solidFill>
+                      <a:prstDash val="solid"/>
+                      <a:round/>
+                      <a:headEnd type="none" w="med" len="med"/>
+                      <a:tailEnd type="none" w="med" len="med"/>
+                    </a:lnT>
+                    <a:lnB w="12700" cap="flat" cmpd="sng" algn="ctr">
+                      <a:solidFill>
+                        <a:schemeClr val="tx1"/>
+                      </a:solidFill>
+                      <a:prstDash val="solid"/>
+                      <a:round/>
+                      <a:headEnd type="none" w="med" len="med"/>
+                      <a:tailEnd type="none" w="med" len="med"/>
+                    </a:lnB>
+                    <a:noFill/>
+                  </a:tcPr>
+                </a:tc>
+                <a:tc>
+                  <a:txBody>
+                    <a:bodyPr/>
+                    <a:lstStyle/>
+                    <a:p>
+                      <a:pPr algn="ctr"/>
+                      <a:r>
+                        <a:rPr lang="en-US" dirty="0"/>
+                        <a:t>-</a:t>
+                      </a:r>
+                    </a:p>
+                  </a:txBody>
+                  <a:tcPr>
+                    <a:lnL w="12700" cap="flat" cmpd="sng" algn="ctr">
+                      <a:solidFill>
+                        <a:schemeClr val="tx1"/>
+                      </a:solidFill>
+                      <a:prstDash val="solid"/>
+                      <a:round/>
+                      <a:headEnd type="none" w="med" len="med"/>
+                      <a:tailEnd type="none" w="med" len="med"/>
+                    </a:lnL>
+                    <a:lnT w="12700" cap="flat" cmpd="sng" algn="ctr">
+                      <a:solidFill>
+                        <a:schemeClr val="tx1"/>
+                      </a:solidFill>
+                      <a:prstDash val="solid"/>
+                      <a:round/>
+                      <a:headEnd type="none" w="med" len="med"/>
+                      <a:tailEnd type="none" w="med" len="med"/>
+                    </a:lnT>
+                    <a:lnB w="12700" cap="flat" cmpd="sng" algn="ctr">
+                      <a:solidFill>
+                        <a:schemeClr val="tx1"/>
+                      </a:solidFill>
+                      <a:prstDash val="solid"/>
+                      <a:round/>
+                      <a:headEnd type="none" w="med" len="med"/>
+                      <a:tailEnd type="none" w="med" len="med"/>
+                    </a:lnB>
+                    <a:noFill/>
+                  </a:tcPr>
+                </a:tc>
+                <a:extLst>
+                  <a:ext uri="{0D108BD9-81ED-4DB2-BD59-A6C34878D82A}">
+                    <a16:rowId xmlns:a16="http://schemas.microsoft.com/office/drawing/2014/main" val="2065425655"/>
+                  </a:ext>
+                </a:extLst>
+              </a:tr>
+              <a:tr h="370840">
+                <a:tc>
+                  <a:txBody>
+                    <a:bodyPr/>
+                    <a:lstStyle/>
+                    <a:p>
+                      <a:r>
+                        <a:rPr lang="en-US" dirty="0"/>
+                        <a:t>Optimal Action</a:t>
+                      </a:r>
+                    </a:p>
+                  </a:txBody>
+                  <a:tcPr>
+                    <a:lnR w="12700" cap="flat" cmpd="sng" algn="ctr">
+                      <a:solidFill>
+                        <a:schemeClr val="tx1"/>
+                      </a:solidFill>
+                      <a:prstDash val="solid"/>
+                      <a:round/>
+                      <a:headEnd type="none" w="med" len="med"/>
+                      <a:tailEnd type="none" w="med" len="med"/>
+                    </a:lnR>
+                    <a:lnT w="12700" cap="flat" cmpd="sng" algn="ctr">
+                      <a:solidFill>
+                        <a:schemeClr val="tx1"/>
+                      </a:solidFill>
+                      <a:prstDash val="solid"/>
+                      <a:round/>
+                      <a:headEnd type="none" w="med" len="med"/>
+                      <a:tailEnd type="none" w="med" len="med"/>
+                    </a:lnT>
+                    <a:noFill/>
+                  </a:tcPr>
+                </a:tc>
+                <a:tc>
+                  <a:txBody>
+                    <a:bodyPr/>
+                    <a:lstStyle/>
+                    <a:p>
+                      <a:pPr algn="ctr"/>
+                      <a:r>
+                        <a:rPr lang="en-US" dirty="0"/>
+                        <a:t>Continue</a:t>
+                      </a:r>
+                    </a:p>
+                  </a:txBody>
+                  <a:tcPr>
+                    <a:lnL w="12700" cap="flat" cmpd="sng" algn="ctr">
+                      <a:solidFill>
+                        <a:schemeClr val="tx1"/>
+                      </a:solidFill>
+                      <a:prstDash val="solid"/>
+                      <a:round/>
+                      <a:headEnd type="none" w="med" len="med"/>
+                      <a:tailEnd type="none" w="med" len="med"/>
+                    </a:lnL>
+                    <a:lnR w="12700" cap="flat" cmpd="sng" algn="ctr">
+                      <a:solidFill>
+                        <a:schemeClr val="tx1"/>
+                      </a:solidFill>
+                      <a:prstDash val="solid"/>
+                      <a:round/>
+                      <a:headEnd type="none" w="med" len="med"/>
+                      <a:tailEnd type="none" w="med" len="med"/>
+                    </a:lnR>
+                    <a:lnT w="12700" cap="flat" cmpd="sng" algn="ctr">
+                      <a:solidFill>
+                        <a:schemeClr val="tx1"/>
+                      </a:solidFill>
+                      <a:prstDash val="solid"/>
+                      <a:round/>
+                      <a:headEnd type="none" w="med" len="med"/>
+                      <a:tailEnd type="none" w="med" len="med"/>
+                    </a:lnT>
+                    <a:noFill/>
+                  </a:tcPr>
+                </a:tc>
+                <a:tc>
+                  <a:txBody>
+                    <a:bodyPr/>
+                    <a:lstStyle/>
+                    <a:p>
+                      <a:pPr algn="ctr"/>
+                      <a:r>
+                        <a:rPr lang="en-US" dirty="0"/>
+                        <a:t>Continue</a:t>
+                      </a:r>
+                    </a:p>
+                  </a:txBody>
+                  <a:tcPr>
+                    <a:lnL w="12700" cap="flat" cmpd="sng" algn="ctr">
+                      <a:solidFill>
+                        <a:schemeClr val="tx1"/>
+                      </a:solidFill>
+                      <a:prstDash val="solid"/>
+                      <a:round/>
+                      <a:headEnd type="none" w="med" len="med"/>
+                      <a:tailEnd type="none" w="med" len="med"/>
+                    </a:lnL>
+                    <a:lnR w="12700" cap="flat" cmpd="sng" algn="ctr">
+                      <a:solidFill>
+                        <a:schemeClr val="tx1"/>
+                      </a:solidFill>
+                      <a:prstDash val="solid"/>
+                      <a:round/>
+                      <a:headEnd type="none" w="med" len="med"/>
+                      <a:tailEnd type="none" w="med" len="med"/>
+                    </a:lnR>
+                    <a:lnT w="12700" cap="flat" cmpd="sng" algn="ctr">
+                      <a:solidFill>
+                        <a:schemeClr val="tx1"/>
+                      </a:solidFill>
+                      <a:prstDash val="solid"/>
+                      <a:round/>
+                      <a:headEnd type="none" w="med" len="med"/>
+                      <a:tailEnd type="none" w="med" len="med"/>
+                    </a:lnT>
+                    <a:noFill/>
+                  </a:tcPr>
+                </a:tc>
+                <a:tc>
+                  <a:txBody>
+                    <a:bodyPr/>
+                    <a:lstStyle/>
+                    <a:p>
+                      <a:pPr algn="ctr"/>
+                      <a:r>
+                        <a:rPr lang="en-US" dirty="0"/>
+                        <a:t>Stop</a:t>
+                      </a:r>
+                    </a:p>
+                  </a:txBody>
+                  <a:tcPr>
+                    <a:lnL w="12700" cap="flat" cmpd="sng" algn="ctr">
+                      <a:solidFill>
+                        <a:schemeClr val="tx1"/>
+                      </a:solidFill>
+                      <a:prstDash val="solid"/>
+                      <a:round/>
+                      <a:headEnd type="none" w="med" len="med"/>
+                      <a:tailEnd type="none" w="med" len="med"/>
+                    </a:lnL>
+                    <a:lnR w="12700" cap="flat" cmpd="sng" algn="ctr">
+                      <a:solidFill>
+                        <a:schemeClr val="tx1"/>
+                      </a:solidFill>
+                      <a:prstDash val="solid"/>
+                      <a:round/>
+                      <a:headEnd type="none" w="med" len="med"/>
+                      <a:tailEnd type="none" w="med" len="med"/>
+                    </a:lnR>
+                    <a:lnT w="12700" cap="flat" cmpd="sng" algn="ctr">
+                      <a:solidFill>
+                        <a:schemeClr val="tx1"/>
+                      </a:solidFill>
+                      <a:prstDash val="solid"/>
+                      <a:round/>
+                      <a:headEnd type="none" w="med" len="med"/>
+                      <a:tailEnd type="none" w="med" len="med"/>
+                    </a:lnT>
+                    <a:noFill/>
+                  </a:tcPr>
+                </a:tc>
+                <a:tc>
+                  <a:txBody>
+                    <a:bodyPr/>
+                    <a:lstStyle/>
+                    <a:p>
+                      <a:pPr algn="ctr"/>
+                      <a:r>
+                        <a:rPr lang="en-US" dirty="0"/>
+                        <a:t>?</a:t>
+                      </a:r>
+                    </a:p>
+                  </a:txBody>
+                  <a:tcPr>
+                    <a:lnL w="12700" cap="flat" cmpd="sng" algn="ctr">
+                      <a:solidFill>
+                        <a:schemeClr val="tx1"/>
+                      </a:solidFill>
+                      <a:prstDash val="solid"/>
+                      <a:round/>
+                      <a:headEnd type="none" w="med" len="med"/>
+                      <a:tailEnd type="none" w="med" len="med"/>
+                    </a:lnL>
+                    <a:lnR w="12700" cap="flat" cmpd="sng" algn="ctr">
+                      <a:solidFill>
+                        <a:schemeClr val="tx1"/>
+                      </a:solidFill>
+                      <a:prstDash val="solid"/>
+                      <a:round/>
+                      <a:headEnd type="none" w="med" len="med"/>
+                      <a:tailEnd type="none" w="med" len="med"/>
+                    </a:lnR>
+                    <a:lnT w="12700" cap="flat" cmpd="sng" algn="ctr">
+                      <a:solidFill>
+                        <a:schemeClr val="tx1"/>
+                      </a:solidFill>
+                      <a:prstDash val="solid"/>
+                      <a:round/>
+                      <a:headEnd type="none" w="med" len="med"/>
+                      <a:tailEnd type="none" w="med" len="med"/>
+                    </a:lnT>
+                    <a:noFill/>
+                  </a:tcPr>
+                </a:tc>
+                <a:tc>
+                  <a:txBody>
+                    <a:bodyPr/>
+                    <a:lstStyle/>
+                    <a:p>
+                      <a:pPr algn="ctr"/>
+                      <a:r>
+                        <a:rPr lang="en-US" dirty="0"/>
+                        <a:t>-</a:t>
+                      </a:r>
+                    </a:p>
+                  </a:txBody>
+                  <a:tcPr>
+                    <a:lnL w="12700" cap="flat" cmpd="sng" algn="ctr">
+                      <a:solidFill>
+                        <a:schemeClr val="tx1"/>
+                      </a:solidFill>
+                      <a:prstDash val="solid"/>
+                      <a:round/>
+                      <a:headEnd type="none" w="med" len="med"/>
+                      <a:tailEnd type="none" w="med" len="med"/>
+                    </a:lnL>
+                    <a:lnT w="12700" cap="flat" cmpd="sng" algn="ctr">
+                      <a:solidFill>
+                        <a:schemeClr val="tx1"/>
+                      </a:solidFill>
+                      <a:prstDash val="solid"/>
+                      <a:round/>
+                      <a:headEnd type="none" w="med" len="med"/>
+                      <a:tailEnd type="none" w="med" len="med"/>
+                    </a:lnT>
+                    <a:noFill/>
+                  </a:tcPr>
+                </a:tc>
+                <a:extLst>
+                  <a:ext uri="{0D108BD9-81ED-4DB2-BD59-A6C34878D82A}">
+                    <a16:rowId xmlns:a16="http://schemas.microsoft.com/office/drawing/2014/main" val="2476811290"/>
+                  </a:ext>
+                </a:extLst>
+              </a:tr>
+            </a:tbl>
+          </a:graphicData>
+        </a:graphic>
+      </p:graphicFrame>
+      <p:pic>
+        <p:nvPicPr>
+          <p:cNvPr id="12" name="Picture 11" descr="A screenshot of a computer&#10;&#10;Description automatically generated with low confidence">
+            <a:extLst>
+              <a:ext uri="{FF2B5EF4-FFF2-40B4-BE49-F238E27FC236}">
+                <a16:creationId xmlns:a16="http://schemas.microsoft.com/office/drawing/2014/main" id="{624B7373-D58F-2867-7CBF-3B9DE8106946}"/>
+              </a:ext>
+            </a:extLst>
+          </p:cNvPr>
+          <p:cNvPicPr>
+            <a:picLocks noChangeAspect="1"/>
+          </p:cNvPicPr>
+          <p:nvPr/>
+        </p:nvPicPr>
+        <p:blipFill>
+          <a:blip r:embed="rId2"/>
+          <a:stretch>
+            <a:fillRect/>
+          </a:stretch>
+        </p:blipFill>
+        <p:spPr>
+          <a:xfrm>
+            <a:off x="-714401" y="1019932"/>
+            <a:ext cx="10572802" cy="2973600"/>
+          </a:xfrm>
+          <a:prstGeom prst="rect">
+            <a:avLst/>
+          </a:prstGeom>
+        </p:spPr>
+      </p:pic>
+      <p:sp>
+        <p:nvSpPr>
+          <p:cNvPr id="4" name="TextBox 3">
+            <a:extLst>
+              <a:ext uri="{FF2B5EF4-FFF2-40B4-BE49-F238E27FC236}">
+                <a16:creationId xmlns:a16="http://schemas.microsoft.com/office/drawing/2014/main" id="{6D29CF40-CCBA-FF19-CEEC-6070F53AE3C4}"/>
+              </a:ext>
+            </a:extLst>
+          </p:cNvPr>
+          <p:cNvSpPr txBox="1"/>
+          <p:nvPr/>
+        </p:nvSpPr>
+        <p:spPr>
+          <a:xfrm>
+            <a:off x="7903597" y="1414581"/>
+            <a:ext cx="848802" cy="178425"/>
+          </a:xfrm>
+          <a:prstGeom prst="rect">
+            <a:avLst/>
+          </a:prstGeom>
+          <a:solidFill>
+            <a:schemeClr val="bg1"/>
+          </a:solidFill>
+        </p:spPr>
+        <p:txBody>
+          <a:bodyPr wrap="square" rtlCol="0">
+            <a:spAutoFit/>
+          </a:bodyPr>
+          <a:lstStyle/>
+          <a:p>
+            <a:endParaRPr lang="en-GB" dirty="0"/>
+          </a:p>
+        </p:txBody>
+      </p:sp>
+    </p:spTree>
+    <p:extLst>
+      <p:ext uri="{BB962C8B-B14F-4D97-AF65-F5344CB8AC3E}">
+        <p14:creationId xmlns:p14="http://schemas.microsoft.com/office/powerpoint/2010/main" val="2190392108"/>
+      </p:ext>
+    </p:extLst>
+  </p:cSld>
+  <p:clrMapOvr>
+    <a:masterClrMapping/>
+  </p:clrMapOvr>
+</p:sld>
+</file>
+
+<file path=ppt/slides/slide18.xml><?xml version="1.0" encoding="utf-8"?>
+<p:sld xmlns:a="http://schemas.openxmlformats.org/drawingml/2006/main" xmlns:r="http://schemas.openxmlformats.org/officeDocument/2006/relationships" xmlns:p="http://schemas.openxmlformats.org/presentationml/2006/main">
+  <p:cSld>
+    <p:spTree>
+      <p:nvGrpSpPr>
+        <p:cNvPr id="1" name=""/>
+        <p:cNvGrpSpPr/>
+        <p:nvPr/>
+      </p:nvGrpSpPr>
+      <p:grpSpPr>
+        <a:xfrm>
+          <a:off x="0" y="0"/>
+          <a:ext cx="0" cy="0"/>
+          <a:chOff x="0" y="0"/>
+          <a:chExt cx="0" cy="0"/>
+        </a:xfrm>
+      </p:grpSpPr>
+      <p:sp>
+        <p:nvSpPr>
+          <p:cNvPr id="2" name="Title 1">
+            <a:extLst>
+              <a:ext uri="{FF2B5EF4-FFF2-40B4-BE49-F238E27FC236}">
+                <a16:creationId xmlns:a16="http://schemas.microsoft.com/office/drawing/2014/main" id="{A2531FAF-2844-0379-95B8-07BD634131E8}"/>
+              </a:ext>
+            </a:extLst>
+          </p:cNvPr>
+          <p:cNvSpPr>
+            <a:spLocks noGrp="1"/>
+          </p:cNvSpPr>
+          <p:nvPr>
+            <p:ph type="title"/>
+          </p:nvPr>
+        </p:nvSpPr>
+        <p:spPr/>
+        <p:txBody>
+          <a:bodyPr/>
+          <a:lstStyle/>
+          <a:p>
+            <a:r>
+              <a:rPr lang="en-GB" dirty="0"/>
+              <a:t>Klay Thompson vs Phoenix Suns Mar 13</a:t>
+            </a:r>
+            <a:r>
+              <a:rPr lang="en-GB" baseline="30000" dirty="0"/>
+              <a:t>th</a:t>
+            </a:r>
+            <a:r>
+              <a:rPr lang="en-GB" dirty="0"/>
+              <a:t> 2023</a:t>
+            </a:r>
+          </a:p>
+        </p:txBody>
+      </p:sp>
+      <p:sp>
+        <p:nvSpPr>
+          <p:cNvPr id="3" name="Slide Number Placeholder 2">
+            <a:extLst>
+              <a:ext uri="{FF2B5EF4-FFF2-40B4-BE49-F238E27FC236}">
+                <a16:creationId xmlns:a16="http://schemas.microsoft.com/office/drawing/2014/main" id="{9BEF4AD7-4606-8E52-F79E-60FE06D43DFA}"/>
+              </a:ext>
+            </a:extLst>
+          </p:cNvPr>
+          <p:cNvSpPr>
+            <a:spLocks noGrp="1"/>
+          </p:cNvSpPr>
+          <p:nvPr>
+            <p:ph type="sldNum" sz="quarter" idx="12"/>
+          </p:nvPr>
+        </p:nvSpPr>
+        <p:spPr/>
+        <p:txBody>
+          <a:bodyPr/>
+          <a:lstStyle/>
+          <a:p>
+            <a:fld id="{177CE274-8713-884F-B04F-B6B90AF41963}" type="slidenum">
+              <a:rPr lang="en-US" smtClean="0"/>
+              <a:pPr/>
+              <a:t>18</a:t>
             </a:fld>
             <a:endParaRPr lang="en-US"/>
           </a:p>
@@ -14967,7 +18182,7 @@
 </p:sld>
 </file>
 
-<file path=ppt/slides/slide16.xml><?xml version="1.0" encoding="utf-8"?>
+<file path=ppt/slides/slide19.xml><?xml version="1.0" encoding="utf-8"?>
 <p:sld xmlns:a="http://schemas.openxmlformats.org/drawingml/2006/main" xmlns:r="http://schemas.openxmlformats.org/officeDocument/2006/relationships" xmlns:p="http://schemas.openxmlformats.org/presentationml/2006/main">
   <p:cSld>
     <p:spTree>
@@ -15044,7 +18259,7 @@
             <a:fld id="{177CE274-8713-884F-B04F-B6B90AF41963}" type="slidenum">
               <a:rPr lang="en-US" smtClean="0"/>
               <a:pPr/>
-              <a:t>16</a:t>
+              <a:t>19</a:t>
             </a:fld>
             <a:endParaRPr lang="en-US"/>
           </a:p>
@@ -15997,241 +19212,6 @@
     <p:extLst>
       <p:ext uri="{BB962C8B-B14F-4D97-AF65-F5344CB8AC3E}">
         <p14:creationId xmlns:p14="http://schemas.microsoft.com/office/powerpoint/2010/main" val="1112043689"/>
-      </p:ext>
-    </p:extLst>
-  </p:cSld>
-  <p:clrMapOvr>
-    <a:masterClrMapping/>
-  </p:clrMapOvr>
-</p:sld>
-</file>
-
-<file path=ppt/slides/slide17.xml><?xml version="1.0" encoding="utf-8"?>
-<p:sld xmlns:a="http://schemas.openxmlformats.org/drawingml/2006/main" xmlns:r="http://schemas.openxmlformats.org/officeDocument/2006/relationships" xmlns:p="http://schemas.openxmlformats.org/presentationml/2006/main">
-  <p:cSld>
-    <p:spTree>
-      <p:nvGrpSpPr>
-        <p:cNvPr id="1" name=""/>
-        <p:cNvGrpSpPr/>
-        <p:nvPr/>
-      </p:nvGrpSpPr>
-      <p:grpSpPr>
-        <a:xfrm>
-          <a:off x="0" y="0"/>
-          <a:ext cx="0" cy="0"/>
-          <a:chOff x="0" y="0"/>
-          <a:chExt cx="0" cy="0"/>
-        </a:xfrm>
-      </p:grpSpPr>
-      <p:sp>
-        <p:nvSpPr>
-          <p:cNvPr id="2" name="Title 1">
-            <a:extLst>
-              <a:ext uri="{FF2B5EF4-FFF2-40B4-BE49-F238E27FC236}">
-                <a16:creationId xmlns:a16="http://schemas.microsoft.com/office/drawing/2014/main" id="{2553E97E-54BA-B13A-DC5D-38116D9F6EAB}"/>
-              </a:ext>
-            </a:extLst>
-          </p:cNvPr>
-          <p:cNvSpPr>
-            <a:spLocks noGrp="1"/>
-          </p:cNvSpPr>
-          <p:nvPr>
-            <p:ph type="ctrTitle"/>
-          </p:nvPr>
-        </p:nvSpPr>
-        <p:spPr/>
-        <p:txBody>
-          <a:bodyPr/>
-          <a:lstStyle/>
-          <a:p>
-            <a:r>
-              <a:rPr lang="en-US" dirty="0"/>
-              <a:t>Thank You</a:t>
-            </a:r>
-          </a:p>
-        </p:txBody>
-      </p:sp>
-      <p:sp>
-        <p:nvSpPr>
-          <p:cNvPr id="3" name="Slide Number Placeholder 2">
-            <a:extLst>
-              <a:ext uri="{FF2B5EF4-FFF2-40B4-BE49-F238E27FC236}">
-                <a16:creationId xmlns:a16="http://schemas.microsoft.com/office/drawing/2014/main" id="{4323C1ED-C1BE-B30F-8CE7-0655F82DD2E0}"/>
-              </a:ext>
-            </a:extLst>
-          </p:cNvPr>
-          <p:cNvSpPr>
-            <a:spLocks noGrp="1"/>
-          </p:cNvSpPr>
-          <p:nvPr>
-            <p:ph type="sldNum" sz="quarter" idx="12"/>
-          </p:nvPr>
-        </p:nvSpPr>
-        <p:spPr/>
-        <p:txBody>
-          <a:bodyPr/>
-          <a:lstStyle/>
-          <a:p>
-            <a:fld id="{177CE274-8713-884F-B04F-B6B90AF41963}" type="slidenum">
-              <a:rPr lang="en-US" smtClean="0"/>
-              <a:pPr/>
-              <a:t>17</a:t>
-            </a:fld>
-            <a:endParaRPr lang="en-US" dirty="0"/>
-          </a:p>
-        </p:txBody>
-      </p:sp>
-    </p:spTree>
-    <p:extLst>
-      <p:ext uri="{BB962C8B-B14F-4D97-AF65-F5344CB8AC3E}">
-        <p14:creationId xmlns:p14="http://schemas.microsoft.com/office/powerpoint/2010/main" val="2530261892"/>
-      </p:ext>
-    </p:extLst>
-  </p:cSld>
-  <p:clrMapOvr>
-    <a:masterClrMapping/>
-  </p:clrMapOvr>
-</p:sld>
-</file>
-
-<file path=ppt/slides/slide18.xml><?xml version="1.0" encoding="utf-8"?>
-<p:sld xmlns:a="http://schemas.openxmlformats.org/drawingml/2006/main" xmlns:r="http://schemas.openxmlformats.org/officeDocument/2006/relationships" xmlns:p="http://schemas.openxmlformats.org/presentationml/2006/main">
-  <p:cSld>
-    <p:spTree>
-      <p:nvGrpSpPr>
-        <p:cNvPr id="1" name=""/>
-        <p:cNvGrpSpPr/>
-        <p:nvPr/>
-      </p:nvGrpSpPr>
-      <p:grpSpPr>
-        <a:xfrm>
-          <a:off x="0" y="0"/>
-          <a:ext cx="0" cy="0"/>
-          <a:chOff x="0" y="0"/>
-          <a:chExt cx="0" cy="0"/>
-        </a:xfrm>
-      </p:grpSpPr>
-      <p:sp>
-        <p:nvSpPr>
-          <p:cNvPr id="2" name="Title 1">
-            <a:extLst>
-              <a:ext uri="{FF2B5EF4-FFF2-40B4-BE49-F238E27FC236}">
-                <a16:creationId xmlns:a16="http://schemas.microsoft.com/office/drawing/2014/main" id="{A2531FAF-2844-0379-95B8-07BD634131E8}"/>
-              </a:ext>
-            </a:extLst>
-          </p:cNvPr>
-          <p:cNvSpPr>
-            <a:spLocks noGrp="1"/>
-          </p:cNvSpPr>
-          <p:nvPr>
-            <p:ph type="title"/>
-          </p:nvPr>
-        </p:nvSpPr>
-        <p:spPr/>
-        <p:txBody>
-          <a:bodyPr/>
-          <a:lstStyle/>
-          <a:p>
-            <a:r>
-              <a:rPr lang="en-GB" dirty="0"/>
-              <a:t>Possible Improvements</a:t>
-            </a:r>
-          </a:p>
-        </p:txBody>
-      </p:sp>
-      <p:sp>
-        <p:nvSpPr>
-          <p:cNvPr id="3" name="Slide Number Placeholder 2">
-            <a:extLst>
-              <a:ext uri="{FF2B5EF4-FFF2-40B4-BE49-F238E27FC236}">
-                <a16:creationId xmlns:a16="http://schemas.microsoft.com/office/drawing/2014/main" id="{9BEF4AD7-4606-8E52-F79E-60FE06D43DFA}"/>
-              </a:ext>
-            </a:extLst>
-          </p:cNvPr>
-          <p:cNvSpPr>
-            <a:spLocks noGrp="1"/>
-          </p:cNvSpPr>
-          <p:nvPr>
-            <p:ph type="sldNum" sz="quarter" idx="12"/>
-          </p:nvPr>
-        </p:nvSpPr>
-        <p:spPr/>
-        <p:txBody>
-          <a:bodyPr/>
-          <a:lstStyle/>
-          <a:p>
-            <a:fld id="{177CE274-8713-884F-B04F-B6B90AF41963}" type="slidenum">
-              <a:rPr lang="en-US" smtClean="0"/>
-              <a:pPr/>
-              <a:t>18</a:t>
-            </a:fld>
-            <a:endParaRPr lang="en-US"/>
-          </a:p>
-        </p:txBody>
-      </p:sp>
-      <p:sp>
-        <p:nvSpPr>
-          <p:cNvPr id="4" name="Text Placeholder 3">
-            <a:extLst>
-              <a:ext uri="{FF2B5EF4-FFF2-40B4-BE49-F238E27FC236}">
-                <a16:creationId xmlns:a16="http://schemas.microsoft.com/office/drawing/2014/main" id="{C80E3B7D-B29E-8166-6B1B-5EFD243ACC08}"/>
-              </a:ext>
-            </a:extLst>
-          </p:cNvPr>
-          <p:cNvSpPr>
-            <a:spLocks noGrp="1"/>
-          </p:cNvSpPr>
-          <p:nvPr>
-            <p:ph type="body" sz="quarter" idx="13"/>
-          </p:nvPr>
-        </p:nvSpPr>
-        <p:spPr/>
-        <p:txBody>
-          <a:bodyPr/>
-          <a:lstStyle/>
-          <a:p>
-            <a:endParaRPr lang="en-GB" dirty="0"/>
-          </a:p>
-          <a:p>
-            <a:r>
-              <a:rPr lang="en-GB" dirty="0"/>
-              <a:t>Buy-in mid-game using Q-value plus a mark-up</a:t>
-            </a:r>
-          </a:p>
-          <a:p>
-            <a:endParaRPr lang="en-GB" dirty="0"/>
-          </a:p>
-          <a:p>
-            <a:r>
-              <a:rPr lang="en-GB" dirty="0"/>
-              <a:t>Extension to more granular time intervals</a:t>
-            </a:r>
-          </a:p>
-          <a:p>
-            <a:pPr lvl="1"/>
-            <a:r>
-              <a:rPr lang="en-GB" dirty="0"/>
-              <a:t>Cash-out at any stoppage in play</a:t>
-            </a:r>
-          </a:p>
-          <a:p>
-            <a:pPr marL="342900" lvl="1" indent="0">
-              <a:buNone/>
-            </a:pPr>
-            <a:endParaRPr lang="en-GB" dirty="0"/>
-          </a:p>
-          <a:p>
-            <a:r>
-              <a:rPr lang="en-GB" dirty="0"/>
-              <a:t>Offer cash-out below Q-value when exercise value is zero </a:t>
-            </a:r>
-          </a:p>
-        </p:txBody>
-      </p:sp>
-    </p:spTree>
-    <p:extLst>
-      <p:ext uri="{BB962C8B-B14F-4D97-AF65-F5344CB8AC3E}">
-        <p14:creationId xmlns:p14="http://schemas.microsoft.com/office/powerpoint/2010/main" val="957589586"/>
       </p:ext>
     </p:extLst>
   </p:cSld>
@@ -16601,6 +19581,241 @@
     <p:extLst>
       <p:ext uri="{BB962C8B-B14F-4D97-AF65-F5344CB8AC3E}">
         <p14:creationId xmlns:p14="http://schemas.microsoft.com/office/powerpoint/2010/main" val="582173826"/>
+      </p:ext>
+    </p:extLst>
+  </p:cSld>
+  <p:clrMapOvr>
+    <a:masterClrMapping/>
+  </p:clrMapOvr>
+</p:sld>
+</file>
+
+<file path=ppt/slides/slide20.xml><?xml version="1.0" encoding="utf-8"?>
+<p:sld xmlns:a="http://schemas.openxmlformats.org/drawingml/2006/main" xmlns:r="http://schemas.openxmlformats.org/officeDocument/2006/relationships" xmlns:p="http://schemas.openxmlformats.org/presentationml/2006/main">
+  <p:cSld>
+    <p:spTree>
+      <p:nvGrpSpPr>
+        <p:cNvPr id="1" name=""/>
+        <p:cNvGrpSpPr/>
+        <p:nvPr/>
+      </p:nvGrpSpPr>
+      <p:grpSpPr>
+        <a:xfrm>
+          <a:off x="0" y="0"/>
+          <a:ext cx="0" cy="0"/>
+          <a:chOff x="0" y="0"/>
+          <a:chExt cx="0" cy="0"/>
+        </a:xfrm>
+      </p:grpSpPr>
+      <p:sp>
+        <p:nvSpPr>
+          <p:cNvPr id="2" name="Title 1">
+            <a:extLst>
+              <a:ext uri="{FF2B5EF4-FFF2-40B4-BE49-F238E27FC236}">
+                <a16:creationId xmlns:a16="http://schemas.microsoft.com/office/drawing/2014/main" id="{2553E97E-54BA-B13A-DC5D-38116D9F6EAB}"/>
+              </a:ext>
+            </a:extLst>
+          </p:cNvPr>
+          <p:cNvSpPr>
+            <a:spLocks noGrp="1"/>
+          </p:cNvSpPr>
+          <p:nvPr>
+            <p:ph type="ctrTitle"/>
+          </p:nvPr>
+        </p:nvSpPr>
+        <p:spPr/>
+        <p:txBody>
+          <a:bodyPr/>
+          <a:lstStyle/>
+          <a:p>
+            <a:r>
+              <a:rPr lang="en-US" dirty="0"/>
+              <a:t>Thank You</a:t>
+            </a:r>
+          </a:p>
+        </p:txBody>
+      </p:sp>
+      <p:sp>
+        <p:nvSpPr>
+          <p:cNvPr id="3" name="Slide Number Placeholder 2">
+            <a:extLst>
+              <a:ext uri="{FF2B5EF4-FFF2-40B4-BE49-F238E27FC236}">
+                <a16:creationId xmlns:a16="http://schemas.microsoft.com/office/drawing/2014/main" id="{4323C1ED-C1BE-B30F-8CE7-0655F82DD2E0}"/>
+              </a:ext>
+            </a:extLst>
+          </p:cNvPr>
+          <p:cNvSpPr>
+            <a:spLocks noGrp="1"/>
+          </p:cNvSpPr>
+          <p:nvPr>
+            <p:ph type="sldNum" sz="quarter" idx="12"/>
+          </p:nvPr>
+        </p:nvSpPr>
+        <p:spPr/>
+        <p:txBody>
+          <a:bodyPr/>
+          <a:lstStyle/>
+          <a:p>
+            <a:fld id="{177CE274-8713-884F-B04F-B6B90AF41963}" type="slidenum">
+              <a:rPr lang="en-US" smtClean="0"/>
+              <a:pPr/>
+              <a:t>20</a:t>
+            </a:fld>
+            <a:endParaRPr lang="en-US" dirty="0"/>
+          </a:p>
+        </p:txBody>
+      </p:sp>
+    </p:spTree>
+    <p:extLst>
+      <p:ext uri="{BB962C8B-B14F-4D97-AF65-F5344CB8AC3E}">
+        <p14:creationId xmlns:p14="http://schemas.microsoft.com/office/powerpoint/2010/main" val="2530261892"/>
+      </p:ext>
+    </p:extLst>
+  </p:cSld>
+  <p:clrMapOvr>
+    <a:masterClrMapping/>
+  </p:clrMapOvr>
+</p:sld>
+</file>
+
+<file path=ppt/slides/slide21.xml><?xml version="1.0" encoding="utf-8"?>
+<p:sld xmlns:a="http://schemas.openxmlformats.org/drawingml/2006/main" xmlns:r="http://schemas.openxmlformats.org/officeDocument/2006/relationships" xmlns:p="http://schemas.openxmlformats.org/presentationml/2006/main">
+  <p:cSld>
+    <p:spTree>
+      <p:nvGrpSpPr>
+        <p:cNvPr id="1" name=""/>
+        <p:cNvGrpSpPr/>
+        <p:nvPr/>
+      </p:nvGrpSpPr>
+      <p:grpSpPr>
+        <a:xfrm>
+          <a:off x="0" y="0"/>
+          <a:ext cx="0" cy="0"/>
+          <a:chOff x="0" y="0"/>
+          <a:chExt cx="0" cy="0"/>
+        </a:xfrm>
+      </p:grpSpPr>
+      <p:sp>
+        <p:nvSpPr>
+          <p:cNvPr id="2" name="Title 1">
+            <a:extLst>
+              <a:ext uri="{FF2B5EF4-FFF2-40B4-BE49-F238E27FC236}">
+                <a16:creationId xmlns:a16="http://schemas.microsoft.com/office/drawing/2014/main" id="{A2531FAF-2844-0379-95B8-07BD634131E8}"/>
+              </a:ext>
+            </a:extLst>
+          </p:cNvPr>
+          <p:cNvSpPr>
+            <a:spLocks noGrp="1"/>
+          </p:cNvSpPr>
+          <p:nvPr>
+            <p:ph type="title"/>
+          </p:nvPr>
+        </p:nvSpPr>
+        <p:spPr/>
+        <p:txBody>
+          <a:bodyPr/>
+          <a:lstStyle/>
+          <a:p>
+            <a:r>
+              <a:rPr lang="en-GB" dirty="0"/>
+              <a:t>Possible Improvements</a:t>
+            </a:r>
+          </a:p>
+        </p:txBody>
+      </p:sp>
+      <p:sp>
+        <p:nvSpPr>
+          <p:cNvPr id="3" name="Slide Number Placeholder 2">
+            <a:extLst>
+              <a:ext uri="{FF2B5EF4-FFF2-40B4-BE49-F238E27FC236}">
+                <a16:creationId xmlns:a16="http://schemas.microsoft.com/office/drawing/2014/main" id="{9BEF4AD7-4606-8E52-F79E-60FE06D43DFA}"/>
+              </a:ext>
+            </a:extLst>
+          </p:cNvPr>
+          <p:cNvSpPr>
+            <a:spLocks noGrp="1"/>
+          </p:cNvSpPr>
+          <p:nvPr>
+            <p:ph type="sldNum" sz="quarter" idx="12"/>
+          </p:nvPr>
+        </p:nvSpPr>
+        <p:spPr/>
+        <p:txBody>
+          <a:bodyPr/>
+          <a:lstStyle/>
+          <a:p>
+            <a:fld id="{177CE274-8713-884F-B04F-B6B90AF41963}" type="slidenum">
+              <a:rPr lang="en-US" smtClean="0"/>
+              <a:pPr/>
+              <a:t>21</a:t>
+            </a:fld>
+            <a:endParaRPr lang="en-US"/>
+          </a:p>
+        </p:txBody>
+      </p:sp>
+      <p:sp>
+        <p:nvSpPr>
+          <p:cNvPr id="4" name="Text Placeholder 3">
+            <a:extLst>
+              <a:ext uri="{FF2B5EF4-FFF2-40B4-BE49-F238E27FC236}">
+                <a16:creationId xmlns:a16="http://schemas.microsoft.com/office/drawing/2014/main" id="{C80E3B7D-B29E-8166-6B1B-5EFD243ACC08}"/>
+              </a:ext>
+            </a:extLst>
+          </p:cNvPr>
+          <p:cNvSpPr>
+            <a:spLocks noGrp="1"/>
+          </p:cNvSpPr>
+          <p:nvPr>
+            <p:ph type="body" sz="quarter" idx="13"/>
+          </p:nvPr>
+        </p:nvSpPr>
+        <p:spPr/>
+        <p:txBody>
+          <a:bodyPr/>
+          <a:lstStyle/>
+          <a:p>
+            <a:endParaRPr lang="en-GB" dirty="0"/>
+          </a:p>
+          <a:p>
+            <a:r>
+              <a:rPr lang="en-GB" dirty="0"/>
+              <a:t>Buy-in mid-game using Q-value plus a mark-up</a:t>
+            </a:r>
+          </a:p>
+          <a:p>
+            <a:endParaRPr lang="en-GB" dirty="0"/>
+          </a:p>
+          <a:p>
+            <a:r>
+              <a:rPr lang="en-GB" dirty="0"/>
+              <a:t>Extension to more granular time intervals</a:t>
+            </a:r>
+          </a:p>
+          <a:p>
+            <a:pPr lvl="1"/>
+            <a:r>
+              <a:rPr lang="en-GB" dirty="0"/>
+              <a:t>Cash-out at any stoppage in play</a:t>
+            </a:r>
+          </a:p>
+          <a:p>
+            <a:pPr marL="342900" lvl="1" indent="0">
+              <a:buNone/>
+            </a:pPr>
+            <a:endParaRPr lang="en-GB" dirty="0"/>
+          </a:p>
+          <a:p>
+            <a:r>
+              <a:rPr lang="en-GB" dirty="0"/>
+              <a:t>Offer cash-out below Q-value when exercise value is zero </a:t>
+            </a:r>
+          </a:p>
+        </p:txBody>
+      </p:sp>
+    </p:spTree>
+    <p:extLst>
+      <p:ext uri="{BB962C8B-B14F-4D97-AF65-F5344CB8AC3E}">
+        <p14:creationId xmlns:p14="http://schemas.microsoft.com/office/powerpoint/2010/main" val="957589586"/>
       </p:ext>
     </p:extLst>
   </p:cSld>

--- a/Second_Draft.pptx
+++ b/Second_Draft.pptx
@@ -138,7 +138,7 @@
 <file path=ppt/charts/chart1.xml><?xml version="1.0" encoding="utf-8"?>
 <c:chartSpace xmlns:c="http://schemas.openxmlformats.org/drawingml/2006/chart" xmlns:a="http://schemas.openxmlformats.org/drawingml/2006/main" xmlns:r="http://schemas.openxmlformats.org/officeDocument/2006/relationships" xmlns:c16r2="http://schemas.microsoft.com/office/drawing/2015/06/chart">
   <c:date1904 val="0"/>
-  <c:lang val="en-GB"/>
+  <c:lang val="en-US"/>
   <c:roundedCorners val="0"/>
   <mc:AlternateContent xmlns:mc="http://schemas.openxmlformats.org/markup-compatibility/2006">
     <mc:Choice xmlns:c14="http://schemas.microsoft.com/office/drawing/2007/8/2/chart" Requires="c14">
@@ -219,7 +219,7 @@
               <a:cs typeface="+mn-cs"/>
             </a:defRPr>
           </a:pPr>
-          <a:endParaRPr lang="en-DE"/>
+          <a:endParaRPr lang="en-US"/>
         </a:p>
       </c:txPr>
     </c:title>
@@ -281,7 +281,7 @@
                     <a:cs typeface="+mn-cs"/>
                   </a:defRPr>
                 </a:pPr>
-                <a:endParaRPr lang="en-DE"/>
+                <a:endParaRPr lang="en-US"/>
               </a:p>
             </c:txPr>
             <c:showLegendKey val="0"/>
@@ -422,7 +422,7 @@
                 <a:cs typeface="+mn-cs"/>
               </a:defRPr>
             </a:pPr>
-            <a:endParaRPr lang="en-DE"/>
+            <a:endParaRPr lang="en-US"/>
           </a:p>
         </c:txPr>
         <c:crossAx val="1739733328"/>
@@ -480,7 +480,7 @@
       <a:pPr>
         <a:defRPr/>
       </a:pPr>
-      <a:endParaRPr lang="en-DE"/>
+      <a:endParaRPr lang="en-US"/>
     </a:p>
   </c:txPr>
   <c:externalData r:id="rId3">
@@ -20936,23 +20936,63 @@
           <a:p>
             <a:r>
               <a:rPr lang="en-GB" dirty="0"/>
-              <a:t>Line =</a:t>
+              <a:t>Bet on Line at Fixed Price </a:t>
             </a:r>
           </a:p>
           <a:p>
+            <a:pPr marL="0" indent="0">
+              <a:buNone/>
+            </a:pPr>
+            <a:r>
+              <a:rPr lang="en-GB" dirty="0"/>
+              <a:t>(“</a:t>
+            </a:r>
             <a:r>
               <a:rPr lang="en-GB" dirty="0" err="1"/>
-              <a:t>Payout</a:t>
+              <a:t>Vig</a:t>
             </a:r>
             <a:r>
               <a:rPr lang="en-GB" dirty="0"/>
-              <a:t> Philosophy</a:t>
+              <a:t>” or “Juice”)</a:t>
             </a:r>
           </a:p>
           <a:p>
             <a:r>
               <a:rPr lang="en-GB" dirty="0"/>
-              <a:t>Background on betting</a:t>
+              <a:t>Lamer version of </a:t>
+            </a:r>
+          </a:p>
+          <a:p>
+            <a:pPr marL="0" indent="0">
+              <a:buNone/>
+            </a:pPr>
+            <a:r>
+              <a:rPr lang="en-GB" dirty="0"/>
+              <a:t> European Option</a:t>
+            </a:r>
+          </a:p>
+          <a:p>
+            <a:r>
+              <a:rPr lang="en-GB" dirty="0"/>
+              <a:t>How can we make the </a:t>
+            </a:r>
+          </a:p>
+          <a:p>
+            <a:pPr marL="0" indent="0">
+              <a:buNone/>
+            </a:pPr>
+            <a:r>
+              <a:rPr lang="en-GB" dirty="0"/>
+              <a:t> in-game emotions of the </a:t>
+            </a:r>
+          </a:p>
+          <a:p>
+            <a:pPr marL="0" indent="0">
+              <a:buNone/>
+            </a:pPr>
+            <a:r>
+              <a:rPr lang="en-GB" dirty="0"/>
+              <a:t> betting experience actionable?</a:t>
             </a:r>
           </a:p>
           <a:p>
@@ -21080,31 +21120,6 @@
       </p:grpSpPr>
       <p:sp>
         <p:nvSpPr>
-          <p:cNvPr id="9" name="Text Placeholder 8">
-            <a:extLst>
-              <a:ext uri="{FF2B5EF4-FFF2-40B4-BE49-F238E27FC236}">
-                <a16:creationId xmlns:a16="http://schemas.microsoft.com/office/drawing/2014/main" id="{11EA0120-F958-3780-3BD8-3447B5C89CBD}"/>
-              </a:ext>
-            </a:extLst>
-          </p:cNvPr>
-          <p:cNvSpPr>
-            <a:spLocks noGrp="1"/>
-          </p:cNvSpPr>
-          <p:nvPr>
-            <p:ph type="body" sz="quarter" idx="13"/>
-          </p:nvPr>
-        </p:nvSpPr>
-        <p:spPr/>
-        <p:txBody>
-          <a:bodyPr/>
-          <a:lstStyle/>
-          <a:p>
-            <a:endParaRPr lang="en-US" dirty="0"/>
-          </a:p>
-        </p:txBody>
-      </p:sp>
-      <p:sp>
-        <p:nvSpPr>
           <p:cNvPr id="2" name="Title 1">
             <a:extLst>
               <a:ext uri="{FF2B5EF4-FFF2-40B4-BE49-F238E27FC236}">
@@ -21171,55 +21186,6 @@
           </a:p>
         </p:txBody>
       </p:sp>
-      <p:sp>
-        <p:nvSpPr>
-          <p:cNvPr id="6" name="Rectangle 5">
-            <a:extLst>
-              <a:ext uri="{FF2B5EF4-FFF2-40B4-BE49-F238E27FC236}">
-                <a16:creationId xmlns:a16="http://schemas.microsoft.com/office/drawing/2014/main" id="{4B707209-A8D8-CCBA-7231-C7839A4BF62A}"/>
-              </a:ext>
-            </a:extLst>
-          </p:cNvPr>
-          <p:cNvSpPr/>
-          <p:nvPr/>
-        </p:nvSpPr>
-        <p:spPr>
-          <a:xfrm>
-            <a:off x="584582" y="1984248"/>
-            <a:ext cx="1527682" cy="667512"/>
-          </a:xfrm>
-          <a:prstGeom prst="rect">
-            <a:avLst/>
-          </a:prstGeom>
-        </p:spPr>
-        <p:style>
-          <a:lnRef idx="2">
-            <a:schemeClr val="accent1">
-              <a:shade val="50000"/>
-            </a:schemeClr>
-          </a:lnRef>
-          <a:fillRef idx="1">
-            <a:schemeClr val="accent1"/>
-          </a:fillRef>
-          <a:effectRef idx="0">
-            <a:schemeClr val="accent1"/>
-          </a:effectRef>
-          <a:fontRef idx="minor">
-            <a:schemeClr val="lt1"/>
-          </a:fontRef>
-        </p:style>
-        <p:txBody>
-          <a:bodyPr rtlCol="0" anchor="ctr"/>
-          <a:lstStyle/>
-          <a:p>
-            <a:pPr algn="ctr"/>
-            <a:r>
-              <a:rPr lang="en-US" dirty="0"/>
-              <a:t>S</a:t>
-            </a:r>
-          </a:p>
-        </p:txBody>
-      </p:sp>
       <p:pic>
         <p:nvPicPr>
           <p:cNvPr id="23" name="Picture 22" descr="A picture containing line chart&#10;&#10;Description automatically generated">
@@ -21250,6 +21216,443 @@
           </a:prstGeom>
         </p:spPr>
       </p:pic>
+      <mc:AlternateContent xmlns:mc="http://schemas.openxmlformats.org/markup-compatibility/2006">
+        <mc:Choice xmlns:a14="http://schemas.microsoft.com/office/drawing/2010/main" Requires="a14">
+          <p:sp>
+            <p:nvSpPr>
+              <p:cNvPr id="4" name="Text Placeholder 3">
+                <a:extLst>
+                  <a:ext uri="{FF2B5EF4-FFF2-40B4-BE49-F238E27FC236}">
+                    <a16:creationId xmlns:a16="http://schemas.microsoft.com/office/drawing/2014/main" id="{7BC10976-C5E7-6630-DC99-C6870BF4AA39}"/>
+                  </a:ext>
+                </a:extLst>
+              </p:cNvPr>
+              <p:cNvSpPr>
+                <a:spLocks noGrp="1"/>
+              </p:cNvSpPr>
+              <p:nvPr>
+                <p:ph type="body" sz="quarter" idx="13"/>
+              </p:nvPr>
+            </p:nvSpPr>
+            <p:spPr>
+              <a:xfrm>
+                <a:off x="177998" y="1351555"/>
+                <a:ext cx="3763688" cy="3813048"/>
+              </a:xfrm>
+            </p:spPr>
+            <p:txBody>
+              <a:bodyPr>
+                <a:normAutofit fontScale="92500"/>
+              </a:bodyPr>
+              <a:lstStyle/>
+              <a:p>
+                <a:r>
+                  <a:rPr lang="en-GB" dirty="0"/>
+                  <a:t>New Line Equation:</a:t>
+                </a:r>
+              </a:p>
+              <a:p>
+                <a:pPr marL="0" indent="0">
+                  <a:buNone/>
+                </a:pPr>
+                <a:r>
+                  <a:rPr lang="en-GB" dirty="0"/>
+                  <a:t>	</a:t>
+                </a:r>
+                <a14:m>
+                  <m:oMath xmlns:m="http://schemas.openxmlformats.org/officeDocument/2006/math">
+                    <m:sSub>
+                      <m:sSubPr>
+                        <m:ctrlPr>
+                          <a:rPr lang="en-US" b="0" i="1" smtClean="0">
+                            <a:latin typeface="Cambria Math" panose="02040503050406030204" pitchFamily="18" charset="0"/>
+                          </a:rPr>
+                        </m:ctrlPr>
+                      </m:sSubPr>
+                      <m:e>
+                        <m:r>
+                          <a:rPr lang="en-US" b="0" i="1" smtClean="0">
+                            <a:latin typeface="Cambria Math" panose="02040503050406030204" pitchFamily="18" charset="0"/>
+                          </a:rPr>
+                          <m:t>𝑙</m:t>
+                        </m:r>
+                      </m:e>
+                      <m:sub>
+                        <m:r>
+                          <a:rPr lang="en-US" b="0" i="1" smtClean="0">
+                            <a:latin typeface="Cambria Math" panose="02040503050406030204" pitchFamily="18" charset="0"/>
+                          </a:rPr>
+                          <m:t>𝑡</m:t>
+                        </m:r>
+                      </m:sub>
+                    </m:sSub>
+                    <m:r>
+                      <a:rPr lang="en-US" b="0" i="1" smtClean="0">
+                        <a:latin typeface="Cambria Math" panose="02040503050406030204" pitchFamily="18" charset="0"/>
+                      </a:rPr>
+                      <m:t>=</m:t>
+                    </m:r>
+                    <m:r>
+                      <a:rPr lang="en-US" b="0" i="1" smtClean="0">
+                        <a:latin typeface="Cambria Math" panose="02040503050406030204" pitchFamily="18" charset="0"/>
+                      </a:rPr>
+                      <m:t>𝑙</m:t>
+                    </m:r>
+                    <m:r>
+                      <a:rPr lang="en-US" b="0" i="1" smtClean="0">
+                        <a:latin typeface="Cambria Math" panose="02040503050406030204" pitchFamily="18" charset="0"/>
+                      </a:rPr>
+                      <m:t> ∗ </m:t>
+                    </m:r>
+                    <m:f>
+                      <m:fPr>
+                        <m:ctrlPr>
+                          <a:rPr lang="en-US" b="0" i="1" smtClean="0">
+                            <a:latin typeface="Cambria Math" panose="02040503050406030204" pitchFamily="18" charset="0"/>
+                          </a:rPr>
+                        </m:ctrlPr>
+                      </m:fPr>
+                      <m:num>
+                        <m:r>
+                          <a:rPr lang="en-US" b="0" i="1" smtClean="0">
+                            <a:latin typeface="Cambria Math" panose="02040503050406030204" pitchFamily="18" charset="0"/>
+                          </a:rPr>
+                          <m:t>𝑡</m:t>
+                        </m:r>
+                      </m:num>
+                      <m:den>
+                        <m:r>
+                          <a:rPr lang="en-US" b="0" i="1" smtClean="0">
+                            <a:latin typeface="Cambria Math" panose="02040503050406030204" pitchFamily="18" charset="0"/>
+                          </a:rPr>
+                          <m:t>𝑇</m:t>
+                        </m:r>
+                      </m:den>
+                    </m:f>
+                  </m:oMath>
+                </a14:m>
+                <a:endParaRPr lang="en-GB" dirty="0"/>
+              </a:p>
+              <a:p>
+                <a:r>
+                  <a:rPr lang="en-GB" dirty="0"/>
+                  <a:t>New </a:t>
+                </a:r>
+                <a:r>
+                  <a:rPr lang="en-GB" dirty="0" err="1"/>
+                  <a:t>Payout</a:t>
+                </a:r>
+                <a:r>
+                  <a:rPr lang="en-GB" dirty="0"/>
+                  <a:t> Equation for $1 bet:</a:t>
+                </a:r>
+              </a:p>
+              <a:p>
+                <a:pPr marL="0" indent="0">
+                  <a:buNone/>
+                </a:pPr>
+                <a14:m>
+                  <m:oMathPara xmlns:m="http://schemas.openxmlformats.org/officeDocument/2006/math">
+                    <m:oMathParaPr>
+                      <m:jc m:val="centerGroup"/>
+                    </m:oMathParaPr>
+                    <m:oMath xmlns:m="http://schemas.openxmlformats.org/officeDocument/2006/math">
+                      <m:r>
+                        <a:rPr lang="en-US" b="0" i="1" smtClean="0">
+                          <a:latin typeface="Cambria Math" panose="02040503050406030204" pitchFamily="18" charset="0"/>
+                        </a:rPr>
+                        <m:t>𝑃</m:t>
+                      </m:r>
+                      <m:d>
+                        <m:dPr>
+                          <m:ctrlPr>
+                            <a:rPr lang="en-US" b="0" i="1" smtClean="0">
+                              <a:latin typeface="Cambria Math" panose="02040503050406030204" pitchFamily="18" charset="0"/>
+                            </a:rPr>
+                          </m:ctrlPr>
+                        </m:dPr>
+                        <m:e>
+                          <m:sSub>
+                            <m:sSubPr>
+                              <m:ctrlPr>
+                                <a:rPr lang="en-US" b="0" i="1" smtClean="0">
+                                  <a:latin typeface="Cambria Math" panose="02040503050406030204" pitchFamily="18" charset="0"/>
+                                </a:rPr>
+                              </m:ctrlPr>
+                            </m:sSubPr>
+                            <m:e>
+                              <m:r>
+                                <a:rPr lang="en-US" b="0" i="1" smtClean="0">
+                                  <a:latin typeface="Cambria Math" panose="02040503050406030204" pitchFamily="18" charset="0"/>
+                                </a:rPr>
+                                <m:t>𝑋</m:t>
+                              </m:r>
+                            </m:e>
+                            <m:sub>
+                              <m:r>
+                                <a:rPr lang="en-US" b="0" i="1" smtClean="0">
+                                  <a:latin typeface="Cambria Math" panose="02040503050406030204" pitchFamily="18" charset="0"/>
+                                </a:rPr>
+                                <m:t>𝑡</m:t>
+                              </m:r>
+                            </m:sub>
+                          </m:sSub>
+                        </m:e>
+                      </m:d>
+                      <m:r>
+                        <a:rPr lang="en-US" b="0" i="1" smtClean="0">
+                          <a:latin typeface="Cambria Math" panose="02040503050406030204" pitchFamily="18" charset="0"/>
+                        </a:rPr>
+                        <m:t>=</m:t>
+                      </m:r>
+                      <m:r>
+                        <m:rPr>
+                          <m:sty m:val="p"/>
+                        </m:rPr>
+                        <a:rPr lang="en-US" b="0" i="0" smtClean="0">
+                          <a:latin typeface="Cambria Math" panose="02040503050406030204" pitchFamily="18" charset="0"/>
+                        </a:rPr>
+                        <m:t>max</m:t>
+                      </m:r>
+                      <m:r>
+                        <a:rPr lang="en-US" b="0" i="1" smtClean="0">
+                          <a:latin typeface="Cambria Math" panose="02040503050406030204" pitchFamily="18" charset="0"/>
+                        </a:rPr>
+                        <m:t>⁡(</m:t>
+                      </m:r>
+                      <m:sSub>
+                        <m:sSubPr>
+                          <m:ctrlPr>
+                            <a:rPr lang="en-US" b="0" i="1" smtClean="0">
+                              <a:latin typeface="Cambria Math" panose="02040503050406030204" pitchFamily="18" charset="0"/>
+                            </a:rPr>
+                          </m:ctrlPr>
+                        </m:sSubPr>
+                        <m:e>
+                          <m:r>
+                            <a:rPr lang="en-US" b="0" i="1" smtClean="0">
+                              <a:latin typeface="Cambria Math" panose="02040503050406030204" pitchFamily="18" charset="0"/>
+                            </a:rPr>
+                            <m:t>𝑋</m:t>
+                          </m:r>
+                        </m:e>
+                        <m:sub>
+                          <m:r>
+                            <a:rPr lang="en-US" b="0" i="1" smtClean="0">
+                              <a:latin typeface="Cambria Math" panose="02040503050406030204" pitchFamily="18" charset="0"/>
+                            </a:rPr>
+                            <m:t>𝑡</m:t>
+                          </m:r>
+                        </m:sub>
+                      </m:sSub>
+                      <m:r>
+                        <a:rPr lang="en-US" b="0" i="1" smtClean="0">
+                          <a:latin typeface="Cambria Math" panose="02040503050406030204" pitchFamily="18" charset="0"/>
+                        </a:rPr>
+                        <m:t>−</m:t>
+                      </m:r>
+                      <m:sSub>
+                        <m:sSubPr>
+                          <m:ctrlPr>
+                            <a:rPr lang="en-US" b="0" i="1" smtClean="0">
+                              <a:latin typeface="Cambria Math" panose="02040503050406030204" pitchFamily="18" charset="0"/>
+                            </a:rPr>
+                          </m:ctrlPr>
+                        </m:sSubPr>
+                        <m:e>
+                          <m:r>
+                            <a:rPr lang="en-US" b="0" i="1" smtClean="0">
+                              <a:latin typeface="Cambria Math" panose="02040503050406030204" pitchFamily="18" charset="0"/>
+                            </a:rPr>
+                            <m:t>𝑙</m:t>
+                          </m:r>
+                        </m:e>
+                        <m:sub>
+                          <m:r>
+                            <a:rPr lang="en-US" b="0" i="1" smtClean="0">
+                              <a:latin typeface="Cambria Math" panose="02040503050406030204" pitchFamily="18" charset="0"/>
+                            </a:rPr>
+                            <m:t>𝑡</m:t>
+                          </m:r>
+                        </m:sub>
+                      </m:sSub>
+                      <m:r>
+                        <a:rPr lang="en-US" b="0" i="1" smtClean="0">
+                          <a:latin typeface="Cambria Math" panose="02040503050406030204" pitchFamily="18" charset="0"/>
+                        </a:rPr>
+                        <m:t>, 0)</m:t>
+                      </m:r>
+                    </m:oMath>
+                  </m:oMathPara>
+                </a14:m>
+                <a:endParaRPr lang="en-GB" dirty="0"/>
+              </a:p>
+              <a:p>
+                <a:pPr marL="0" indent="0">
+                  <a:buNone/>
+                </a:pPr>
+                <a:r>
+                  <a:rPr lang="en-GB" dirty="0"/>
+                  <a:t>	*</a:t>
+                </a:r>
+                <a:r>
+                  <a:rPr lang="en-US" b="0" dirty="0"/>
+                  <a:t> </a:t>
+                </a:r>
+                <a14:m>
+                  <m:oMath xmlns:m="http://schemas.openxmlformats.org/officeDocument/2006/math">
+                    <m:sSub>
+                      <m:sSubPr>
+                        <m:ctrlPr>
+                          <a:rPr lang="en-US" b="0" i="1" smtClean="0">
+                            <a:latin typeface="Cambria Math" panose="02040503050406030204" pitchFamily="18" charset="0"/>
+                          </a:rPr>
+                        </m:ctrlPr>
+                      </m:sSubPr>
+                      <m:e>
+                        <m:r>
+                          <a:rPr lang="en-US" b="0" i="1" smtClean="0">
+                            <a:latin typeface="Cambria Math" panose="02040503050406030204" pitchFamily="18" charset="0"/>
+                          </a:rPr>
+                          <m:t>𝑋</m:t>
+                        </m:r>
+                      </m:e>
+                      <m:sub>
+                        <m:r>
+                          <a:rPr lang="en-US" b="0" i="1" smtClean="0">
+                            <a:latin typeface="Cambria Math" panose="02040503050406030204" pitchFamily="18" charset="0"/>
+                          </a:rPr>
+                          <m:t>𝑡</m:t>
+                        </m:r>
+                      </m:sub>
+                    </m:sSub>
+                  </m:oMath>
+                </a14:m>
+                <a:r>
+                  <a:rPr lang="en-GB" dirty="0"/>
+                  <a:t> is price at t</a:t>
+                </a:r>
+              </a:p>
+              <a:p>
+                <a:pPr marL="0" indent="0">
+                  <a:buNone/>
+                </a:pPr>
+                <a:r>
+                  <a:rPr lang="en-GB" dirty="0"/>
+                  <a:t>	* </a:t>
+                </a:r>
+                <a14:m>
+                  <m:oMath xmlns:m="http://schemas.openxmlformats.org/officeDocument/2006/math">
+                    <m:sSub>
+                      <m:sSubPr>
+                        <m:ctrlPr>
+                          <a:rPr lang="en-US" b="0" i="1" smtClean="0">
+                            <a:latin typeface="Cambria Math" panose="02040503050406030204" pitchFamily="18" charset="0"/>
+                          </a:rPr>
+                        </m:ctrlPr>
+                      </m:sSubPr>
+                      <m:e>
+                        <m:r>
+                          <a:rPr lang="en-US" b="0" i="1" smtClean="0">
+                            <a:latin typeface="Cambria Math" panose="02040503050406030204" pitchFamily="18" charset="0"/>
+                          </a:rPr>
+                          <m:t>𝑙</m:t>
+                        </m:r>
+                      </m:e>
+                      <m:sub>
+                        <m:r>
+                          <a:rPr lang="en-US" b="0" i="1" smtClean="0">
+                            <a:latin typeface="Cambria Math" panose="02040503050406030204" pitchFamily="18" charset="0"/>
+                          </a:rPr>
+                          <m:t>𝑡</m:t>
+                        </m:r>
+                      </m:sub>
+                    </m:sSub>
+                  </m:oMath>
+                </a14:m>
+                <a:r>
+                  <a:rPr lang="en-GB" dirty="0"/>
+                  <a:t> is line at t</a:t>
+                </a:r>
+              </a:p>
+              <a:p>
+                <a:r>
+                  <a:rPr lang="en-GB" dirty="0"/>
+                  <a:t>Relationship to Options</a:t>
+                </a:r>
+              </a:p>
+              <a:p>
+                <a:pPr lvl="1"/>
+                <a:r>
+                  <a:rPr lang="en-GB" dirty="0"/>
+                  <a:t>European, American, Bermuda  </a:t>
+                </a:r>
+              </a:p>
+              <a:p>
+                <a:r>
+                  <a:rPr lang="en-GB" dirty="0"/>
+                  <a:t>Challenge – how to price this? </a:t>
+                </a:r>
+              </a:p>
+              <a:p>
+                <a:pPr marL="0" indent="0" algn="ctr">
+                  <a:buNone/>
+                </a:pPr>
+                <a:r>
+                  <a:rPr lang="en-GB" dirty="0"/>
+                  <a:t>RL!</a:t>
+                </a:r>
+              </a:p>
+              <a:p>
+                <a:endParaRPr lang="en-GB" dirty="0"/>
+              </a:p>
+            </p:txBody>
+          </p:sp>
+        </mc:Choice>
+        <mc:Fallback>
+          <p:sp>
+            <p:nvSpPr>
+              <p:cNvPr id="4" name="Text Placeholder 3">
+                <a:extLst>
+                  <a:ext uri="{FF2B5EF4-FFF2-40B4-BE49-F238E27FC236}">
+                    <a16:creationId xmlns:a16="http://schemas.microsoft.com/office/drawing/2014/main" id="{7BC10976-C5E7-6630-DC99-C6870BF4AA39}"/>
+                  </a:ext>
+                </a:extLst>
+              </p:cNvPr>
+              <p:cNvSpPr>
+                <a:spLocks noGrp="1" noRot="1" noChangeAspect="1" noMove="1" noResize="1" noEditPoints="1" noAdjustHandles="1" noChangeArrowheads="1" noChangeShapeType="1" noTextEdit="1"/>
+              </p:cNvSpPr>
+              <p:nvPr>
+                <p:ph type="body" sz="quarter" idx="13"/>
+              </p:nvPr>
+            </p:nvSpPr>
+            <p:spPr>
+              <a:xfrm>
+                <a:off x="177998" y="1351555"/>
+                <a:ext cx="3763688" cy="3813048"/>
+              </a:xfrm>
+              <a:blipFill>
+                <a:blip r:embed="rId3"/>
+                <a:stretch>
+                  <a:fillRect l="-3691" t="-1993" r="-671" b="-2658"/>
+                </a:stretch>
+              </a:blipFill>
+            </p:spPr>
+            <p:txBody>
+              <a:bodyPr/>
+              <a:lstStyle/>
+              <a:p>
+                <a:r>
+                  <a:rPr lang="en-US">
+                    <a:noFill/>
+                  </a:rPr>
+                  <a:t> </a:t>
+                </a:r>
+              </a:p>
+            </p:txBody>
+          </p:sp>
+        </mc:Fallback>
+      </mc:AlternateContent>
     </p:spTree>
     <p:extLst>
       <p:ext uri="{BB962C8B-B14F-4D97-AF65-F5344CB8AC3E}">

--- a/Second_Draft.pptx
+++ b/Second_Draft.pptx
@@ -20936,7 +20936,7 @@
           <a:p>
             <a:r>
               <a:rPr lang="en-GB" dirty="0"/>
-              <a:t>Bet on Line at Fixed Price </a:t>
+              <a:t>Bet on a line for a fixed</a:t>
             </a:r>
           </a:p>
           <a:p>
@@ -20945,15 +20945,14 @@
             </a:pPr>
             <a:r>
               <a:rPr lang="en-GB" dirty="0"/>
-              <a:t>(“</a:t>
-            </a:r>
-            <a:r>
-              <a:rPr lang="en-GB" dirty="0" err="1"/>
-              <a:t>Vig</a:t>
-            </a:r>
+              <a:t> potential profit </a:t>
+            </a:r>
+          </a:p>
+          <a:p>
+            <a:pPr lvl="1"/>
             <a:r>
               <a:rPr lang="en-GB" dirty="0"/>
-              <a:t>” or “Juice”)</a:t>
+              <a:t>book collects “juice”</a:t>
             </a:r>
           </a:p>
           <a:p>
@@ -21023,7 +21022,7 @@
         </p:nvSpPr>
         <p:spPr>
           <a:xfrm>
-            <a:off x="639446" y="768096"/>
+            <a:off x="1228339" y="646939"/>
             <a:ext cx="1527682" cy="667512"/>
           </a:xfrm>
           <a:prstGeom prst="rect">
@@ -21247,8 +21246,12 @@
               <a:lstStyle/>
               <a:p>
                 <a:r>
+                  <a:rPr lang="en-GB" dirty="0" err="1"/>
+                  <a:t>FlexPoints</a:t>
+                </a:r>
+                <a:r>
                   <a:rPr lang="en-GB" dirty="0"/>
-                  <a:t>New Line Equation:</a:t>
+                  <a:t> Line Equation:</a:t>
                 </a:r>
               </a:p>
               <a:p>
@@ -21335,8 +21338,12 @@
               </a:p>
               <a:p>
                 <a:r>
+                  <a:rPr lang="en-GB" dirty="0" err="1"/>
+                  <a:t>FlexPoints</a:t>
+                </a:r>
+                <a:r>
                   <a:rPr lang="en-GB" dirty="0"/>
-                  <a:t>New </a:t>
+                  <a:t> </a:t>
                 </a:r>
                 <a:r>
                   <a:rPr lang="en-GB" dirty="0" err="1"/>
@@ -21344,7 +21351,7 @@
                 </a:r>
                 <a:r>
                   <a:rPr lang="en-GB" dirty="0"/>
-                  <a:t> Equation for $1 bet:</a:t>
+                  <a:t> Equation:</a:t>
                 </a:r>
               </a:p>
               <a:p>
@@ -21530,7 +21537,7 @@
                 </a14:m>
                 <a:r>
                   <a:rPr lang="en-GB" dirty="0"/>
-                  <a:t> is price at t</a:t>
+                  <a:t> is price at time t</a:t>
                 </a:r>
               </a:p>
               <a:p>
@@ -21572,7 +21579,7 @@
                 </a14:m>
                 <a:r>
                   <a:rPr lang="en-GB" dirty="0"/>
-                  <a:t> is line at t</a:t>
+                  <a:t> is line at time t</a:t>
                 </a:r>
               </a:p>
               <a:p>
@@ -21634,7 +21641,7 @@
               <a:blipFill>
                 <a:blip r:embed="rId3"/>
                 <a:stretch>
-                  <a:fillRect l="-3691" t="-1993" r="-671" b="-2658"/>
+                  <a:fillRect l="-3691" t="-1993" b="-2658"/>
                 </a:stretch>
               </a:blipFill>
             </p:spPr>
